--- a/Présentation/Présentation Soutenance.pptx
+++ b/Présentation/Présentation Soutenance.pptx
@@ -2,10 +2,16 @@
 <file path=ppt/presentation.xml><?xml version="1.0" encoding="utf-8"?>
 <p:presentation xmlns:a="http://schemas.openxmlformats.org/drawingml/2006/main" xmlns:r="http://schemas.openxmlformats.org/officeDocument/2006/relationships" xmlns:p="http://schemas.openxmlformats.org/presentationml/2006/main" saveSubsetFonts="1">
   <p:sldMasterIdLst>
-    <p:sldMasterId id="2147483648" r:id="rId1"/>
+    <p:sldMasterId id="2147483827" r:id="rId1"/>
   </p:sldMasterIdLst>
   <p:sldIdLst>
     <p:sldId id="256" r:id="rId2"/>
+    <p:sldId id="257" r:id="rId3"/>
+    <p:sldId id="258" r:id="rId4"/>
+    <p:sldId id="259" r:id="rId5"/>
+    <p:sldId id="260" r:id="rId6"/>
+    <p:sldId id="261" r:id="rId7"/>
+    <p:sldId id="262" r:id="rId8"/>
   </p:sldIdLst>
   <p:sldSz cx="12192000" cy="6858000"/>
   <p:notesSz cx="6858000" cy="9144000"/>
@@ -104,6 +110,11 @@
       </a:defRPr>
     </a:lvl9pPr>
   </p:defaultTextStyle>
+  <p:extLst>
+    <p:ext uri="{EFAFB233-063F-42B5-8137-9DF3F51BA10A}">
+      <p15:sldGuideLst xmlns:p15="http://schemas.microsoft.com/office/powerpoint/2012/main"/>
+    </p:ext>
+  </p:extLst>
 </p:presentation>
 </file>
 
@@ -136,15 +147,17 @@
         </p:nvSpPr>
         <p:spPr>
           <a:xfrm>
-            <a:off x="1524000" y="1122363"/>
-            <a:ext cx="9144000" cy="2387600"/>
+            <a:off x="2589213" y="2514600"/>
+            <a:ext cx="8915399" cy="2262781"/>
           </a:xfrm>
         </p:spPr>
         <p:txBody>
-          <a:bodyPr anchor="b"/>
+          <a:bodyPr anchor="b">
+            <a:normAutofit/>
+          </a:bodyPr>
           <a:lstStyle>
-            <a:lvl1pPr algn="ctr">
-              <a:defRPr sz="6000"/>
+            <a:lvl1pPr>
+              <a:defRPr sz="5400"/>
             </a:lvl1pPr>
           </a:lstStyle>
           <a:p>
@@ -152,7 +165,7 @@
               <a:rPr lang="en-US" smtClean="0"/>
               <a:t>Click to edit Master title style</a:t>
             </a:r>
-            <a:endParaRPr lang="en-US"/>
+            <a:endParaRPr lang="en-US" dirty="0"/>
           </a:p>
         </p:txBody>
       </p:sp>
@@ -168,48 +181,103 @@
         </p:nvSpPr>
         <p:spPr>
           <a:xfrm>
-            <a:off x="1524000" y="3602038"/>
-            <a:ext cx="9144000" cy="1655762"/>
+            <a:off x="2589213" y="4777379"/>
+            <a:ext cx="8915399" cy="1126283"/>
           </a:xfrm>
         </p:spPr>
         <p:txBody>
-          <a:bodyPr/>
+          <a:bodyPr anchor="t"/>
           <a:lstStyle>
-            <a:lvl1pPr marL="0" indent="0" algn="ctr">
-              <a:buNone/>
-              <a:defRPr sz="2400"/>
+            <a:lvl1pPr marL="0" indent="0" algn="l">
+              <a:buNone/>
+              <a:defRPr>
+                <a:solidFill>
+                  <a:schemeClr val="tx1">
+                    <a:lumMod val="65000"/>
+                    <a:lumOff val="35000"/>
+                  </a:schemeClr>
+                </a:solidFill>
+              </a:defRPr>
             </a:lvl1pPr>
             <a:lvl2pPr marL="457200" indent="0" algn="ctr">
               <a:buNone/>
-              <a:defRPr sz="2000"/>
+              <a:defRPr>
+                <a:solidFill>
+                  <a:schemeClr val="tx1">
+                    <a:tint val="75000"/>
+                  </a:schemeClr>
+                </a:solidFill>
+              </a:defRPr>
             </a:lvl2pPr>
             <a:lvl3pPr marL="914400" indent="0" algn="ctr">
               <a:buNone/>
-              <a:defRPr sz="1800"/>
+              <a:defRPr>
+                <a:solidFill>
+                  <a:schemeClr val="tx1">
+                    <a:tint val="75000"/>
+                  </a:schemeClr>
+                </a:solidFill>
+              </a:defRPr>
             </a:lvl3pPr>
             <a:lvl4pPr marL="1371600" indent="0" algn="ctr">
               <a:buNone/>
-              <a:defRPr sz="1600"/>
+              <a:defRPr>
+                <a:solidFill>
+                  <a:schemeClr val="tx1">
+                    <a:tint val="75000"/>
+                  </a:schemeClr>
+                </a:solidFill>
+              </a:defRPr>
             </a:lvl4pPr>
             <a:lvl5pPr marL="1828800" indent="0" algn="ctr">
               <a:buNone/>
-              <a:defRPr sz="1600"/>
+              <a:defRPr>
+                <a:solidFill>
+                  <a:schemeClr val="tx1">
+                    <a:tint val="75000"/>
+                  </a:schemeClr>
+                </a:solidFill>
+              </a:defRPr>
             </a:lvl5pPr>
             <a:lvl6pPr marL="2286000" indent="0" algn="ctr">
               <a:buNone/>
-              <a:defRPr sz="1600"/>
+              <a:defRPr>
+                <a:solidFill>
+                  <a:schemeClr val="tx1">
+                    <a:tint val="75000"/>
+                  </a:schemeClr>
+                </a:solidFill>
+              </a:defRPr>
             </a:lvl6pPr>
             <a:lvl7pPr marL="2743200" indent="0" algn="ctr">
               <a:buNone/>
-              <a:defRPr sz="1600"/>
+              <a:defRPr>
+                <a:solidFill>
+                  <a:schemeClr val="tx1">
+                    <a:tint val="75000"/>
+                  </a:schemeClr>
+                </a:solidFill>
+              </a:defRPr>
             </a:lvl7pPr>
             <a:lvl8pPr marL="3200400" indent="0" algn="ctr">
               <a:buNone/>
-              <a:defRPr sz="1600"/>
+              <a:defRPr>
+                <a:solidFill>
+                  <a:schemeClr val="tx1">
+                    <a:tint val="75000"/>
+                  </a:schemeClr>
+                </a:solidFill>
+              </a:defRPr>
             </a:lvl8pPr>
             <a:lvl9pPr marL="3657600" indent="0" algn="ctr">
               <a:buNone/>
-              <a:defRPr sz="1600"/>
+              <a:defRPr>
+                <a:solidFill>
+                  <a:schemeClr val="tx1">
+                    <a:tint val="75000"/>
+                  </a:schemeClr>
+                </a:solidFill>
+              </a:defRPr>
             </a:lvl9pPr>
           </a:lstStyle>
           <a:p>
@@ -217,7 +285,7 @@
               <a:rPr lang="en-US" smtClean="0"/>
               <a:t>Click to edit Master subtitle style</a:t>
             </a:r>
-            <a:endParaRPr lang="en-US"/>
+            <a:endParaRPr lang="en-US" dirty="0"/>
           </a:p>
         </p:txBody>
       </p:sp>
@@ -265,6 +333,88 @@
       </p:sp>
       <p:sp>
         <p:nvSpPr>
+          <p:cNvPr id="7" name="Freeform 6"/>
+          <p:cNvSpPr/>
+          <p:nvPr/>
+        </p:nvSpPr>
+        <p:spPr bwMode="auto">
+          <a:xfrm>
+            <a:off x="0" y="4323810"/>
+            <a:ext cx="1744652" cy="778589"/>
+          </a:xfrm>
+          <a:custGeom>
+            <a:avLst/>
+            <a:gdLst/>
+            <a:ahLst/>
+            <a:cxnLst/>
+            <a:rect l="0" t="0" r="r" b="b"/>
+            <a:pathLst>
+              <a:path w="372" h="166">
+                <a:moveTo>
+                  <a:pt x="287" y="166"/>
+                </a:moveTo>
+                <a:cubicBezTo>
+                  <a:pt x="290" y="166"/>
+                  <a:pt x="292" y="165"/>
+                  <a:pt x="293" y="164"/>
+                </a:cubicBezTo>
+                <a:cubicBezTo>
+                  <a:pt x="293" y="163"/>
+                  <a:pt x="294" y="163"/>
+                  <a:pt x="294" y="163"/>
+                </a:cubicBezTo>
+                <a:cubicBezTo>
+                  <a:pt x="370" y="87"/>
+                  <a:pt x="370" y="87"/>
+                  <a:pt x="370" y="87"/>
+                </a:cubicBezTo>
+                <a:cubicBezTo>
+                  <a:pt x="372" y="85"/>
+                  <a:pt x="372" y="81"/>
+                  <a:pt x="370" y="78"/>
+                </a:cubicBezTo>
+                <a:cubicBezTo>
+                  <a:pt x="294" y="3"/>
+                  <a:pt x="294" y="3"/>
+                  <a:pt x="294" y="3"/>
+                </a:cubicBezTo>
+                <a:cubicBezTo>
+                  <a:pt x="294" y="2"/>
+                  <a:pt x="293" y="2"/>
+                  <a:pt x="293" y="2"/>
+                </a:cubicBezTo>
+                <a:cubicBezTo>
+                  <a:pt x="292" y="1"/>
+                  <a:pt x="290" y="0"/>
+                  <a:pt x="287" y="0"/>
+                </a:cubicBezTo>
+                <a:cubicBezTo>
+                  <a:pt x="0" y="0"/>
+                  <a:pt x="0" y="0"/>
+                  <a:pt x="0" y="0"/>
+                </a:cubicBezTo>
+                <a:cubicBezTo>
+                  <a:pt x="0" y="166"/>
+                  <a:pt x="0" y="166"/>
+                  <a:pt x="0" y="166"/>
+                </a:cubicBezTo>
+                <a:lnTo>
+                  <a:pt x="287" y="166"/>
+                </a:lnTo>
+                <a:close/>
+              </a:path>
+            </a:pathLst>
+          </a:custGeom>
+          <a:solidFill>
+            <a:schemeClr val="accent1"/>
+          </a:solidFill>
+          <a:ln>
+            <a:noFill/>
+          </a:ln>
+        </p:spPr>
+      </p:sp>
+      <p:sp>
+        <p:nvSpPr>
           <p:cNvPr id="6" name="Slide Number Placeholder 5"/>
           <p:cNvSpPr>
             <a:spLocks noGrp="1"/>
@@ -273,7 +423,12 @@
             <p:ph type="sldNum" sz="quarter" idx="12"/>
           </p:nvPr>
         </p:nvSpPr>
-        <p:spPr/>
+        <p:spPr>
+          <a:xfrm>
+            <a:off x="531812" y="4529540"/>
+            <a:ext cx="779767" cy="365125"/>
+          </a:xfrm>
+        </p:spPr>
         <p:txBody>
           <a:bodyPr/>
           <a:lstStyle/>
@@ -289,7 +444,7 @@
     </p:spTree>
     <p:extLst>
       <p:ext uri="{BB962C8B-B14F-4D97-AF65-F5344CB8AC3E}">
-        <p14:creationId xmlns:p14="http://schemas.microsoft.com/office/powerpoint/2010/main" val="859356923"/>
+        <p14:creationId xmlns:p14="http://schemas.microsoft.com/office/powerpoint/2010/main" val="3631536720"/>
       </p:ext>
     </p:extLst>
   </p:cSld>
@@ -300,6 +455,1797 @@
 </file>
 
 <file path=ppt/slideLayouts/slideLayout10.xml><?xml version="1.0" encoding="utf-8"?>
+<p:sldLayout xmlns:a="http://schemas.openxmlformats.org/drawingml/2006/main" xmlns:r="http://schemas.openxmlformats.org/officeDocument/2006/relationships" xmlns:p="http://schemas.openxmlformats.org/presentationml/2006/main" preserve="1">
+  <p:cSld name="Title and Caption">
+    <p:spTree>
+      <p:nvGrpSpPr>
+        <p:cNvPr id="1" name=""/>
+        <p:cNvGrpSpPr/>
+        <p:nvPr/>
+      </p:nvGrpSpPr>
+      <p:grpSpPr>
+        <a:xfrm>
+          <a:off x="0" y="0"/>
+          <a:ext cx="0" cy="0"/>
+          <a:chOff x="0" y="0"/>
+          <a:chExt cx="0" cy="0"/>
+        </a:xfrm>
+      </p:grpSpPr>
+      <p:sp>
+        <p:nvSpPr>
+          <p:cNvPr id="2" name="Title 1"/>
+          <p:cNvSpPr>
+            <a:spLocks noGrp="1"/>
+          </p:cNvSpPr>
+          <p:nvPr>
+            <p:ph type="title"/>
+          </p:nvPr>
+        </p:nvSpPr>
+        <p:spPr>
+          <a:xfrm>
+            <a:off x="2589212" y="609600"/>
+            <a:ext cx="8915399" cy="3117040"/>
+          </a:xfrm>
+        </p:spPr>
+        <p:txBody>
+          <a:bodyPr anchor="ctr">
+            <a:normAutofit/>
+          </a:bodyPr>
+          <a:lstStyle>
+            <a:lvl1pPr algn="l">
+              <a:defRPr sz="4800" b="0" cap="none"/>
+            </a:lvl1pPr>
+          </a:lstStyle>
+          <a:p>
+            <a:r>
+              <a:rPr lang="en-US" smtClean="0"/>
+              <a:t>Click to edit Master title style</a:t>
+            </a:r>
+            <a:endParaRPr lang="en-US" dirty="0"/>
+          </a:p>
+        </p:txBody>
+      </p:sp>
+      <p:sp>
+        <p:nvSpPr>
+          <p:cNvPr id="3" name="Text Placeholder 2"/>
+          <p:cNvSpPr>
+            <a:spLocks noGrp="1"/>
+          </p:cNvSpPr>
+          <p:nvPr>
+            <p:ph type="body" idx="1"/>
+          </p:nvPr>
+        </p:nvSpPr>
+        <p:spPr>
+          <a:xfrm>
+            <a:off x="2589212" y="4354046"/>
+            <a:ext cx="8915399" cy="1555864"/>
+          </a:xfrm>
+        </p:spPr>
+        <p:txBody>
+          <a:bodyPr anchor="ctr">
+            <a:normAutofit/>
+          </a:bodyPr>
+          <a:lstStyle>
+            <a:lvl1pPr marL="0" indent="0" algn="l">
+              <a:buNone/>
+              <a:defRPr sz="1800">
+                <a:solidFill>
+                  <a:schemeClr val="tx1">
+                    <a:lumMod val="65000"/>
+                    <a:lumOff val="35000"/>
+                  </a:schemeClr>
+                </a:solidFill>
+              </a:defRPr>
+            </a:lvl1pPr>
+            <a:lvl2pPr marL="457200" indent="0">
+              <a:buNone/>
+              <a:defRPr sz="1800">
+                <a:solidFill>
+                  <a:schemeClr val="tx1">
+                    <a:tint val="75000"/>
+                  </a:schemeClr>
+                </a:solidFill>
+              </a:defRPr>
+            </a:lvl2pPr>
+            <a:lvl3pPr marL="914400" indent="0">
+              <a:buNone/>
+              <a:defRPr sz="1600">
+                <a:solidFill>
+                  <a:schemeClr val="tx1">
+                    <a:tint val="75000"/>
+                  </a:schemeClr>
+                </a:solidFill>
+              </a:defRPr>
+            </a:lvl3pPr>
+            <a:lvl4pPr marL="1371600" indent="0">
+              <a:buNone/>
+              <a:defRPr sz="1400">
+                <a:solidFill>
+                  <a:schemeClr val="tx1">
+                    <a:tint val="75000"/>
+                  </a:schemeClr>
+                </a:solidFill>
+              </a:defRPr>
+            </a:lvl4pPr>
+            <a:lvl5pPr marL="1828800" indent="0">
+              <a:buNone/>
+              <a:defRPr sz="1400">
+                <a:solidFill>
+                  <a:schemeClr val="tx1">
+                    <a:tint val="75000"/>
+                  </a:schemeClr>
+                </a:solidFill>
+              </a:defRPr>
+            </a:lvl5pPr>
+            <a:lvl6pPr marL="2286000" indent="0">
+              <a:buNone/>
+              <a:defRPr sz="1400">
+                <a:solidFill>
+                  <a:schemeClr val="tx1">
+                    <a:tint val="75000"/>
+                  </a:schemeClr>
+                </a:solidFill>
+              </a:defRPr>
+            </a:lvl6pPr>
+            <a:lvl7pPr marL="2743200" indent="0">
+              <a:buNone/>
+              <a:defRPr sz="1400">
+                <a:solidFill>
+                  <a:schemeClr val="tx1">
+                    <a:tint val="75000"/>
+                  </a:schemeClr>
+                </a:solidFill>
+              </a:defRPr>
+            </a:lvl7pPr>
+            <a:lvl8pPr marL="3200400" indent="0">
+              <a:buNone/>
+              <a:defRPr sz="1400">
+                <a:solidFill>
+                  <a:schemeClr val="tx1">
+                    <a:tint val="75000"/>
+                  </a:schemeClr>
+                </a:solidFill>
+              </a:defRPr>
+            </a:lvl8pPr>
+            <a:lvl9pPr marL="3657600" indent="0">
+              <a:buNone/>
+              <a:defRPr sz="1400">
+                <a:solidFill>
+                  <a:schemeClr val="tx1">
+                    <a:tint val="75000"/>
+                  </a:schemeClr>
+                </a:solidFill>
+              </a:defRPr>
+            </a:lvl9pPr>
+          </a:lstStyle>
+          <a:p>
+            <a:pPr lvl="0"/>
+            <a:r>
+              <a:rPr lang="en-US" smtClean="0"/>
+              <a:t>Edit Master text styles</a:t>
+            </a:r>
+          </a:p>
+        </p:txBody>
+      </p:sp>
+      <p:sp>
+        <p:nvSpPr>
+          <p:cNvPr id="4" name="Date Placeholder 3"/>
+          <p:cNvSpPr>
+            <a:spLocks noGrp="1"/>
+          </p:cNvSpPr>
+          <p:nvPr>
+            <p:ph type="dt" sz="half" idx="10"/>
+          </p:nvPr>
+        </p:nvSpPr>
+        <p:spPr/>
+        <p:txBody>
+          <a:bodyPr/>
+          <a:lstStyle/>
+          <a:p>
+            <a:fld id="{A8B6E2BB-5D6E-4C5A-AF8D-EB2315DDE3FA}" type="datetimeFigureOut">
+              <a:rPr lang="en-US" smtClean="0"/>
+              <a:t>7/11/2019</a:t>
+            </a:fld>
+            <a:endParaRPr lang="en-US"/>
+          </a:p>
+        </p:txBody>
+      </p:sp>
+      <p:sp>
+        <p:nvSpPr>
+          <p:cNvPr id="5" name="Footer Placeholder 4"/>
+          <p:cNvSpPr>
+            <a:spLocks noGrp="1"/>
+          </p:cNvSpPr>
+          <p:nvPr>
+            <p:ph type="ftr" sz="quarter" idx="11"/>
+          </p:nvPr>
+        </p:nvSpPr>
+        <p:spPr/>
+        <p:txBody>
+          <a:bodyPr/>
+          <a:lstStyle/>
+          <a:p>
+            <a:endParaRPr lang="en-US"/>
+          </a:p>
+        </p:txBody>
+      </p:sp>
+      <p:sp>
+        <p:nvSpPr>
+          <p:cNvPr id="9" name="Freeform 11"/>
+          <p:cNvSpPr/>
+          <p:nvPr/>
+        </p:nvSpPr>
+        <p:spPr bwMode="auto">
+          <a:xfrm flipV="1">
+            <a:off x="-4189" y="3178175"/>
+            <a:ext cx="1588527" cy="507297"/>
+          </a:xfrm>
+          <a:custGeom>
+            <a:avLst/>
+            <a:gdLst/>
+            <a:ahLst/>
+            <a:cxnLst/>
+            <a:rect l="l" t="t" r="r" b="b"/>
+            <a:pathLst>
+              <a:path w="9248" h="10000">
+                <a:moveTo>
+                  <a:pt x="9248" y="4701"/>
+                </a:moveTo>
+                <a:lnTo>
+                  <a:pt x="7915" y="188"/>
+                </a:lnTo>
+                <a:cubicBezTo>
+                  <a:pt x="7906" y="156"/>
+                  <a:pt x="7895" y="126"/>
+                  <a:pt x="7886" y="94"/>
+                </a:cubicBezTo>
+                <a:cubicBezTo>
+                  <a:pt x="7859" y="0"/>
+                  <a:pt x="7831" y="0"/>
+                  <a:pt x="7803" y="0"/>
+                </a:cubicBezTo>
+                <a:lnTo>
+                  <a:pt x="7275" y="0"/>
+                </a:lnTo>
+                <a:lnTo>
+                  <a:pt x="0" y="70"/>
+                </a:lnTo>
+                <a:cubicBezTo>
+                  <a:pt x="8" y="3380"/>
+                  <a:pt x="17" y="6690"/>
+                  <a:pt x="25" y="10000"/>
+                </a:cubicBezTo>
+                <a:lnTo>
+                  <a:pt x="7275" y="9966"/>
+                </a:lnTo>
+                <a:lnTo>
+                  <a:pt x="7803" y="9966"/>
+                </a:lnTo>
+                <a:cubicBezTo>
+                  <a:pt x="7831" y="9966"/>
+                  <a:pt x="7859" y="9872"/>
+                  <a:pt x="7886" y="9872"/>
+                </a:cubicBezTo>
+                <a:cubicBezTo>
+                  <a:pt x="7886" y="9778"/>
+                  <a:pt x="7915" y="9778"/>
+                  <a:pt x="7915" y="9778"/>
+                </a:cubicBezTo>
+                <a:lnTo>
+                  <a:pt x="9248" y="5265"/>
+                </a:lnTo>
+                <a:cubicBezTo>
+                  <a:pt x="9303" y="5077"/>
+                  <a:pt x="9303" y="4889"/>
+                  <a:pt x="9248" y="4701"/>
+                </a:cubicBezTo>
+                <a:close/>
+              </a:path>
+            </a:pathLst>
+          </a:custGeom>
+          <a:solidFill>
+            <a:schemeClr val="accent1"/>
+          </a:solidFill>
+          <a:ln>
+            <a:noFill/>
+          </a:ln>
+        </p:spPr>
+      </p:sp>
+      <p:sp>
+        <p:nvSpPr>
+          <p:cNvPr id="6" name="Slide Number Placeholder 5"/>
+          <p:cNvSpPr>
+            <a:spLocks noGrp="1"/>
+          </p:cNvSpPr>
+          <p:nvPr>
+            <p:ph type="sldNum" sz="quarter" idx="12"/>
+          </p:nvPr>
+        </p:nvSpPr>
+        <p:spPr>
+          <a:xfrm>
+            <a:off x="531812" y="3244139"/>
+            <a:ext cx="779767" cy="365125"/>
+          </a:xfrm>
+        </p:spPr>
+        <p:txBody>
+          <a:bodyPr/>
+          <a:lstStyle/>
+          <a:p>
+            <a:fld id="{8FB10129-9763-4C99-B60C-C382CD4BBBF1}" type="slidenum">
+              <a:rPr lang="en-US" smtClean="0"/>
+              <a:t>‹#›</a:t>
+            </a:fld>
+            <a:endParaRPr lang="en-US"/>
+          </a:p>
+        </p:txBody>
+      </p:sp>
+    </p:spTree>
+    <p:extLst>
+      <p:ext uri="{BB962C8B-B14F-4D97-AF65-F5344CB8AC3E}">
+        <p14:creationId xmlns:p14="http://schemas.microsoft.com/office/powerpoint/2010/main" val="4269564484"/>
+      </p:ext>
+    </p:extLst>
+  </p:cSld>
+  <p:clrMapOvr>
+    <a:masterClrMapping/>
+  </p:clrMapOvr>
+</p:sldLayout>
+</file>
+
+<file path=ppt/slideLayouts/slideLayout11.xml><?xml version="1.0" encoding="utf-8"?>
+<p:sldLayout xmlns:a="http://schemas.openxmlformats.org/drawingml/2006/main" xmlns:r="http://schemas.openxmlformats.org/officeDocument/2006/relationships" xmlns:p="http://schemas.openxmlformats.org/presentationml/2006/main" preserve="1">
+  <p:cSld name="Quote with Caption">
+    <p:spTree>
+      <p:nvGrpSpPr>
+        <p:cNvPr id="1" name=""/>
+        <p:cNvGrpSpPr/>
+        <p:nvPr/>
+      </p:nvGrpSpPr>
+      <p:grpSpPr>
+        <a:xfrm>
+          <a:off x="0" y="0"/>
+          <a:ext cx="0" cy="0"/>
+          <a:chOff x="0" y="0"/>
+          <a:chExt cx="0" cy="0"/>
+        </a:xfrm>
+      </p:grpSpPr>
+      <p:sp>
+        <p:nvSpPr>
+          <p:cNvPr id="2" name="Title 1"/>
+          <p:cNvSpPr>
+            <a:spLocks noGrp="1"/>
+          </p:cNvSpPr>
+          <p:nvPr>
+            <p:ph type="title"/>
+          </p:nvPr>
+        </p:nvSpPr>
+        <p:spPr>
+          <a:xfrm>
+            <a:off x="2849949" y="609600"/>
+            <a:ext cx="8393926" cy="2895600"/>
+          </a:xfrm>
+        </p:spPr>
+        <p:txBody>
+          <a:bodyPr anchor="ctr">
+            <a:normAutofit/>
+          </a:bodyPr>
+          <a:lstStyle>
+            <a:lvl1pPr algn="l">
+              <a:defRPr sz="4800" b="0" cap="none"/>
+            </a:lvl1pPr>
+          </a:lstStyle>
+          <a:p>
+            <a:r>
+              <a:rPr lang="en-US" smtClean="0"/>
+              <a:t>Click to edit Master title style</a:t>
+            </a:r>
+            <a:endParaRPr lang="en-US" dirty="0"/>
+          </a:p>
+        </p:txBody>
+      </p:sp>
+      <p:sp>
+        <p:nvSpPr>
+          <p:cNvPr id="13" name="Text Placeholder 9"/>
+          <p:cNvSpPr>
+            <a:spLocks noGrp="1"/>
+          </p:cNvSpPr>
+          <p:nvPr>
+            <p:ph type="body" sz="quarter" idx="13"/>
+          </p:nvPr>
+        </p:nvSpPr>
+        <p:spPr>
+          <a:xfrm>
+            <a:off x="3275012" y="3505200"/>
+            <a:ext cx="7536554" cy="381000"/>
+          </a:xfrm>
+        </p:spPr>
+        <p:txBody>
+          <a:bodyPr anchor="ctr">
+            <a:noAutofit/>
+          </a:bodyPr>
+          <a:lstStyle>
+            <a:lvl1pPr marL="0" indent="0">
+              <a:buFontTx/>
+              <a:buNone/>
+              <a:defRPr sz="1600">
+                <a:solidFill>
+                  <a:schemeClr val="tx1">
+                    <a:lumMod val="50000"/>
+                    <a:lumOff val="50000"/>
+                  </a:schemeClr>
+                </a:solidFill>
+              </a:defRPr>
+            </a:lvl1pPr>
+            <a:lvl2pPr marL="457200" indent="0">
+              <a:buFontTx/>
+              <a:buNone/>
+              <a:defRPr/>
+            </a:lvl2pPr>
+            <a:lvl3pPr marL="914400" indent="0">
+              <a:buFontTx/>
+              <a:buNone/>
+              <a:defRPr/>
+            </a:lvl3pPr>
+            <a:lvl4pPr marL="1371600" indent="0">
+              <a:buFontTx/>
+              <a:buNone/>
+              <a:defRPr/>
+            </a:lvl4pPr>
+            <a:lvl5pPr marL="1828800" indent="0">
+              <a:buFontTx/>
+              <a:buNone/>
+              <a:defRPr/>
+            </a:lvl5pPr>
+          </a:lstStyle>
+          <a:p>
+            <a:pPr lvl="0"/>
+            <a:r>
+              <a:rPr lang="en-US" smtClean="0"/>
+              <a:t>Edit Master text styles</a:t>
+            </a:r>
+          </a:p>
+        </p:txBody>
+      </p:sp>
+      <p:sp>
+        <p:nvSpPr>
+          <p:cNvPr id="3" name="Text Placeholder 2"/>
+          <p:cNvSpPr>
+            <a:spLocks noGrp="1"/>
+          </p:cNvSpPr>
+          <p:nvPr>
+            <p:ph type="body" idx="1"/>
+          </p:nvPr>
+        </p:nvSpPr>
+        <p:spPr>
+          <a:xfrm>
+            <a:off x="2589212" y="4354046"/>
+            <a:ext cx="8915399" cy="1555864"/>
+          </a:xfrm>
+        </p:spPr>
+        <p:txBody>
+          <a:bodyPr anchor="ctr">
+            <a:normAutofit/>
+          </a:bodyPr>
+          <a:lstStyle>
+            <a:lvl1pPr marL="0" indent="0" algn="l">
+              <a:buNone/>
+              <a:defRPr sz="1800">
+                <a:solidFill>
+                  <a:schemeClr val="tx1">
+                    <a:lumMod val="65000"/>
+                    <a:lumOff val="35000"/>
+                  </a:schemeClr>
+                </a:solidFill>
+              </a:defRPr>
+            </a:lvl1pPr>
+            <a:lvl2pPr marL="457200" indent="0">
+              <a:buNone/>
+              <a:defRPr sz="1800">
+                <a:solidFill>
+                  <a:schemeClr val="tx1">
+                    <a:tint val="75000"/>
+                  </a:schemeClr>
+                </a:solidFill>
+              </a:defRPr>
+            </a:lvl2pPr>
+            <a:lvl3pPr marL="914400" indent="0">
+              <a:buNone/>
+              <a:defRPr sz="1600">
+                <a:solidFill>
+                  <a:schemeClr val="tx1">
+                    <a:tint val="75000"/>
+                  </a:schemeClr>
+                </a:solidFill>
+              </a:defRPr>
+            </a:lvl3pPr>
+            <a:lvl4pPr marL="1371600" indent="0">
+              <a:buNone/>
+              <a:defRPr sz="1400">
+                <a:solidFill>
+                  <a:schemeClr val="tx1">
+                    <a:tint val="75000"/>
+                  </a:schemeClr>
+                </a:solidFill>
+              </a:defRPr>
+            </a:lvl4pPr>
+            <a:lvl5pPr marL="1828800" indent="0">
+              <a:buNone/>
+              <a:defRPr sz="1400">
+                <a:solidFill>
+                  <a:schemeClr val="tx1">
+                    <a:tint val="75000"/>
+                  </a:schemeClr>
+                </a:solidFill>
+              </a:defRPr>
+            </a:lvl5pPr>
+            <a:lvl6pPr marL="2286000" indent="0">
+              <a:buNone/>
+              <a:defRPr sz="1400">
+                <a:solidFill>
+                  <a:schemeClr val="tx1">
+                    <a:tint val="75000"/>
+                  </a:schemeClr>
+                </a:solidFill>
+              </a:defRPr>
+            </a:lvl6pPr>
+            <a:lvl7pPr marL="2743200" indent="0">
+              <a:buNone/>
+              <a:defRPr sz="1400">
+                <a:solidFill>
+                  <a:schemeClr val="tx1">
+                    <a:tint val="75000"/>
+                  </a:schemeClr>
+                </a:solidFill>
+              </a:defRPr>
+            </a:lvl7pPr>
+            <a:lvl8pPr marL="3200400" indent="0">
+              <a:buNone/>
+              <a:defRPr sz="1400">
+                <a:solidFill>
+                  <a:schemeClr val="tx1">
+                    <a:tint val="75000"/>
+                  </a:schemeClr>
+                </a:solidFill>
+              </a:defRPr>
+            </a:lvl8pPr>
+            <a:lvl9pPr marL="3657600" indent="0">
+              <a:buNone/>
+              <a:defRPr sz="1400">
+                <a:solidFill>
+                  <a:schemeClr val="tx1">
+                    <a:tint val="75000"/>
+                  </a:schemeClr>
+                </a:solidFill>
+              </a:defRPr>
+            </a:lvl9pPr>
+          </a:lstStyle>
+          <a:p>
+            <a:pPr lvl="0"/>
+            <a:r>
+              <a:rPr lang="en-US" smtClean="0"/>
+              <a:t>Edit Master text styles</a:t>
+            </a:r>
+          </a:p>
+        </p:txBody>
+      </p:sp>
+      <p:sp>
+        <p:nvSpPr>
+          <p:cNvPr id="4" name="Date Placeholder 3"/>
+          <p:cNvSpPr>
+            <a:spLocks noGrp="1"/>
+          </p:cNvSpPr>
+          <p:nvPr>
+            <p:ph type="dt" sz="half" idx="10"/>
+          </p:nvPr>
+        </p:nvSpPr>
+        <p:spPr/>
+        <p:txBody>
+          <a:bodyPr/>
+          <a:lstStyle/>
+          <a:p>
+            <a:fld id="{A8B6E2BB-5D6E-4C5A-AF8D-EB2315DDE3FA}" type="datetimeFigureOut">
+              <a:rPr lang="en-US" smtClean="0"/>
+              <a:t>7/11/2019</a:t>
+            </a:fld>
+            <a:endParaRPr lang="en-US"/>
+          </a:p>
+        </p:txBody>
+      </p:sp>
+      <p:sp>
+        <p:nvSpPr>
+          <p:cNvPr id="5" name="Footer Placeholder 4"/>
+          <p:cNvSpPr>
+            <a:spLocks noGrp="1"/>
+          </p:cNvSpPr>
+          <p:nvPr>
+            <p:ph type="ftr" sz="quarter" idx="11"/>
+          </p:nvPr>
+        </p:nvSpPr>
+        <p:spPr/>
+        <p:txBody>
+          <a:bodyPr/>
+          <a:lstStyle/>
+          <a:p>
+            <a:endParaRPr lang="en-US"/>
+          </a:p>
+        </p:txBody>
+      </p:sp>
+      <p:sp>
+        <p:nvSpPr>
+          <p:cNvPr id="11" name="Freeform 11"/>
+          <p:cNvSpPr/>
+          <p:nvPr/>
+        </p:nvSpPr>
+        <p:spPr bwMode="auto">
+          <a:xfrm flipV="1">
+            <a:off x="-4189" y="3178175"/>
+            <a:ext cx="1588527" cy="507297"/>
+          </a:xfrm>
+          <a:custGeom>
+            <a:avLst/>
+            <a:gdLst/>
+            <a:ahLst/>
+            <a:cxnLst/>
+            <a:rect l="l" t="t" r="r" b="b"/>
+            <a:pathLst>
+              <a:path w="9248" h="10000">
+                <a:moveTo>
+                  <a:pt x="9248" y="4701"/>
+                </a:moveTo>
+                <a:lnTo>
+                  <a:pt x="7915" y="188"/>
+                </a:lnTo>
+                <a:cubicBezTo>
+                  <a:pt x="7906" y="156"/>
+                  <a:pt x="7895" y="126"/>
+                  <a:pt x="7886" y="94"/>
+                </a:cubicBezTo>
+                <a:cubicBezTo>
+                  <a:pt x="7859" y="0"/>
+                  <a:pt x="7831" y="0"/>
+                  <a:pt x="7803" y="0"/>
+                </a:cubicBezTo>
+                <a:lnTo>
+                  <a:pt x="7275" y="0"/>
+                </a:lnTo>
+                <a:lnTo>
+                  <a:pt x="0" y="70"/>
+                </a:lnTo>
+                <a:cubicBezTo>
+                  <a:pt x="8" y="3380"/>
+                  <a:pt x="17" y="6690"/>
+                  <a:pt x="25" y="10000"/>
+                </a:cubicBezTo>
+                <a:lnTo>
+                  <a:pt x="7275" y="9966"/>
+                </a:lnTo>
+                <a:lnTo>
+                  <a:pt x="7803" y="9966"/>
+                </a:lnTo>
+                <a:cubicBezTo>
+                  <a:pt x="7831" y="9966"/>
+                  <a:pt x="7859" y="9872"/>
+                  <a:pt x="7886" y="9872"/>
+                </a:cubicBezTo>
+                <a:cubicBezTo>
+                  <a:pt x="7886" y="9778"/>
+                  <a:pt x="7915" y="9778"/>
+                  <a:pt x="7915" y="9778"/>
+                </a:cubicBezTo>
+                <a:lnTo>
+                  <a:pt x="9248" y="5265"/>
+                </a:lnTo>
+                <a:cubicBezTo>
+                  <a:pt x="9303" y="5077"/>
+                  <a:pt x="9303" y="4889"/>
+                  <a:pt x="9248" y="4701"/>
+                </a:cubicBezTo>
+                <a:close/>
+              </a:path>
+            </a:pathLst>
+          </a:custGeom>
+          <a:solidFill>
+            <a:schemeClr val="accent1"/>
+          </a:solidFill>
+          <a:ln>
+            <a:noFill/>
+          </a:ln>
+        </p:spPr>
+      </p:sp>
+      <p:sp>
+        <p:nvSpPr>
+          <p:cNvPr id="6" name="Slide Number Placeholder 5"/>
+          <p:cNvSpPr>
+            <a:spLocks noGrp="1"/>
+          </p:cNvSpPr>
+          <p:nvPr>
+            <p:ph type="sldNum" sz="quarter" idx="12"/>
+          </p:nvPr>
+        </p:nvSpPr>
+        <p:spPr>
+          <a:xfrm>
+            <a:off x="531812" y="3244139"/>
+            <a:ext cx="779767" cy="365125"/>
+          </a:xfrm>
+        </p:spPr>
+        <p:txBody>
+          <a:bodyPr/>
+          <a:lstStyle/>
+          <a:p>
+            <a:fld id="{8FB10129-9763-4C99-B60C-C382CD4BBBF1}" type="slidenum">
+              <a:rPr lang="en-US" smtClean="0"/>
+              <a:t>‹#›</a:t>
+            </a:fld>
+            <a:endParaRPr lang="en-US"/>
+          </a:p>
+        </p:txBody>
+      </p:sp>
+      <p:sp>
+        <p:nvSpPr>
+          <p:cNvPr id="14" name="TextBox 13"/>
+          <p:cNvSpPr txBox="1"/>
+          <p:nvPr/>
+        </p:nvSpPr>
+        <p:spPr>
+          <a:xfrm>
+            <a:off x="2467652" y="648005"/>
+            <a:ext cx="609600" cy="584776"/>
+          </a:xfrm>
+          <a:prstGeom prst="rect">
+            <a:avLst/>
+          </a:prstGeom>
+        </p:spPr>
+        <p:txBody>
+          <a:bodyPr vert="horz" lIns="91440" tIns="45720" rIns="91440" bIns="45720" rtlCol="0" anchor="ctr">
+            <a:noAutofit/>
+          </a:bodyPr>
+          <a:lstStyle/>
+          <a:p>
+            <a:pPr lvl="0"/>
+            <a:r>
+              <a:rPr lang="en-US" sz="8000" baseline="0" dirty="0">
+                <a:ln w="3175" cmpd="sng">
+                  <a:noFill/>
+                </a:ln>
+                <a:solidFill>
+                  <a:schemeClr val="accent1"/>
+                </a:solidFill>
+                <a:effectLst/>
+                <a:latin typeface="Arial"/>
+              </a:rPr>
+              <a:t>“</a:t>
+            </a:r>
+          </a:p>
+        </p:txBody>
+      </p:sp>
+      <p:sp>
+        <p:nvSpPr>
+          <p:cNvPr id="15" name="TextBox 14"/>
+          <p:cNvSpPr txBox="1"/>
+          <p:nvPr/>
+        </p:nvSpPr>
+        <p:spPr>
+          <a:xfrm>
+            <a:off x="11114852" y="2905306"/>
+            <a:ext cx="609600" cy="584776"/>
+          </a:xfrm>
+          <a:prstGeom prst="rect">
+            <a:avLst/>
+          </a:prstGeom>
+        </p:spPr>
+        <p:txBody>
+          <a:bodyPr vert="horz" lIns="91440" tIns="45720" rIns="91440" bIns="45720" rtlCol="0" anchor="ctr">
+            <a:noAutofit/>
+          </a:bodyPr>
+          <a:lstStyle/>
+          <a:p>
+            <a:pPr lvl="0"/>
+            <a:r>
+              <a:rPr lang="en-US" sz="8000" baseline="0" dirty="0">
+                <a:ln w="3175" cmpd="sng">
+                  <a:noFill/>
+                </a:ln>
+                <a:solidFill>
+                  <a:schemeClr val="accent1"/>
+                </a:solidFill>
+                <a:effectLst/>
+                <a:latin typeface="Arial"/>
+              </a:rPr>
+              <a:t>”</a:t>
+            </a:r>
+          </a:p>
+        </p:txBody>
+      </p:sp>
+    </p:spTree>
+    <p:extLst>
+      <p:ext uri="{BB962C8B-B14F-4D97-AF65-F5344CB8AC3E}">
+        <p14:creationId xmlns:p14="http://schemas.microsoft.com/office/powerpoint/2010/main" val="2793141565"/>
+      </p:ext>
+    </p:extLst>
+  </p:cSld>
+  <p:clrMapOvr>
+    <a:masterClrMapping/>
+  </p:clrMapOvr>
+</p:sldLayout>
+</file>
+
+<file path=ppt/slideLayouts/slideLayout12.xml><?xml version="1.0" encoding="utf-8"?>
+<p:sldLayout xmlns:a="http://schemas.openxmlformats.org/drawingml/2006/main" xmlns:r="http://schemas.openxmlformats.org/officeDocument/2006/relationships" xmlns:p="http://schemas.openxmlformats.org/presentationml/2006/main" preserve="1">
+  <p:cSld name="Name Card">
+    <p:spTree>
+      <p:nvGrpSpPr>
+        <p:cNvPr id="1" name=""/>
+        <p:cNvGrpSpPr/>
+        <p:nvPr/>
+      </p:nvGrpSpPr>
+      <p:grpSpPr>
+        <a:xfrm>
+          <a:off x="0" y="0"/>
+          <a:ext cx="0" cy="0"/>
+          <a:chOff x="0" y="0"/>
+          <a:chExt cx="0" cy="0"/>
+        </a:xfrm>
+      </p:grpSpPr>
+      <p:sp>
+        <p:nvSpPr>
+          <p:cNvPr id="2" name="Title 1"/>
+          <p:cNvSpPr>
+            <a:spLocks noGrp="1"/>
+          </p:cNvSpPr>
+          <p:nvPr>
+            <p:ph type="title"/>
+          </p:nvPr>
+        </p:nvSpPr>
+        <p:spPr>
+          <a:xfrm>
+            <a:off x="2589213" y="2438400"/>
+            <a:ext cx="8915400" cy="2724845"/>
+          </a:xfrm>
+        </p:spPr>
+        <p:txBody>
+          <a:bodyPr anchor="b">
+            <a:normAutofit/>
+          </a:bodyPr>
+          <a:lstStyle>
+            <a:lvl1pPr algn="l">
+              <a:defRPr sz="4800" b="0"/>
+            </a:lvl1pPr>
+          </a:lstStyle>
+          <a:p>
+            <a:r>
+              <a:rPr lang="en-US" smtClean="0"/>
+              <a:t>Click to edit Master title style</a:t>
+            </a:r>
+            <a:endParaRPr lang="en-US" dirty="0"/>
+          </a:p>
+        </p:txBody>
+      </p:sp>
+      <p:sp>
+        <p:nvSpPr>
+          <p:cNvPr id="4" name="Text Placeholder 3"/>
+          <p:cNvSpPr>
+            <a:spLocks noGrp="1"/>
+          </p:cNvSpPr>
+          <p:nvPr>
+            <p:ph type="body" sz="half" idx="2"/>
+          </p:nvPr>
+        </p:nvSpPr>
+        <p:spPr>
+          <a:xfrm>
+            <a:off x="2589213" y="5181600"/>
+            <a:ext cx="8915400" cy="729622"/>
+          </a:xfrm>
+        </p:spPr>
+        <p:txBody>
+          <a:bodyPr vert="horz" lIns="91440" tIns="45720" rIns="91440" bIns="45720" rtlCol="0" anchor="t">
+            <a:normAutofit/>
+          </a:bodyPr>
+          <a:lstStyle>
+            <a:lvl1pPr>
+              <a:buNone/>
+              <a:defRPr lang="en-US">
+                <a:solidFill>
+                  <a:schemeClr val="tx1">
+                    <a:lumMod val="65000"/>
+                    <a:lumOff val="35000"/>
+                  </a:schemeClr>
+                </a:solidFill>
+              </a:defRPr>
+            </a:lvl1pPr>
+          </a:lstStyle>
+          <a:p>
+            <a:pPr marL="0" lvl="0" indent="0">
+              <a:buNone/>
+            </a:pPr>
+            <a:r>
+              <a:rPr lang="en-US" smtClean="0"/>
+              <a:t>Edit Master text styles</a:t>
+            </a:r>
+          </a:p>
+        </p:txBody>
+      </p:sp>
+      <p:sp>
+        <p:nvSpPr>
+          <p:cNvPr id="5" name="Date Placeholder 4"/>
+          <p:cNvSpPr>
+            <a:spLocks noGrp="1"/>
+          </p:cNvSpPr>
+          <p:nvPr>
+            <p:ph type="dt" sz="half" idx="10"/>
+          </p:nvPr>
+        </p:nvSpPr>
+        <p:spPr/>
+        <p:txBody>
+          <a:bodyPr/>
+          <a:lstStyle/>
+          <a:p>
+            <a:fld id="{A8B6E2BB-5D6E-4C5A-AF8D-EB2315DDE3FA}" type="datetimeFigureOut">
+              <a:rPr lang="en-US" smtClean="0"/>
+              <a:t>7/11/2019</a:t>
+            </a:fld>
+            <a:endParaRPr lang="en-US"/>
+          </a:p>
+        </p:txBody>
+      </p:sp>
+      <p:sp>
+        <p:nvSpPr>
+          <p:cNvPr id="6" name="Footer Placeholder 5"/>
+          <p:cNvSpPr>
+            <a:spLocks noGrp="1"/>
+          </p:cNvSpPr>
+          <p:nvPr>
+            <p:ph type="ftr" sz="quarter" idx="11"/>
+          </p:nvPr>
+        </p:nvSpPr>
+        <p:spPr/>
+        <p:txBody>
+          <a:bodyPr/>
+          <a:lstStyle/>
+          <a:p>
+            <a:endParaRPr lang="en-US"/>
+          </a:p>
+        </p:txBody>
+      </p:sp>
+      <p:sp>
+        <p:nvSpPr>
+          <p:cNvPr id="9" name="Freeform 11"/>
+          <p:cNvSpPr/>
+          <p:nvPr/>
+        </p:nvSpPr>
+        <p:spPr bwMode="auto">
+          <a:xfrm flipV="1">
+            <a:off x="-4189" y="4911725"/>
+            <a:ext cx="1588527" cy="507297"/>
+          </a:xfrm>
+          <a:custGeom>
+            <a:avLst/>
+            <a:gdLst/>
+            <a:ahLst/>
+            <a:cxnLst/>
+            <a:rect l="l" t="t" r="r" b="b"/>
+            <a:pathLst>
+              <a:path w="9248" h="10000">
+                <a:moveTo>
+                  <a:pt x="9248" y="4701"/>
+                </a:moveTo>
+                <a:lnTo>
+                  <a:pt x="7915" y="188"/>
+                </a:lnTo>
+                <a:cubicBezTo>
+                  <a:pt x="7906" y="156"/>
+                  <a:pt x="7895" y="126"/>
+                  <a:pt x="7886" y="94"/>
+                </a:cubicBezTo>
+                <a:cubicBezTo>
+                  <a:pt x="7859" y="0"/>
+                  <a:pt x="7831" y="0"/>
+                  <a:pt x="7803" y="0"/>
+                </a:cubicBezTo>
+                <a:lnTo>
+                  <a:pt x="7275" y="0"/>
+                </a:lnTo>
+                <a:lnTo>
+                  <a:pt x="0" y="70"/>
+                </a:lnTo>
+                <a:cubicBezTo>
+                  <a:pt x="8" y="3380"/>
+                  <a:pt x="17" y="6690"/>
+                  <a:pt x="25" y="10000"/>
+                </a:cubicBezTo>
+                <a:lnTo>
+                  <a:pt x="7275" y="9966"/>
+                </a:lnTo>
+                <a:lnTo>
+                  <a:pt x="7803" y="9966"/>
+                </a:lnTo>
+                <a:cubicBezTo>
+                  <a:pt x="7831" y="9966"/>
+                  <a:pt x="7859" y="9872"/>
+                  <a:pt x="7886" y="9872"/>
+                </a:cubicBezTo>
+                <a:cubicBezTo>
+                  <a:pt x="7886" y="9778"/>
+                  <a:pt x="7915" y="9778"/>
+                  <a:pt x="7915" y="9778"/>
+                </a:cubicBezTo>
+                <a:lnTo>
+                  <a:pt x="9248" y="5265"/>
+                </a:lnTo>
+                <a:cubicBezTo>
+                  <a:pt x="9303" y="5077"/>
+                  <a:pt x="9303" y="4889"/>
+                  <a:pt x="9248" y="4701"/>
+                </a:cubicBezTo>
+                <a:close/>
+              </a:path>
+            </a:pathLst>
+          </a:custGeom>
+          <a:solidFill>
+            <a:schemeClr val="accent1"/>
+          </a:solidFill>
+          <a:ln>
+            <a:noFill/>
+          </a:ln>
+        </p:spPr>
+      </p:sp>
+      <p:sp>
+        <p:nvSpPr>
+          <p:cNvPr id="7" name="Slide Number Placeholder 6"/>
+          <p:cNvSpPr>
+            <a:spLocks noGrp="1"/>
+          </p:cNvSpPr>
+          <p:nvPr>
+            <p:ph type="sldNum" sz="quarter" idx="12"/>
+          </p:nvPr>
+        </p:nvSpPr>
+        <p:spPr>
+          <a:xfrm>
+            <a:off x="531812" y="4983087"/>
+            <a:ext cx="779767" cy="365125"/>
+          </a:xfrm>
+        </p:spPr>
+        <p:txBody>
+          <a:bodyPr/>
+          <a:lstStyle/>
+          <a:p>
+            <a:fld id="{8FB10129-9763-4C99-B60C-C382CD4BBBF1}" type="slidenum">
+              <a:rPr lang="en-US" smtClean="0"/>
+              <a:t>‹#›</a:t>
+            </a:fld>
+            <a:endParaRPr lang="en-US"/>
+          </a:p>
+        </p:txBody>
+      </p:sp>
+    </p:spTree>
+    <p:extLst>
+      <p:ext uri="{BB962C8B-B14F-4D97-AF65-F5344CB8AC3E}">
+        <p14:creationId xmlns:p14="http://schemas.microsoft.com/office/powerpoint/2010/main" val="1683869481"/>
+      </p:ext>
+    </p:extLst>
+  </p:cSld>
+  <p:clrMapOvr>
+    <a:masterClrMapping/>
+  </p:clrMapOvr>
+</p:sldLayout>
+</file>
+
+<file path=ppt/slideLayouts/slideLayout13.xml><?xml version="1.0" encoding="utf-8"?>
+<p:sldLayout xmlns:a="http://schemas.openxmlformats.org/drawingml/2006/main" xmlns:r="http://schemas.openxmlformats.org/officeDocument/2006/relationships" xmlns:p="http://schemas.openxmlformats.org/presentationml/2006/main" preserve="1">
+  <p:cSld name="Quote Name Card">
+    <p:spTree>
+      <p:nvGrpSpPr>
+        <p:cNvPr id="1" name=""/>
+        <p:cNvGrpSpPr/>
+        <p:nvPr/>
+      </p:nvGrpSpPr>
+      <p:grpSpPr>
+        <a:xfrm>
+          <a:off x="0" y="0"/>
+          <a:ext cx="0" cy="0"/>
+          <a:chOff x="0" y="0"/>
+          <a:chExt cx="0" cy="0"/>
+        </a:xfrm>
+      </p:grpSpPr>
+      <p:sp>
+        <p:nvSpPr>
+          <p:cNvPr id="12" name="Title 1"/>
+          <p:cNvSpPr>
+            <a:spLocks noGrp="1"/>
+          </p:cNvSpPr>
+          <p:nvPr>
+            <p:ph type="title"/>
+          </p:nvPr>
+        </p:nvSpPr>
+        <p:spPr>
+          <a:xfrm>
+            <a:off x="2849949" y="609600"/>
+            <a:ext cx="8393926" cy="2895600"/>
+          </a:xfrm>
+        </p:spPr>
+        <p:txBody>
+          <a:bodyPr anchor="ctr">
+            <a:normAutofit/>
+          </a:bodyPr>
+          <a:lstStyle>
+            <a:lvl1pPr algn="l">
+              <a:defRPr sz="4800" b="0" cap="none"/>
+            </a:lvl1pPr>
+          </a:lstStyle>
+          <a:p>
+            <a:r>
+              <a:rPr lang="en-US" smtClean="0"/>
+              <a:t>Click to edit Master title style</a:t>
+            </a:r>
+            <a:endParaRPr lang="en-US" dirty="0"/>
+          </a:p>
+        </p:txBody>
+      </p:sp>
+      <p:sp>
+        <p:nvSpPr>
+          <p:cNvPr id="21" name="Text Placeholder 9"/>
+          <p:cNvSpPr>
+            <a:spLocks noGrp="1"/>
+          </p:cNvSpPr>
+          <p:nvPr>
+            <p:ph type="body" sz="quarter" idx="13"/>
+          </p:nvPr>
+        </p:nvSpPr>
+        <p:spPr>
+          <a:xfrm>
+            <a:off x="2589212" y="4343400"/>
+            <a:ext cx="8915400" cy="838200"/>
+          </a:xfrm>
+        </p:spPr>
+        <p:txBody>
+          <a:bodyPr anchor="b">
+            <a:noAutofit/>
+          </a:bodyPr>
+          <a:lstStyle>
+            <a:lvl1pPr marL="0" indent="0">
+              <a:buFontTx/>
+              <a:buNone/>
+              <a:defRPr sz="2400">
+                <a:solidFill>
+                  <a:schemeClr val="accent1"/>
+                </a:solidFill>
+              </a:defRPr>
+            </a:lvl1pPr>
+            <a:lvl2pPr marL="457200" indent="0">
+              <a:buFontTx/>
+              <a:buNone/>
+              <a:defRPr/>
+            </a:lvl2pPr>
+            <a:lvl3pPr marL="914400" indent="0">
+              <a:buFontTx/>
+              <a:buNone/>
+              <a:defRPr/>
+            </a:lvl3pPr>
+            <a:lvl4pPr marL="1371600" indent="0">
+              <a:buFontTx/>
+              <a:buNone/>
+              <a:defRPr/>
+            </a:lvl4pPr>
+            <a:lvl5pPr marL="1828800" indent="0">
+              <a:buFontTx/>
+              <a:buNone/>
+              <a:defRPr/>
+            </a:lvl5pPr>
+          </a:lstStyle>
+          <a:p>
+            <a:pPr lvl="0"/>
+            <a:r>
+              <a:rPr lang="en-US" smtClean="0"/>
+              <a:t>Edit Master text styles</a:t>
+            </a:r>
+          </a:p>
+        </p:txBody>
+      </p:sp>
+      <p:sp>
+        <p:nvSpPr>
+          <p:cNvPr id="4" name="Text Placeholder 3"/>
+          <p:cNvSpPr>
+            <a:spLocks noGrp="1"/>
+          </p:cNvSpPr>
+          <p:nvPr>
+            <p:ph type="body" sz="half" idx="2"/>
+          </p:nvPr>
+        </p:nvSpPr>
+        <p:spPr>
+          <a:xfrm>
+            <a:off x="2589213" y="5181600"/>
+            <a:ext cx="8915400" cy="729622"/>
+          </a:xfrm>
+        </p:spPr>
+        <p:txBody>
+          <a:bodyPr vert="horz" lIns="91440" tIns="45720" rIns="91440" bIns="45720" rtlCol="0" anchor="t">
+            <a:normAutofit/>
+          </a:bodyPr>
+          <a:lstStyle>
+            <a:lvl1pPr>
+              <a:buNone/>
+              <a:defRPr lang="en-US">
+                <a:solidFill>
+                  <a:schemeClr val="tx1">
+                    <a:lumMod val="65000"/>
+                    <a:lumOff val="35000"/>
+                  </a:schemeClr>
+                </a:solidFill>
+              </a:defRPr>
+            </a:lvl1pPr>
+          </a:lstStyle>
+          <a:p>
+            <a:pPr marL="0" lvl="0" indent="0">
+              <a:buNone/>
+            </a:pPr>
+            <a:r>
+              <a:rPr lang="en-US" smtClean="0"/>
+              <a:t>Edit Master text styles</a:t>
+            </a:r>
+          </a:p>
+        </p:txBody>
+      </p:sp>
+      <p:sp>
+        <p:nvSpPr>
+          <p:cNvPr id="5" name="Date Placeholder 4"/>
+          <p:cNvSpPr>
+            <a:spLocks noGrp="1"/>
+          </p:cNvSpPr>
+          <p:nvPr>
+            <p:ph type="dt" sz="half" idx="10"/>
+          </p:nvPr>
+        </p:nvSpPr>
+        <p:spPr/>
+        <p:txBody>
+          <a:bodyPr/>
+          <a:lstStyle/>
+          <a:p>
+            <a:fld id="{A8B6E2BB-5D6E-4C5A-AF8D-EB2315DDE3FA}" type="datetimeFigureOut">
+              <a:rPr lang="en-US" smtClean="0"/>
+              <a:t>7/11/2019</a:t>
+            </a:fld>
+            <a:endParaRPr lang="en-US"/>
+          </a:p>
+        </p:txBody>
+      </p:sp>
+      <p:sp>
+        <p:nvSpPr>
+          <p:cNvPr id="6" name="Footer Placeholder 5"/>
+          <p:cNvSpPr>
+            <a:spLocks noGrp="1"/>
+          </p:cNvSpPr>
+          <p:nvPr>
+            <p:ph type="ftr" sz="quarter" idx="11"/>
+          </p:nvPr>
+        </p:nvSpPr>
+        <p:spPr/>
+        <p:txBody>
+          <a:bodyPr/>
+          <a:lstStyle/>
+          <a:p>
+            <a:endParaRPr lang="en-US"/>
+          </a:p>
+        </p:txBody>
+      </p:sp>
+      <p:sp>
+        <p:nvSpPr>
+          <p:cNvPr id="11" name="Freeform 11"/>
+          <p:cNvSpPr/>
+          <p:nvPr/>
+        </p:nvSpPr>
+        <p:spPr bwMode="auto">
+          <a:xfrm flipV="1">
+            <a:off x="-4189" y="4911725"/>
+            <a:ext cx="1588527" cy="507297"/>
+          </a:xfrm>
+          <a:custGeom>
+            <a:avLst/>
+            <a:gdLst/>
+            <a:ahLst/>
+            <a:cxnLst/>
+            <a:rect l="l" t="t" r="r" b="b"/>
+            <a:pathLst>
+              <a:path w="9248" h="10000">
+                <a:moveTo>
+                  <a:pt x="9248" y="4701"/>
+                </a:moveTo>
+                <a:lnTo>
+                  <a:pt x="7915" y="188"/>
+                </a:lnTo>
+                <a:cubicBezTo>
+                  <a:pt x="7906" y="156"/>
+                  <a:pt x="7895" y="126"/>
+                  <a:pt x="7886" y="94"/>
+                </a:cubicBezTo>
+                <a:cubicBezTo>
+                  <a:pt x="7859" y="0"/>
+                  <a:pt x="7831" y="0"/>
+                  <a:pt x="7803" y="0"/>
+                </a:cubicBezTo>
+                <a:lnTo>
+                  <a:pt x="7275" y="0"/>
+                </a:lnTo>
+                <a:lnTo>
+                  <a:pt x="0" y="70"/>
+                </a:lnTo>
+                <a:cubicBezTo>
+                  <a:pt x="8" y="3380"/>
+                  <a:pt x="17" y="6690"/>
+                  <a:pt x="25" y="10000"/>
+                </a:cubicBezTo>
+                <a:lnTo>
+                  <a:pt x="7275" y="9966"/>
+                </a:lnTo>
+                <a:lnTo>
+                  <a:pt x="7803" y="9966"/>
+                </a:lnTo>
+                <a:cubicBezTo>
+                  <a:pt x="7831" y="9966"/>
+                  <a:pt x="7859" y="9872"/>
+                  <a:pt x="7886" y="9872"/>
+                </a:cubicBezTo>
+                <a:cubicBezTo>
+                  <a:pt x="7886" y="9778"/>
+                  <a:pt x="7915" y="9778"/>
+                  <a:pt x="7915" y="9778"/>
+                </a:cubicBezTo>
+                <a:lnTo>
+                  <a:pt x="9248" y="5265"/>
+                </a:lnTo>
+                <a:cubicBezTo>
+                  <a:pt x="9303" y="5077"/>
+                  <a:pt x="9303" y="4889"/>
+                  <a:pt x="9248" y="4701"/>
+                </a:cubicBezTo>
+                <a:close/>
+              </a:path>
+            </a:pathLst>
+          </a:custGeom>
+          <a:solidFill>
+            <a:schemeClr val="accent1"/>
+          </a:solidFill>
+          <a:ln>
+            <a:noFill/>
+          </a:ln>
+        </p:spPr>
+      </p:sp>
+      <p:sp>
+        <p:nvSpPr>
+          <p:cNvPr id="7" name="Slide Number Placeholder 6"/>
+          <p:cNvSpPr>
+            <a:spLocks noGrp="1"/>
+          </p:cNvSpPr>
+          <p:nvPr>
+            <p:ph type="sldNum" sz="quarter" idx="12"/>
+          </p:nvPr>
+        </p:nvSpPr>
+        <p:spPr>
+          <a:xfrm>
+            <a:off x="531812" y="4983087"/>
+            <a:ext cx="779767" cy="365125"/>
+          </a:xfrm>
+        </p:spPr>
+        <p:txBody>
+          <a:bodyPr/>
+          <a:lstStyle/>
+          <a:p>
+            <a:fld id="{8FB10129-9763-4C99-B60C-C382CD4BBBF1}" type="slidenum">
+              <a:rPr lang="en-US" smtClean="0"/>
+              <a:t>‹#›</a:t>
+            </a:fld>
+            <a:endParaRPr lang="en-US"/>
+          </a:p>
+        </p:txBody>
+      </p:sp>
+      <p:sp>
+        <p:nvSpPr>
+          <p:cNvPr id="17" name="TextBox 16"/>
+          <p:cNvSpPr txBox="1"/>
+          <p:nvPr/>
+        </p:nvSpPr>
+        <p:spPr>
+          <a:xfrm>
+            <a:off x="2467652" y="648005"/>
+            <a:ext cx="609600" cy="584776"/>
+          </a:xfrm>
+          <a:prstGeom prst="rect">
+            <a:avLst/>
+          </a:prstGeom>
+        </p:spPr>
+        <p:txBody>
+          <a:bodyPr vert="horz" lIns="91440" tIns="45720" rIns="91440" bIns="45720" rtlCol="0" anchor="ctr">
+            <a:noAutofit/>
+          </a:bodyPr>
+          <a:lstStyle/>
+          <a:p>
+            <a:pPr lvl="0"/>
+            <a:r>
+              <a:rPr lang="en-US" sz="8000" baseline="0" dirty="0">
+                <a:ln w="3175" cmpd="sng">
+                  <a:noFill/>
+                </a:ln>
+                <a:solidFill>
+                  <a:schemeClr val="accent1"/>
+                </a:solidFill>
+                <a:effectLst/>
+                <a:latin typeface="Arial"/>
+              </a:rPr>
+              <a:t>“</a:t>
+            </a:r>
+          </a:p>
+        </p:txBody>
+      </p:sp>
+      <p:sp>
+        <p:nvSpPr>
+          <p:cNvPr id="18" name="TextBox 17"/>
+          <p:cNvSpPr txBox="1"/>
+          <p:nvPr/>
+        </p:nvSpPr>
+        <p:spPr>
+          <a:xfrm>
+            <a:off x="11114852" y="2905306"/>
+            <a:ext cx="609600" cy="584776"/>
+          </a:xfrm>
+          <a:prstGeom prst="rect">
+            <a:avLst/>
+          </a:prstGeom>
+        </p:spPr>
+        <p:txBody>
+          <a:bodyPr vert="horz" lIns="91440" tIns="45720" rIns="91440" bIns="45720" rtlCol="0" anchor="ctr">
+            <a:noAutofit/>
+          </a:bodyPr>
+          <a:lstStyle/>
+          <a:p>
+            <a:pPr lvl="0"/>
+            <a:r>
+              <a:rPr lang="en-US" sz="8000" baseline="0" dirty="0">
+                <a:ln w="3175" cmpd="sng">
+                  <a:noFill/>
+                </a:ln>
+                <a:solidFill>
+                  <a:schemeClr val="accent1"/>
+                </a:solidFill>
+                <a:effectLst/>
+                <a:latin typeface="Arial"/>
+              </a:rPr>
+              <a:t>”</a:t>
+            </a:r>
+          </a:p>
+        </p:txBody>
+      </p:sp>
+    </p:spTree>
+    <p:extLst>
+      <p:ext uri="{BB962C8B-B14F-4D97-AF65-F5344CB8AC3E}">
+        <p14:creationId xmlns:p14="http://schemas.microsoft.com/office/powerpoint/2010/main" val="2793794265"/>
+      </p:ext>
+    </p:extLst>
+  </p:cSld>
+  <p:clrMapOvr>
+    <a:masterClrMapping/>
+  </p:clrMapOvr>
+</p:sldLayout>
+</file>
+
+<file path=ppt/slideLayouts/slideLayout14.xml><?xml version="1.0" encoding="utf-8"?>
+<p:sldLayout xmlns:a="http://schemas.openxmlformats.org/drawingml/2006/main" xmlns:r="http://schemas.openxmlformats.org/officeDocument/2006/relationships" xmlns:p="http://schemas.openxmlformats.org/presentationml/2006/main" preserve="1">
+  <p:cSld name="True or False">
+    <p:spTree>
+      <p:nvGrpSpPr>
+        <p:cNvPr id="1" name=""/>
+        <p:cNvGrpSpPr/>
+        <p:nvPr/>
+      </p:nvGrpSpPr>
+      <p:grpSpPr>
+        <a:xfrm>
+          <a:off x="0" y="0"/>
+          <a:ext cx="0" cy="0"/>
+          <a:chOff x="0" y="0"/>
+          <a:chExt cx="0" cy="0"/>
+        </a:xfrm>
+      </p:grpSpPr>
+      <p:sp>
+        <p:nvSpPr>
+          <p:cNvPr id="2" name="Title 1"/>
+          <p:cNvSpPr>
+            <a:spLocks noGrp="1"/>
+          </p:cNvSpPr>
+          <p:nvPr>
+            <p:ph type="title"/>
+          </p:nvPr>
+        </p:nvSpPr>
+        <p:spPr>
+          <a:xfrm>
+            <a:off x="2589212" y="627407"/>
+            <a:ext cx="8915399" cy="2880020"/>
+          </a:xfrm>
+        </p:spPr>
+        <p:txBody>
+          <a:bodyPr anchor="ctr">
+            <a:normAutofit/>
+          </a:bodyPr>
+          <a:lstStyle>
+            <a:lvl1pPr algn="l">
+              <a:defRPr sz="4800" b="0"/>
+            </a:lvl1pPr>
+          </a:lstStyle>
+          <a:p>
+            <a:r>
+              <a:rPr lang="en-US" smtClean="0"/>
+              <a:t>Click to edit Master title style</a:t>
+            </a:r>
+            <a:endParaRPr lang="en-US" dirty="0"/>
+          </a:p>
+        </p:txBody>
+      </p:sp>
+      <p:sp>
+        <p:nvSpPr>
+          <p:cNvPr id="21" name="Text Placeholder 9"/>
+          <p:cNvSpPr>
+            <a:spLocks noGrp="1"/>
+          </p:cNvSpPr>
+          <p:nvPr>
+            <p:ph type="body" sz="quarter" idx="13"/>
+          </p:nvPr>
+        </p:nvSpPr>
+        <p:spPr>
+          <a:xfrm>
+            <a:off x="2589212" y="4343400"/>
+            <a:ext cx="8915400" cy="838200"/>
+          </a:xfrm>
+        </p:spPr>
+        <p:txBody>
+          <a:bodyPr anchor="b">
+            <a:noAutofit/>
+          </a:bodyPr>
+          <a:lstStyle>
+            <a:lvl1pPr marL="0" indent="0">
+              <a:buFontTx/>
+              <a:buNone/>
+              <a:defRPr sz="2400">
+                <a:solidFill>
+                  <a:schemeClr val="accent1"/>
+                </a:solidFill>
+              </a:defRPr>
+            </a:lvl1pPr>
+            <a:lvl2pPr marL="457200" indent="0">
+              <a:buFontTx/>
+              <a:buNone/>
+              <a:defRPr/>
+            </a:lvl2pPr>
+            <a:lvl3pPr marL="914400" indent="0">
+              <a:buFontTx/>
+              <a:buNone/>
+              <a:defRPr/>
+            </a:lvl3pPr>
+            <a:lvl4pPr marL="1371600" indent="0">
+              <a:buFontTx/>
+              <a:buNone/>
+              <a:defRPr/>
+            </a:lvl4pPr>
+            <a:lvl5pPr marL="1828800" indent="0">
+              <a:buFontTx/>
+              <a:buNone/>
+              <a:defRPr/>
+            </a:lvl5pPr>
+          </a:lstStyle>
+          <a:p>
+            <a:pPr lvl="0"/>
+            <a:r>
+              <a:rPr lang="en-US" smtClean="0"/>
+              <a:t>Edit Master text styles</a:t>
+            </a:r>
+          </a:p>
+        </p:txBody>
+      </p:sp>
+      <p:sp>
+        <p:nvSpPr>
+          <p:cNvPr id="4" name="Text Placeholder 3"/>
+          <p:cNvSpPr>
+            <a:spLocks noGrp="1"/>
+          </p:cNvSpPr>
+          <p:nvPr>
+            <p:ph type="body" sz="half" idx="2"/>
+          </p:nvPr>
+        </p:nvSpPr>
+        <p:spPr>
+          <a:xfrm>
+            <a:off x="2589213" y="5181600"/>
+            <a:ext cx="8915400" cy="729622"/>
+          </a:xfrm>
+        </p:spPr>
+        <p:txBody>
+          <a:bodyPr vert="horz" lIns="91440" tIns="45720" rIns="91440" bIns="45720" rtlCol="0" anchor="t">
+            <a:normAutofit/>
+          </a:bodyPr>
+          <a:lstStyle>
+            <a:lvl1pPr>
+              <a:buNone/>
+              <a:defRPr lang="en-US">
+                <a:solidFill>
+                  <a:schemeClr val="tx1">
+                    <a:lumMod val="65000"/>
+                    <a:lumOff val="35000"/>
+                  </a:schemeClr>
+                </a:solidFill>
+              </a:defRPr>
+            </a:lvl1pPr>
+          </a:lstStyle>
+          <a:p>
+            <a:pPr marL="0" lvl="0" indent="0">
+              <a:buNone/>
+            </a:pPr>
+            <a:r>
+              <a:rPr lang="en-US" smtClean="0"/>
+              <a:t>Edit Master text styles</a:t>
+            </a:r>
+          </a:p>
+        </p:txBody>
+      </p:sp>
+      <p:sp>
+        <p:nvSpPr>
+          <p:cNvPr id="5" name="Date Placeholder 4"/>
+          <p:cNvSpPr>
+            <a:spLocks noGrp="1"/>
+          </p:cNvSpPr>
+          <p:nvPr>
+            <p:ph type="dt" sz="half" idx="10"/>
+          </p:nvPr>
+        </p:nvSpPr>
+        <p:spPr/>
+        <p:txBody>
+          <a:bodyPr/>
+          <a:lstStyle/>
+          <a:p>
+            <a:fld id="{A8B6E2BB-5D6E-4C5A-AF8D-EB2315DDE3FA}" type="datetimeFigureOut">
+              <a:rPr lang="en-US" smtClean="0"/>
+              <a:t>7/11/2019</a:t>
+            </a:fld>
+            <a:endParaRPr lang="en-US"/>
+          </a:p>
+        </p:txBody>
+      </p:sp>
+      <p:sp>
+        <p:nvSpPr>
+          <p:cNvPr id="6" name="Footer Placeholder 5"/>
+          <p:cNvSpPr>
+            <a:spLocks noGrp="1"/>
+          </p:cNvSpPr>
+          <p:nvPr>
+            <p:ph type="ftr" sz="quarter" idx="11"/>
+          </p:nvPr>
+        </p:nvSpPr>
+        <p:spPr/>
+        <p:txBody>
+          <a:bodyPr/>
+          <a:lstStyle/>
+          <a:p>
+            <a:endParaRPr lang="en-US"/>
+          </a:p>
+        </p:txBody>
+      </p:sp>
+      <p:sp>
+        <p:nvSpPr>
+          <p:cNvPr id="9" name="Freeform 11"/>
+          <p:cNvSpPr/>
+          <p:nvPr/>
+        </p:nvSpPr>
+        <p:spPr bwMode="auto">
+          <a:xfrm flipV="1">
+            <a:off x="-4189" y="4911725"/>
+            <a:ext cx="1588527" cy="507297"/>
+          </a:xfrm>
+          <a:custGeom>
+            <a:avLst/>
+            <a:gdLst/>
+            <a:ahLst/>
+            <a:cxnLst/>
+            <a:rect l="l" t="t" r="r" b="b"/>
+            <a:pathLst>
+              <a:path w="9248" h="10000">
+                <a:moveTo>
+                  <a:pt x="9248" y="4701"/>
+                </a:moveTo>
+                <a:lnTo>
+                  <a:pt x="7915" y="188"/>
+                </a:lnTo>
+                <a:cubicBezTo>
+                  <a:pt x="7906" y="156"/>
+                  <a:pt x="7895" y="126"/>
+                  <a:pt x="7886" y="94"/>
+                </a:cubicBezTo>
+                <a:cubicBezTo>
+                  <a:pt x="7859" y="0"/>
+                  <a:pt x="7831" y="0"/>
+                  <a:pt x="7803" y="0"/>
+                </a:cubicBezTo>
+                <a:lnTo>
+                  <a:pt x="7275" y="0"/>
+                </a:lnTo>
+                <a:lnTo>
+                  <a:pt x="0" y="70"/>
+                </a:lnTo>
+                <a:cubicBezTo>
+                  <a:pt x="8" y="3380"/>
+                  <a:pt x="17" y="6690"/>
+                  <a:pt x="25" y="10000"/>
+                </a:cubicBezTo>
+                <a:lnTo>
+                  <a:pt x="7275" y="9966"/>
+                </a:lnTo>
+                <a:lnTo>
+                  <a:pt x="7803" y="9966"/>
+                </a:lnTo>
+                <a:cubicBezTo>
+                  <a:pt x="7831" y="9966"/>
+                  <a:pt x="7859" y="9872"/>
+                  <a:pt x="7886" y="9872"/>
+                </a:cubicBezTo>
+                <a:cubicBezTo>
+                  <a:pt x="7886" y="9778"/>
+                  <a:pt x="7915" y="9778"/>
+                  <a:pt x="7915" y="9778"/>
+                </a:cubicBezTo>
+                <a:lnTo>
+                  <a:pt x="9248" y="5265"/>
+                </a:lnTo>
+                <a:cubicBezTo>
+                  <a:pt x="9303" y="5077"/>
+                  <a:pt x="9303" y="4889"/>
+                  <a:pt x="9248" y="4701"/>
+                </a:cubicBezTo>
+                <a:close/>
+              </a:path>
+            </a:pathLst>
+          </a:custGeom>
+          <a:solidFill>
+            <a:schemeClr val="accent1"/>
+          </a:solidFill>
+          <a:ln>
+            <a:noFill/>
+          </a:ln>
+        </p:spPr>
+      </p:sp>
+      <p:sp>
+        <p:nvSpPr>
+          <p:cNvPr id="7" name="Slide Number Placeholder 6"/>
+          <p:cNvSpPr>
+            <a:spLocks noGrp="1"/>
+          </p:cNvSpPr>
+          <p:nvPr>
+            <p:ph type="sldNum" sz="quarter" idx="12"/>
+          </p:nvPr>
+        </p:nvSpPr>
+        <p:spPr>
+          <a:xfrm>
+            <a:off x="531812" y="4983087"/>
+            <a:ext cx="779767" cy="365125"/>
+          </a:xfrm>
+        </p:spPr>
+        <p:txBody>
+          <a:bodyPr/>
+          <a:lstStyle/>
+          <a:p>
+            <a:fld id="{8FB10129-9763-4C99-B60C-C382CD4BBBF1}" type="slidenum">
+              <a:rPr lang="en-US" smtClean="0"/>
+              <a:t>‹#›</a:t>
+            </a:fld>
+            <a:endParaRPr lang="en-US"/>
+          </a:p>
+        </p:txBody>
+      </p:sp>
+    </p:spTree>
+    <p:extLst>
+      <p:ext uri="{BB962C8B-B14F-4D97-AF65-F5344CB8AC3E}">
+        <p14:creationId xmlns:p14="http://schemas.microsoft.com/office/powerpoint/2010/main" val="2036713457"/>
+      </p:ext>
+    </p:extLst>
+  </p:cSld>
+  <p:clrMapOvr>
+    <a:masterClrMapping/>
+  </p:clrMapOvr>
+</p:sldLayout>
+</file>
+
+<file path=ppt/slideLayouts/slideLayout15.xml><?xml version="1.0" encoding="utf-8"?>
 <p:sldLayout xmlns:a="http://schemas.openxmlformats.org/drawingml/2006/main" xmlns:r="http://schemas.openxmlformats.org/officeDocument/2006/relationships" xmlns:p="http://schemas.openxmlformats.org/presentationml/2006/main" type="vertTx" preserve="1">
   <p:cSld name="Title and Vertical Text">
     <p:spTree>
@@ -335,7 +2281,7 @@
               <a:rPr lang="en-US" smtClean="0"/>
               <a:t>Click to edit Master title style</a:t>
             </a:r>
-            <a:endParaRPr lang="en-US"/>
+            <a:endParaRPr lang="en-US" dirty="0"/>
           </a:p>
         </p:txBody>
       </p:sp>
@@ -351,7 +2297,7 @@
         </p:nvSpPr>
         <p:spPr/>
         <p:txBody>
-          <a:bodyPr vert="eaVert"/>
+          <a:bodyPr vert="eaVert" anchor="t"/>
           <a:lstStyle/>
           <a:p>
             <a:pPr lvl="0"/>
@@ -387,7 +2333,7 @@
               <a:rPr lang="en-US" smtClean="0"/>
               <a:t>Fifth level</a:t>
             </a:r>
-            <a:endParaRPr lang="en-US"/>
+            <a:endParaRPr lang="en-US" dirty="0"/>
           </a:p>
         </p:txBody>
       </p:sp>
@@ -435,6 +2381,88 @@
       </p:sp>
       <p:sp>
         <p:nvSpPr>
+          <p:cNvPr id="8" name="Freeform 11"/>
+          <p:cNvSpPr/>
+          <p:nvPr/>
+        </p:nvSpPr>
+        <p:spPr bwMode="auto">
+          <a:xfrm flipV="1">
+            <a:off x="-4189" y="714375"/>
+            <a:ext cx="1588527" cy="507297"/>
+          </a:xfrm>
+          <a:custGeom>
+            <a:avLst/>
+            <a:gdLst/>
+            <a:ahLst/>
+            <a:cxnLst/>
+            <a:rect l="l" t="t" r="r" b="b"/>
+            <a:pathLst>
+              <a:path w="9248" h="10000">
+                <a:moveTo>
+                  <a:pt x="9248" y="4701"/>
+                </a:moveTo>
+                <a:lnTo>
+                  <a:pt x="7915" y="188"/>
+                </a:lnTo>
+                <a:cubicBezTo>
+                  <a:pt x="7906" y="156"/>
+                  <a:pt x="7895" y="126"/>
+                  <a:pt x="7886" y="94"/>
+                </a:cubicBezTo>
+                <a:cubicBezTo>
+                  <a:pt x="7859" y="0"/>
+                  <a:pt x="7831" y="0"/>
+                  <a:pt x="7803" y="0"/>
+                </a:cubicBezTo>
+                <a:lnTo>
+                  <a:pt x="7275" y="0"/>
+                </a:lnTo>
+                <a:lnTo>
+                  <a:pt x="0" y="70"/>
+                </a:lnTo>
+                <a:cubicBezTo>
+                  <a:pt x="8" y="3380"/>
+                  <a:pt x="17" y="6690"/>
+                  <a:pt x="25" y="10000"/>
+                </a:cubicBezTo>
+                <a:lnTo>
+                  <a:pt x="7275" y="9966"/>
+                </a:lnTo>
+                <a:lnTo>
+                  <a:pt x="7803" y="9966"/>
+                </a:lnTo>
+                <a:cubicBezTo>
+                  <a:pt x="7831" y="9966"/>
+                  <a:pt x="7859" y="9872"/>
+                  <a:pt x="7886" y="9872"/>
+                </a:cubicBezTo>
+                <a:cubicBezTo>
+                  <a:pt x="7886" y="9778"/>
+                  <a:pt x="7915" y="9778"/>
+                  <a:pt x="7915" y="9778"/>
+                </a:cubicBezTo>
+                <a:lnTo>
+                  <a:pt x="9248" y="5265"/>
+                </a:lnTo>
+                <a:cubicBezTo>
+                  <a:pt x="9303" y="5077"/>
+                  <a:pt x="9303" y="4889"/>
+                  <a:pt x="9248" y="4701"/>
+                </a:cubicBezTo>
+                <a:close/>
+              </a:path>
+            </a:pathLst>
+          </a:custGeom>
+          <a:solidFill>
+            <a:schemeClr val="accent1"/>
+          </a:solidFill>
+          <a:ln>
+            <a:noFill/>
+          </a:ln>
+        </p:spPr>
+      </p:sp>
+      <p:sp>
+        <p:nvSpPr>
           <p:cNvPr id="6" name="Slide Number Placeholder 5"/>
           <p:cNvSpPr>
             <a:spLocks noGrp="1"/>
@@ -459,7 +2487,7 @@
     </p:spTree>
     <p:extLst>
       <p:ext uri="{BB962C8B-B14F-4D97-AF65-F5344CB8AC3E}">
-        <p14:creationId xmlns:p14="http://schemas.microsoft.com/office/powerpoint/2010/main" val="2665169956"/>
+        <p14:creationId xmlns:p14="http://schemas.microsoft.com/office/powerpoint/2010/main" val="357301697"/>
       </p:ext>
     </p:extLst>
   </p:cSld>
@@ -469,7 +2497,7 @@
 </p:sldLayout>
 </file>
 
-<file path=ppt/slideLayouts/slideLayout11.xml><?xml version="1.0" encoding="utf-8"?>
+<file path=ppt/slideLayouts/slideLayout16.xml><?xml version="1.0" encoding="utf-8"?>
 <p:sldLayout xmlns:a="http://schemas.openxmlformats.org/drawingml/2006/main" xmlns:r="http://schemas.openxmlformats.org/officeDocument/2006/relationships" xmlns:p="http://schemas.openxmlformats.org/presentationml/2006/main" type="vertTitleAndTx" preserve="1">
   <p:cSld name="Vertical Title and Text">
     <p:spTree>
@@ -498,19 +2526,19 @@
         </p:nvSpPr>
         <p:spPr>
           <a:xfrm>
-            <a:off x="8724900" y="365125"/>
-            <a:ext cx="2628900" cy="5811838"/>
+            <a:off x="9294812" y="627405"/>
+            <a:ext cx="2207601" cy="5283817"/>
           </a:xfrm>
         </p:spPr>
         <p:txBody>
-          <a:bodyPr vert="eaVert"/>
+          <a:bodyPr vert="eaVert" anchor="ctr"/>
           <a:lstStyle/>
           <a:p>
             <a:r>
               <a:rPr lang="en-US" smtClean="0"/>
               <a:t>Click to edit Master title style</a:t>
             </a:r>
-            <a:endParaRPr lang="en-US"/>
+            <a:endParaRPr lang="en-US" dirty="0"/>
           </a:p>
         </p:txBody>
       </p:sp>
@@ -526,8 +2554,8 @@
         </p:nvSpPr>
         <p:spPr>
           <a:xfrm>
-            <a:off x="838200" y="365125"/>
-            <a:ext cx="7734300" cy="5811838"/>
+            <a:off x="2589212" y="627405"/>
+            <a:ext cx="6477000" cy="5283817"/>
           </a:xfrm>
         </p:spPr>
         <p:txBody>
@@ -567,7 +2595,7 @@
               <a:rPr lang="en-US" smtClean="0"/>
               <a:t>Fifth level</a:t>
             </a:r>
-            <a:endParaRPr lang="en-US"/>
+            <a:endParaRPr lang="en-US" dirty="0"/>
           </a:p>
         </p:txBody>
       </p:sp>
@@ -615,6 +2643,88 @@
       </p:sp>
       <p:sp>
         <p:nvSpPr>
+          <p:cNvPr id="8" name="Freeform 11"/>
+          <p:cNvSpPr/>
+          <p:nvPr/>
+        </p:nvSpPr>
+        <p:spPr bwMode="auto">
+          <a:xfrm flipV="1">
+            <a:off x="-4189" y="714375"/>
+            <a:ext cx="1588527" cy="507297"/>
+          </a:xfrm>
+          <a:custGeom>
+            <a:avLst/>
+            <a:gdLst/>
+            <a:ahLst/>
+            <a:cxnLst/>
+            <a:rect l="l" t="t" r="r" b="b"/>
+            <a:pathLst>
+              <a:path w="9248" h="10000">
+                <a:moveTo>
+                  <a:pt x="9248" y="4701"/>
+                </a:moveTo>
+                <a:lnTo>
+                  <a:pt x="7915" y="188"/>
+                </a:lnTo>
+                <a:cubicBezTo>
+                  <a:pt x="7906" y="156"/>
+                  <a:pt x="7895" y="126"/>
+                  <a:pt x="7886" y="94"/>
+                </a:cubicBezTo>
+                <a:cubicBezTo>
+                  <a:pt x="7859" y="0"/>
+                  <a:pt x="7831" y="0"/>
+                  <a:pt x="7803" y="0"/>
+                </a:cubicBezTo>
+                <a:lnTo>
+                  <a:pt x="7275" y="0"/>
+                </a:lnTo>
+                <a:lnTo>
+                  <a:pt x="0" y="70"/>
+                </a:lnTo>
+                <a:cubicBezTo>
+                  <a:pt x="8" y="3380"/>
+                  <a:pt x="17" y="6690"/>
+                  <a:pt x="25" y="10000"/>
+                </a:cubicBezTo>
+                <a:lnTo>
+                  <a:pt x="7275" y="9966"/>
+                </a:lnTo>
+                <a:lnTo>
+                  <a:pt x="7803" y="9966"/>
+                </a:lnTo>
+                <a:cubicBezTo>
+                  <a:pt x="7831" y="9966"/>
+                  <a:pt x="7859" y="9872"/>
+                  <a:pt x="7886" y="9872"/>
+                </a:cubicBezTo>
+                <a:cubicBezTo>
+                  <a:pt x="7886" y="9778"/>
+                  <a:pt x="7915" y="9778"/>
+                  <a:pt x="7915" y="9778"/>
+                </a:cubicBezTo>
+                <a:lnTo>
+                  <a:pt x="9248" y="5265"/>
+                </a:lnTo>
+                <a:cubicBezTo>
+                  <a:pt x="9303" y="5077"/>
+                  <a:pt x="9303" y="4889"/>
+                  <a:pt x="9248" y="4701"/>
+                </a:cubicBezTo>
+                <a:close/>
+              </a:path>
+            </a:pathLst>
+          </a:custGeom>
+          <a:solidFill>
+            <a:schemeClr val="accent1"/>
+          </a:solidFill>
+          <a:ln>
+            <a:noFill/>
+          </a:ln>
+        </p:spPr>
+      </p:sp>
+      <p:sp>
+        <p:nvSpPr>
           <p:cNvPr id="6" name="Slide Number Placeholder 5"/>
           <p:cNvSpPr>
             <a:spLocks noGrp="1"/>
@@ -639,7 +2749,7 @@
     </p:spTree>
     <p:extLst>
       <p:ext uri="{BB962C8B-B14F-4D97-AF65-F5344CB8AC3E}">
-        <p14:creationId xmlns:p14="http://schemas.microsoft.com/office/powerpoint/2010/main" val="730177579"/>
+        <p14:creationId xmlns:p14="http://schemas.microsoft.com/office/powerpoint/2010/main" val="1735652004"/>
       </p:ext>
     </p:extLst>
   </p:cSld>
@@ -676,7 +2786,12 @@
             <p:ph type="title"/>
           </p:nvPr>
         </p:nvSpPr>
-        <p:spPr/>
+        <p:spPr>
+          <a:xfrm>
+            <a:off x="2592925" y="624110"/>
+            <a:ext cx="8911687" cy="1280890"/>
+          </a:xfrm>
+        </p:spPr>
         <p:txBody>
           <a:bodyPr/>
           <a:lstStyle/>
@@ -685,7 +2800,7 @@
               <a:rPr lang="en-US" smtClean="0"/>
               <a:t>Click to edit Master title style</a:t>
             </a:r>
-            <a:endParaRPr lang="en-US"/>
+            <a:endParaRPr lang="en-US" dirty="0"/>
           </a:p>
         </p:txBody>
       </p:sp>
@@ -699,7 +2814,12 @@
             <p:ph idx="1"/>
           </p:nvPr>
         </p:nvSpPr>
-        <p:spPr/>
+        <p:spPr>
+          <a:xfrm>
+            <a:off x="2589212" y="2133600"/>
+            <a:ext cx="8915400" cy="3777622"/>
+          </a:xfrm>
+        </p:spPr>
         <p:txBody>
           <a:bodyPr/>
           <a:lstStyle/>
@@ -737,7 +2857,7 @@
               <a:rPr lang="en-US" smtClean="0"/>
               <a:t>Fifth level</a:t>
             </a:r>
-            <a:endParaRPr lang="en-US"/>
+            <a:endParaRPr lang="en-US" dirty="0"/>
           </a:p>
         </p:txBody>
       </p:sp>
@@ -785,6 +2905,88 @@
       </p:sp>
       <p:sp>
         <p:nvSpPr>
+          <p:cNvPr id="8" name="Freeform 11"/>
+          <p:cNvSpPr/>
+          <p:nvPr/>
+        </p:nvSpPr>
+        <p:spPr bwMode="auto">
+          <a:xfrm flipV="1">
+            <a:off x="-4189" y="714375"/>
+            <a:ext cx="1588527" cy="507297"/>
+          </a:xfrm>
+          <a:custGeom>
+            <a:avLst/>
+            <a:gdLst/>
+            <a:ahLst/>
+            <a:cxnLst/>
+            <a:rect l="l" t="t" r="r" b="b"/>
+            <a:pathLst>
+              <a:path w="9248" h="10000">
+                <a:moveTo>
+                  <a:pt x="9248" y="4701"/>
+                </a:moveTo>
+                <a:lnTo>
+                  <a:pt x="7915" y="188"/>
+                </a:lnTo>
+                <a:cubicBezTo>
+                  <a:pt x="7906" y="156"/>
+                  <a:pt x="7895" y="126"/>
+                  <a:pt x="7886" y="94"/>
+                </a:cubicBezTo>
+                <a:cubicBezTo>
+                  <a:pt x="7859" y="0"/>
+                  <a:pt x="7831" y="0"/>
+                  <a:pt x="7803" y="0"/>
+                </a:cubicBezTo>
+                <a:lnTo>
+                  <a:pt x="7275" y="0"/>
+                </a:lnTo>
+                <a:lnTo>
+                  <a:pt x="0" y="70"/>
+                </a:lnTo>
+                <a:cubicBezTo>
+                  <a:pt x="8" y="3380"/>
+                  <a:pt x="17" y="6690"/>
+                  <a:pt x="25" y="10000"/>
+                </a:cubicBezTo>
+                <a:lnTo>
+                  <a:pt x="7275" y="9966"/>
+                </a:lnTo>
+                <a:lnTo>
+                  <a:pt x="7803" y="9966"/>
+                </a:lnTo>
+                <a:cubicBezTo>
+                  <a:pt x="7831" y="9966"/>
+                  <a:pt x="7859" y="9872"/>
+                  <a:pt x="7886" y="9872"/>
+                </a:cubicBezTo>
+                <a:cubicBezTo>
+                  <a:pt x="7886" y="9778"/>
+                  <a:pt x="7915" y="9778"/>
+                  <a:pt x="7915" y="9778"/>
+                </a:cubicBezTo>
+                <a:lnTo>
+                  <a:pt x="9248" y="5265"/>
+                </a:lnTo>
+                <a:cubicBezTo>
+                  <a:pt x="9303" y="5077"/>
+                  <a:pt x="9303" y="4889"/>
+                  <a:pt x="9248" y="4701"/>
+                </a:cubicBezTo>
+                <a:close/>
+              </a:path>
+            </a:pathLst>
+          </a:custGeom>
+          <a:solidFill>
+            <a:schemeClr val="accent1"/>
+          </a:solidFill>
+          <a:ln>
+            <a:noFill/>
+          </a:ln>
+        </p:spPr>
+      </p:sp>
+      <p:sp>
+        <p:nvSpPr>
           <p:cNvPr id="6" name="Slide Number Placeholder 5"/>
           <p:cNvSpPr>
             <a:spLocks noGrp="1"/>
@@ -809,7 +3011,7 @@
     </p:spTree>
     <p:extLst>
       <p:ext uri="{BB962C8B-B14F-4D97-AF65-F5344CB8AC3E}">
-        <p14:creationId xmlns:p14="http://schemas.microsoft.com/office/powerpoint/2010/main" val="1000677258"/>
+        <p14:creationId xmlns:p14="http://schemas.microsoft.com/office/powerpoint/2010/main" val="3106328199"/>
       </p:ext>
     </p:extLst>
   </p:cSld>
@@ -848,15 +3050,15 @@
         </p:nvSpPr>
         <p:spPr>
           <a:xfrm>
-            <a:off x="831850" y="1709738"/>
-            <a:ext cx="10515600" cy="2852737"/>
+            <a:off x="2589212" y="2058750"/>
+            <a:ext cx="8915399" cy="1468800"/>
           </a:xfrm>
         </p:spPr>
         <p:txBody>
           <a:bodyPr anchor="b"/>
           <a:lstStyle>
-            <a:lvl1pPr>
-              <a:defRPr sz="6000"/>
+            <a:lvl1pPr algn="l">
+              <a:defRPr sz="4000" b="0" cap="none"/>
             </a:lvl1pPr>
           </a:lstStyle>
           <a:p>
@@ -864,7 +3066,7 @@
               <a:rPr lang="en-US" smtClean="0"/>
               <a:t>Click to edit Master title style</a:t>
             </a:r>
-            <a:endParaRPr lang="en-US"/>
+            <a:endParaRPr lang="en-US" dirty="0"/>
           </a:p>
         </p:txBody>
       </p:sp>
@@ -880,26 +3082,27 @@
         </p:nvSpPr>
         <p:spPr>
           <a:xfrm>
-            <a:off x="831850" y="4589463"/>
-            <a:ext cx="10515600" cy="1500187"/>
+            <a:off x="2589212" y="3530129"/>
+            <a:ext cx="8915399" cy="860400"/>
           </a:xfrm>
         </p:spPr>
         <p:txBody>
-          <a:bodyPr/>
+          <a:bodyPr anchor="t"/>
           <a:lstStyle>
-            <a:lvl1pPr marL="0" indent="0">
-              <a:buNone/>
-              <a:defRPr sz="2400">
+            <a:lvl1pPr marL="0" indent="0" algn="l">
+              <a:buNone/>
+              <a:defRPr sz="2000">
                 <a:solidFill>
                   <a:schemeClr val="tx1">
-                    <a:tint val="75000"/>
+                    <a:lumMod val="65000"/>
+                    <a:lumOff val="35000"/>
                   </a:schemeClr>
                 </a:solidFill>
               </a:defRPr>
             </a:lvl1pPr>
             <a:lvl2pPr marL="457200" indent="0">
               <a:buNone/>
-              <a:defRPr sz="2000">
+              <a:defRPr sz="1800">
                 <a:solidFill>
                   <a:schemeClr val="tx1">
                     <a:tint val="75000"/>
@@ -909,7 +3112,7 @@
             </a:lvl2pPr>
             <a:lvl3pPr marL="914400" indent="0">
               <a:buNone/>
-              <a:defRPr sz="1800">
+              <a:defRPr sz="1600">
                 <a:solidFill>
                   <a:schemeClr val="tx1">
                     <a:tint val="75000"/>
@@ -919,7 +3122,7 @@
             </a:lvl3pPr>
             <a:lvl4pPr marL="1371600" indent="0">
               <a:buNone/>
-              <a:defRPr sz="1600">
+              <a:defRPr sz="1400">
                 <a:solidFill>
                   <a:schemeClr val="tx1">
                     <a:tint val="75000"/>
@@ -929,7 +3132,7 @@
             </a:lvl4pPr>
             <a:lvl5pPr marL="1828800" indent="0">
               <a:buNone/>
-              <a:defRPr sz="1600">
+              <a:defRPr sz="1400">
                 <a:solidFill>
                   <a:schemeClr val="tx1">
                     <a:tint val="75000"/>
@@ -939,7 +3142,7 @@
             </a:lvl5pPr>
             <a:lvl6pPr marL="2286000" indent="0">
               <a:buNone/>
-              <a:defRPr sz="1600">
+              <a:defRPr sz="1400">
                 <a:solidFill>
                   <a:schemeClr val="tx1">
                     <a:tint val="75000"/>
@@ -949,7 +3152,7 @@
             </a:lvl6pPr>
             <a:lvl7pPr marL="2743200" indent="0">
               <a:buNone/>
-              <a:defRPr sz="1600">
+              <a:defRPr sz="1400">
                 <a:solidFill>
                   <a:schemeClr val="tx1">
                     <a:tint val="75000"/>
@@ -959,7 +3162,7 @@
             </a:lvl7pPr>
             <a:lvl8pPr marL="3200400" indent="0">
               <a:buNone/>
-              <a:defRPr sz="1600">
+              <a:defRPr sz="1400">
                 <a:solidFill>
                   <a:schemeClr val="tx1">
                     <a:tint val="75000"/>
@@ -969,7 +3172,7 @@
             </a:lvl8pPr>
             <a:lvl9pPr marL="3657600" indent="0">
               <a:buNone/>
-              <a:defRPr sz="1600">
+              <a:defRPr sz="1400">
                 <a:solidFill>
                   <a:schemeClr val="tx1">
                     <a:tint val="75000"/>
@@ -1031,6 +3234,88 @@
       </p:sp>
       <p:sp>
         <p:nvSpPr>
+          <p:cNvPr id="9" name="Freeform 11"/>
+          <p:cNvSpPr/>
+          <p:nvPr/>
+        </p:nvSpPr>
+        <p:spPr bwMode="auto">
+          <a:xfrm flipV="1">
+            <a:off x="-4189" y="3178175"/>
+            <a:ext cx="1588527" cy="507297"/>
+          </a:xfrm>
+          <a:custGeom>
+            <a:avLst/>
+            <a:gdLst/>
+            <a:ahLst/>
+            <a:cxnLst/>
+            <a:rect l="l" t="t" r="r" b="b"/>
+            <a:pathLst>
+              <a:path w="9248" h="10000">
+                <a:moveTo>
+                  <a:pt x="9248" y="4701"/>
+                </a:moveTo>
+                <a:lnTo>
+                  <a:pt x="7915" y="188"/>
+                </a:lnTo>
+                <a:cubicBezTo>
+                  <a:pt x="7906" y="156"/>
+                  <a:pt x="7895" y="126"/>
+                  <a:pt x="7886" y="94"/>
+                </a:cubicBezTo>
+                <a:cubicBezTo>
+                  <a:pt x="7859" y="0"/>
+                  <a:pt x="7831" y="0"/>
+                  <a:pt x="7803" y="0"/>
+                </a:cubicBezTo>
+                <a:lnTo>
+                  <a:pt x="7275" y="0"/>
+                </a:lnTo>
+                <a:lnTo>
+                  <a:pt x="0" y="70"/>
+                </a:lnTo>
+                <a:cubicBezTo>
+                  <a:pt x="8" y="3380"/>
+                  <a:pt x="17" y="6690"/>
+                  <a:pt x="25" y="10000"/>
+                </a:cubicBezTo>
+                <a:lnTo>
+                  <a:pt x="7275" y="9966"/>
+                </a:lnTo>
+                <a:lnTo>
+                  <a:pt x="7803" y="9966"/>
+                </a:lnTo>
+                <a:cubicBezTo>
+                  <a:pt x="7831" y="9966"/>
+                  <a:pt x="7859" y="9872"/>
+                  <a:pt x="7886" y="9872"/>
+                </a:cubicBezTo>
+                <a:cubicBezTo>
+                  <a:pt x="7886" y="9778"/>
+                  <a:pt x="7915" y="9778"/>
+                  <a:pt x="7915" y="9778"/>
+                </a:cubicBezTo>
+                <a:lnTo>
+                  <a:pt x="9248" y="5265"/>
+                </a:lnTo>
+                <a:cubicBezTo>
+                  <a:pt x="9303" y="5077"/>
+                  <a:pt x="9303" y="4889"/>
+                  <a:pt x="9248" y="4701"/>
+                </a:cubicBezTo>
+                <a:close/>
+              </a:path>
+            </a:pathLst>
+          </a:custGeom>
+          <a:solidFill>
+            <a:schemeClr val="accent1"/>
+          </a:solidFill>
+          <a:ln>
+            <a:noFill/>
+          </a:ln>
+        </p:spPr>
+      </p:sp>
+      <p:sp>
+        <p:nvSpPr>
           <p:cNvPr id="6" name="Slide Number Placeholder 5"/>
           <p:cNvSpPr>
             <a:spLocks noGrp="1"/>
@@ -1039,7 +3324,12 @@
             <p:ph type="sldNum" sz="quarter" idx="12"/>
           </p:nvPr>
         </p:nvSpPr>
-        <p:spPr/>
+        <p:spPr>
+          <a:xfrm>
+            <a:off x="531812" y="3244139"/>
+            <a:ext cx="779767" cy="365125"/>
+          </a:xfrm>
+        </p:spPr>
         <p:txBody>
           <a:bodyPr/>
           <a:lstStyle/>
@@ -1055,7 +3345,7 @@
     </p:spTree>
     <p:extLst>
       <p:ext uri="{BB962C8B-B14F-4D97-AF65-F5344CB8AC3E}">
-        <p14:creationId xmlns:p14="http://schemas.microsoft.com/office/powerpoint/2010/main" val="518445124"/>
+        <p14:creationId xmlns:p14="http://schemas.microsoft.com/office/powerpoint/2010/main" val="327107962"/>
       </p:ext>
     </p:extLst>
   </p:cSld>
@@ -1084,7 +3374,7 @@
       </p:grpSpPr>
       <p:sp>
         <p:nvSpPr>
-          <p:cNvPr id="2" name="Title 1"/>
+          <p:cNvPr id="8" name="Title 7"/>
           <p:cNvSpPr>
             <a:spLocks noGrp="1"/>
           </p:cNvSpPr>
@@ -1101,7 +3391,7 @@
               <a:rPr lang="en-US" smtClean="0"/>
               <a:t>Click to edit Master title style</a:t>
             </a:r>
-            <a:endParaRPr lang="en-US"/>
+            <a:endParaRPr lang="en-US" dirty="0"/>
           </a:p>
         </p:txBody>
       </p:sp>
@@ -1117,12 +3407,14 @@
         </p:nvSpPr>
         <p:spPr>
           <a:xfrm>
-            <a:off x="838200" y="1825625"/>
-            <a:ext cx="5181600" cy="4351338"/>
+            <a:off x="2589212" y="2133600"/>
+            <a:ext cx="4313864" cy="3777622"/>
           </a:xfrm>
         </p:spPr>
         <p:txBody>
-          <a:bodyPr/>
+          <a:bodyPr>
+            <a:normAutofit/>
+          </a:bodyPr>
           <a:lstStyle/>
           <a:p>
             <a:pPr lvl="0"/>
@@ -1158,7 +3450,7 @@
               <a:rPr lang="en-US" smtClean="0"/>
               <a:t>Fifth level</a:t>
             </a:r>
-            <a:endParaRPr lang="en-US"/>
+            <a:endParaRPr lang="en-US" dirty="0"/>
           </a:p>
         </p:txBody>
       </p:sp>
@@ -1174,12 +3466,14 @@
         </p:nvSpPr>
         <p:spPr>
           <a:xfrm>
-            <a:off x="6172200" y="1825625"/>
-            <a:ext cx="5181600" cy="4351338"/>
+            <a:off x="7190747" y="2126222"/>
+            <a:ext cx="4313864" cy="3777622"/>
           </a:xfrm>
         </p:spPr>
         <p:txBody>
-          <a:bodyPr/>
+          <a:bodyPr>
+            <a:normAutofit/>
+          </a:bodyPr>
           <a:lstStyle/>
           <a:p>
             <a:pPr lvl="0"/>
@@ -1215,7 +3509,7 @@
               <a:rPr lang="en-US" smtClean="0"/>
               <a:t>Fifth level</a:t>
             </a:r>
-            <a:endParaRPr lang="en-US"/>
+            <a:endParaRPr lang="en-US" dirty="0"/>
           </a:p>
         </p:txBody>
       </p:sp>
@@ -1263,7 +3557,89 @@
       </p:sp>
       <p:sp>
         <p:nvSpPr>
-          <p:cNvPr id="7" name="Slide Number Placeholder 6"/>
+          <p:cNvPr id="12" name="Freeform 11"/>
+          <p:cNvSpPr/>
+          <p:nvPr/>
+        </p:nvSpPr>
+        <p:spPr bwMode="auto">
+          <a:xfrm flipV="1">
+            <a:off x="-4189" y="714375"/>
+            <a:ext cx="1588527" cy="507297"/>
+          </a:xfrm>
+          <a:custGeom>
+            <a:avLst/>
+            <a:gdLst/>
+            <a:ahLst/>
+            <a:cxnLst/>
+            <a:rect l="l" t="t" r="r" b="b"/>
+            <a:pathLst>
+              <a:path w="9248" h="10000">
+                <a:moveTo>
+                  <a:pt x="9248" y="4701"/>
+                </a:moveTo>
+                <a:lnTo>
+                  <a:pt x="7915" y="188"/>
+                </a:lnTo>
+                <a:cubicBezTo>
+                  <a:pt x="7906" y="156"/>
+                  <a:pt x="7895" y="126"/>
+                  <a:pt x="7886" y="94"/>
+                </a:cubicBezTo>
+                <a:cubicBezTo>
+                  <a:pt x="7859" y="0"/>
+                  <a:pt x="7831" y="0"/>
+                  <a:pt x="7803" y="0"/>
+                </a:cubicBezTo>
+                <a:lnTo>
+                  <a:pt x="7275" y="0"/>
+                </a:lnTo>
+                <a:lnTo>
+                  <a:pt x="0" y="70"/>
+                </a:lnTo>
+                <a:cubicBezTo>
+                  <a:pt x="8" y="3380"/>
+                  <a:pt x="17" y="6690"/>
+                  <a:pt x="25" y="10000"/>
+                </a:cubicBezTo>
+                <a:lnTo>
+                  <a:pt x="7275" y="9966"/>
+                </a:lnTo>
+                <a:lnTo>
+                  <a:pt x="7803" y="9966"/>
+                </a:lnTo>
+                <a:cubicBezTo>
+                  <a:pt x="7831" y="9966"/>
+                  <a:pt x="7859" y="9872"/>
+                  <a:pt x="7886" y="9872"/>
+                </a:cubicBezTo>
+                <a:cubicBezTo>
+                  <a:pt x="7886" y="9778"/>
+                  <a:pt x="7915" y="9778"/>
+                  <a:pt x="7915" y="9778"/>
+                </a:cubicBezTo>
+                <a:lnTo>
+                  <a:pt x="9248" y="5265"/>
+                </a:lnTo>
+                <a:cubicBezTo>
+                  <a:pt x="9303" y="5077"/>
+                  <a:pt x="9303" y="4889"/>
+                  <a:pt x="9248" y="4701"/>
+                </a:cubicBezTo>
+                <a:close/>
+              </a:path>
+            </a:pathLst>
+          </a:custGeom>
+          <a:solidFill>
+            <a:schemeClr val="accent1"/>
+          </a:solidFill>
+          <a:ln>
+            <a:noFill/>
+          </a:ln>
+        </p:spPr>
+      </p:sp>
+      <p:sp>
+        <p:nvSpPr>
+          <p:cNvPr id="13" name="Slide Number Placeholder 5"/>
           <p:cNvSpPr>
             <a:spLocks noGrp="1"/>
           </p:cNvSpPr>
@@ -1271,7 +3647,12 @@
             <p:ph type="sldNum" sz="quarter" idx="12"/>
           </p:nvPr>
         </p:nvSpPr>
-        <p:spPr/>
+        <p:spPr>
+          <a:xfrm>
+            <a:off x="531812" y="787782"/>
+            <a:ext cx="779767" cy="365125"/>
+          </a:xfrm>
+        </p:spPr>
         <p:txBody>
           <a:bodyPr/>
           <a:lstStyle/>
@@ -1287,7 +3668,7 @@
     </p:spTree>
     <p:extLst>
       <p:ext uri="{BB962C8B-B14F-4D97-AF65-F5344CB8AC3E}">
-        <p14:creationId xmlns:p14="http://schemas.microsoft.com/office/powerpoint/2010/main" val="2142254881"/>
+        <p14:creationId xmlns:p14="http://schemas.microsoft.com/office/powerpoint/2010/main" val="584701240"/>
       </p:ext>
     </p:extLst>
   </p:cSld>
@@ -1316,7 +3697,7 @@
       </p:grpSpPr>
       <p:sp>
         <p:nvSpPr>
-          <p:cNvPr id="2" name="Title 1"/>
+          <p:cNvPr id="10" name="Title 9"/>
           <p:cNvSpPr>
             <a:spLocks noGrp="1"/>
           </p:cNvSpPr>
@@ -1324,12 +3705,7 @@
             <p:ph type="title"/>
           </p:nvPr>
         </p:nvSpPr>
-        <p:spPr>
-          <a:xfrm>
-            <a:off x="839788" y="365125"/>
-            <a:ext cx="10515600" cy="1325563"/>
-          </a:xfrm>
-        </p:spPr>
+        <p:spPr/>
         <p:txBody>
           <a:bodyPr/>
           <a:lstStyle/>
@@ -1338,7 +3714,7 @@
               <a:rPr lang="en-US" smtClean="0"/>
               <a:t>Click to edit Master title style</a:t>
             </a:r>
-            <a:endParaRPr lang="en-US"/>
+            <a:endParaRPr lang="en-US" dirty="0"/>
           </a:p>
         </p:txBody>
       </p:sp>
@@ -1354,16 +3730,18 @@
         </p:nvSpPr>
         <p:spPr>
           <a:xfrm>
-            <a:off x="839788" y="1681163"/>
-            <a:ext cx="5157787" cy="823912"/>
+            <a:off x="2939373" y="1972703"/>
+            <a:ext cx="3992732" cy="576262"/>
           </a:xfrm>
         </p:spPr>
         <p:txBody>
-          <a:bodyPr anchor="b"/>
+          <a:bodyPr anchor="b">
+            <a:noAutofit/>
+          </a:bodyPr>
           <a:lstStyle>
             <a:lvl1pPr marL="0" indent="0">
               <a:buNone/>
-              <a:defRPr sz="2400" b="1"/>
+              <a:defRPr sz="2400" b="0"/>
             </a:lvl1pPr>
             <a:lvl2pPr marL="457200" indent="0">
               <a:buNone/>
@@ -1419,12 +3797,14 @@
         </p:nvSpPr>
         <p:spPr>
           <a:xfrm>
-            <a:off x="839788" y="2505075"/>
-            <a:ext cx="5157787" cy="3684588"/>
+            <a:off x="2589212" y="2548966"/>
+            <a:ext cx="4342893" cy="3354060"/>
           </a:xfrm>
         </p:spPr>
         <p:txBody>
-          <a:bodyPr/>
+          <a:bodyPr>
+            <a:normAutofit/>
+          </a:bodyPr>
           <a:lstStyle/>
           <a:p>
             <a:pPr lvl="0"/>
@@ -1460,7 +3840,7 @@
               <a:rPr lang="en-US" smtClean="0"/>
               <a:t>Fifth level</a:t>
             </a:r>
-            <a:endParaRPr lang="en-US"/>
+            <a:endParaRPr lang="en-US" dirty="0"/>
           </a:p>
         </p:txBody>
       </p:sp>
@@ -1476,16 +3856,18 @@
         </p:nvSpPr>
         <p:spPr>
           <a:xfrm>
-            <a:off x="6172200" y="1681163"/>
-            <a:ext cx="5183188" cy="823912"/>
+            <a:off x="7506629" y="1969475"/>
+            <a:ext cx="3999001" cy="576262"/>
           </a:xfrm>
         </p:spPr>
         <p:txBody>
-          <a:bodyPr anchor="b"/>
+          <a:bodyPr anchor="b">
+            <a:noAutofit/>
+          </a:bodyPr>
           <a:lstStyle>
             <a:lvl1pPr marL="0" indent="0">
               <a:buNone/>
-              <a:defRPr sz="2400" b="1"/>
+              <a:defRPr sz="2400" b="0"/>
             </a:lvl1pPr>
             <a:lvl2pPr marL="457200" indent="0">
               <a:buNone/>
@@ -1541,12 +3923,14 @@
         </p:nvSpPr>
         <p:spPr>
           <a:xfrm>
-            <a:off x="6172200" y="2505075"/>
-            <a:ext cx="5183188" cy="3684588"/>
+            <a:off x="7166957" y="2545738"/>
+            <a:ext cx="4338674" cy="3354060"/>
           </a:xfrm>
         </p:spPr>
         <p:txBody>
-          <a:bodyPr/>
+          <a:bodyPr>
+            <a:normAutofit/>
+          </a:bodyPr>
           <a:lstStyle/>
           <a:p>
             <a:pPr lvl="0"/>
@@ -1582,7 +3966,7 @@
               <a:rPr lang="en-US" smtClean="0"/>
               <a:t>Fifth level</a:t>
             </a:r>
-            <a:endParaRPr lang="en-US"/>
+            <a:endParaRPr lang="en-US" dirty="0"/>
           </a:p>
         </p:txBody>
       </p:sp>
@@ -1630,7 +4014,89 @@
       </p:sp>
       <p:sp>
         <p:nvSpPr>
-          <p:cNvPr id="9" name="Slide Number Placeholder 8"/>
+          <p:cNvPr id="12" name="Freeform 11"/>
+          <p:cNvSpPr/>
+          <p:nvPr/>
+        </p:nvSpPr>
+        <p:spPr bwMode="auto">
+          <a:xfrm flipV="1">
+            <a:off x="-4189" y="714375"/>
+            <a:ext cx="1588527" cy="507297"/>
+          </a:xfrm>
+          <a:custGeom>
+            <a:avLst/>
+            <a:gdLst/>
+            <a:ahLst/>
+            <a:cxnLst/>
+            <a:rect l="l" t="t" r="r" b="b"/>
+            <a:pathLst>
+              <a:path w="9248" h="10000">
+                <a:moveTo>
+                  <a:pt x="9248" y="4701"/>
+                </a:moveTo>
+                <a:lnTo>
+                  <a:pt x="7915" y="188"/>
+                </a:lnTo>
+                <a:cubicBezTo>
+                  <a:pt x="7906" y="156"/>
+                  <a:pt x="7895" y="126"/>
+                  <a:pt x="7886" y="94"/>
+                </a:cubicBezTo>
+                <a:cubicBezTo>
+                  <a:pt x="7859" y="0"/>
+                  <a:pt x="7831" y="0"/>
+                  <a:pt x="7803" y="0"/>
+                </a:cubicBezTo>
+                <a:lnTo>
+                  <a:pt x="7275" y="0"/>
+                </a:lnTo>
+                <a:lnTo>
+                  <a:pt x="0" y="70"/>
+                </a:lnTo>
+                <a:cubicBezTo>
+                  <a:pt x="8" y="3380"/>
+                  <a:pt x="17" y="6690"/>
+                  <a:pt x="25" y="10000"/>
+                </a:cubicBezTo>
+                <a:lnTo>
+                  <a:pt x="7275" y="9966"/>
+                </a:lnTo>
+                <a:lnTo>
+                  <a:pt x="7803" y="9966"/>
+                </a:lnTo>
+                <a:cubicBezTo>
+                  <a:pt x="7831" y="9966"/>
+                  <a:pt x="7859" y="9872"/>
+                  <a:pt x="7886" y="9872"/>
+                </a:cubicBezTo>
+                <a:cubicBezTo>
+                  <a:pt x="7886" y="9778"/>
+                  <a:pt x="7915" y="9778"/>
+                  <a:pt x="7915" y="9778"/>
+                </a:cubicBezTo>
+                <a:lnTo>
+                  <a:pt x="9248" y="5265"/>
+                </a:lnTo>
+                <a:cubicBezTo>
+                  <a:pt x="9303" y="5077"/>
+                  <a:pt x="9303" y="4889"/>
+                  <a:pt x="9248" y="4701"/>
+                </a:cubicBezTo>
+                <a:close/>
+              </a:path>
+            </a:pathLst>
+          </a:custGeom>
+          <a:solidFill>
+            <a:schemeClr val="accent1"/>
+          </a:solidFill>
+          <a:ln>
+            <a:noFill/>
+          </a:ln>
+        </p:spPr>
+      </p:sp>
+      <p:sp>
+        <p:nvSpPr>
+          <p:cNvPr id="13" name="Slide Number Placeholder 5"/>
           <p:cNvSpPr>
             <a:spLocks noGrp="1"/>
           </p:cNvSpPr>
@@ -1638,7 +4104,12 @@
             <p:ph type="sldNum" sz="quarter" idx="12"/>
           </p:nvPr>
         </p:nvSpPr>
-        <p:spPr/>
+        <p:spPr>
+          <a:xfrm>
+            <a:off x="531812" y="787782"/>
+            <a:ext cx="779767" cy="365125"/>
+          </a:xfrm>
+        </p:spPr>
         <p:txBody>
           <a:bodyPr/>
           <a:lstStyle/>
@@ -1654,7 +4125,7 @@
     </p:spTree>
     <p:extLst>
       <p:ext uri="{BB962C8B-B14F-4D97-AF65-F5344CB8AC3E}">
-        <p14:creationId xmlns:p14="http://schemas.microsoft.com/office/powerpoint/2010/main" val="2371994024"/>
+        <p14:creationId xmlns:p14="http://schemas.microsoft.com/office/powerpoint/2010/main" val="766266601"/>
       </p:ext>
     </p:extLst>
   </p:cSld>
@@ -1700,7 +4171,7 @@
               <a:rPr lang="en-US" smtClean="0"/>
               <a:t>Click to edit Master title style</a:t>
             </a:r>
-            <a:endParaRPr lang="en-US"/>
+            <a:endParaRPr lang="en-US" dirty="0"/>
           </a:p>
         </p:txBody>
       </p:sp>
@@ -1748,6 +4219,88 @@
       </p:sp>
       <p:sp>
         <p:nvSpPr>
+          <p:cNvPr id="7" name="Freeform 11"/>
+          <p:cNvSpPr/>
+          <p:nvPr/>
+        </p:nvSpPr>
+        <p:spPr bwMode="auto">
+          <a:xfrm flipV="1">
+            <a:off x="-4189" y="714375"/>
+            <a:ext cx="1588527" cy="507297"/>
+          </a:xfrm>
+          <a:custGeom>
+            <a:avLst/>
+            <a:gdLst/>
+            <a:ahLst/>
+            <a:cxnLst/>
+            <a:rect l="l" t="t" r="r" b="b"/>
+            <a:pathLst>
+              <a:path w="9248" h="10000">
+                <a:moveTo>
+                  <a:pt x="9248" y="4701"/>
+                </a:moveTo>
+                <a:lnTo>
+                  <a:pt x="7915" y="188"/>
+                </a:lnTo>
+                <a:cubicBezTo>
+                  <a:pt x="7906" y="156"/>
+                  <a:pt x="7895" y="126"/>
+                  <a:pt x="7886" y="94"/>
+                </a:cubicBezTo>
+                <a:cubicBezTo>
+                  <a:pt x="7859" y="0"/>
+                  <a:pt x="7831" y="0"/>
+                  <a:pt x="7803" y="0"/>
+                </a:cubicBezTo>
+                <a:lnTo>
+                  <a:pt x="7275" y="0"/>
+                </a:lnTo>
+                <a:lnTo>
+                  <a:pt x="0" y="70"/>
+                </a:lnTo>
+                <a:cubicBezTo>
+                  <a:pt x="8" y="3380"/>
+                  <a:pt x="17" y="6690"/>
+                  <a:pt x="25" y="10000"/>
+                </a:cubicBezTo>
+                <a:lnTo>
+                  <a:pt x="7275" y="9966"/>
+                </a:lnTo>
+                <a:lnTo>
+                  <a:pt x="7803" y="9966"/>
+                </a:lnTo>
+                <a:cubicBezTo>
+                  <a:pt x="7831" y="9966"/>
+                  <a:pt x="7859" y="9872"/>
+                  <a:pt x="7886" y="9872"/>
+                </a:cubicBezTo>
+                <a:cubicBezTo>
+                  <a:pt x="7886" y="9778"/>
+                  <a:pt x="7915" y="9778"/>
+                  <a:pt x="7915" y="9778"/>
+                </a:cubicBezTo>
+                <a:lnTo>
+                  <a:pt x="9248" y="5265"/>
+                </a:lnTo>
+                <a:cubicBezTo>
+                  <a:pt x="9303" y="5077"/>
+                  <a:pt x="9303" y="4889"/>
+                  <a:pt x="9248" y="4701"/>
+                </a:cubicBezTo>
+                <a:close/>
+              </a:path>
+            </a:pathLst>
+          </a:custGeom>
+          <a:solidFill>
+            <a:schemeClr val="accent1"/>
+          </a:solidFill>
+          <a:ln>
+            <a:noFill/>
+          </a:ln>
+        </p:spPr>
+      </p:sp>
+      <p:sp>
+        <p:nvSpPr>
           <p:cNvPr id="5" name="Slide Number Placeholder 4"/>
           <p:cNvSpPr>
             <a:spLocks noGrp="1"/>
@@ -1772,7 +4325,7 @@
     </p:spTree>
     <p:extLst>
       <p:ext uri="{BB962C8B-B14F-4D97-AF65-F5344CB8AC3E}">
-        <p14:creationId xmlns:p14="http://schemas.microsoft.com/office/powerpoint/2010/main" val="2791088381"/>
+        <p14:creationId xmlns:p14="http://schemas.microsoft.com/office/powerpoint/2010/main" val="4018926046"/>
       </p:ext>
     </p:extLst>
   </p:cSld>
@@ -1843,6 +4396,88 @@
       </p:sp>
       <p:sp>
         <p:nvSpPr>
+          <p:cNvPr id="6" name="Freeform 11"/>
+          <p:cNvSpPr/>
+          <p:nvPr/>
+        </p:nvSpPr>
+        <p:spPr bwMode="auto">
+          <a:xfrm flipV="1">
+            <a:off x="-4189" y="714375"/>
+            <a:ext cx="1588527" cy="507297"/>
+          </a:xfrm>
+          <a:custGeom>
+            <a:avLst/>
+            <a:gdLst/>
+            <a:ahLst/>
+            <a:cxnLst/>
+            <a:rect l="l" t="t" r="r" b="b"/>
+            <a:pathLst>
+              <a:path w="9248" h="10000">
+                <a:moveTo>
+                  <a:pt x="9248" y="4701"/>
+                </a:moveTo>
+                <a:lnTo>
+                  <a:pt x="7915" y="188"/>
+                </a:lnTo>
+                <a:cubicBezTo>
+                  <a:pt x="7906" y="156"/>
+                  <a:pt x="7895" y="126"/>
+                  <a:pt x="7886" y="94"/>
+                </a:cubicBezTo>
+                <a:cubicBezTo>
+                  <a:pt x="7859" y="0"/>
+                  <a:pt x="7831" y="0"/>
+                  <a:pt x="7803" y="0"/>
+                </a:cubicBezTo>
+                <a:lnTo>
+                  <a:pt x="7275" y="0"/>
+                </a:lnTo>
+                <a:lnTo>
+                  <a:pt x="0" y="70"/>
+                </a:lnTo>
+                <a:cubicBezTo>
+                  <a:pt x="8" y="3380"/>
+                  <a:pt x="17" y="6690"/>
+                  <a:pt x="25" y="10000"/>
+                </a:cubicBezTo>
+                <a:lnTo>
+                  <a:pt x="7275" y="9966"/>
+                </a:lnTo>
+                <a:lnTo>
+                  <a:pt x="7803" y="9966"/>
+                </a:lnTo>
+                <a:cubicBezTo>
+                  <a:pt x="7831" y="9966"/>
+                  <a:pt x="7859" y="9872"/>
+                  <a:pt x="7886" y="9872"/>
+                </a:cubicBezTo>
+                <a:cubicBezTo>
+                  <a:pt x="7886" y="9778"/>
+                  <a:pt x="7915" y="9778"/>
+                  <a:pt x="7915" y="9778"/>
+                </a:cubicBezTo>
+                <a:lnTo>
+                  <a:pt x="9248" y="5265"/>
+                </a:lnTo>
+                <a:cubicBezTo>
+                  <a:pt x="9303" y="5077"/>
+                  <a:pt x="9303" y="4889"/>
+                  <a:pt x="9248" y="4701"/>
+                </a:cubicBezTo>
+                <a:close/>
+              </a:path>
+            </a:pathLst>
+          </a:custGeom>
+          <a:solidFill>
+            <a:schemeClr val="accent1"/>
+          </a:solidFill>
+          <a:ln>
+            <a:noFill/>
+          </a:ln>
+        </p:spPr>
+      </p:sp>
+      <p:sp>
+        <p:nvSpPr>
           <p:cNvPr id="4" name="Slide Number Placeholder 3"/>
           <p:cNvSpPr>
             <a:spLocks noGrp="1"/>
@@ -1867,7 +4502,7 @@
     </p:spTree>
     <p:extLst>
       <p:ext uri="{BB962C8B-B14F-4D97-AF65-F5344CB8AC3E}">
-        <p14:creationId xmlns:p14="http://schemas.microsoft.com/office/powerpoint/2010/main" val="840478001"/>
+        <p14:creationId xmlns:p14="http://schemas.microsoft.com/office/powerpoint/2010/main" val="2383773144"/>
       </p:ext>
     </p:extLst>
   </p:cSld>
@@ -1906,15 +4541,15 @@
         </p:nvSpPr>
         <p:spPr>
           <a:xfrm>
-            <a:off x="839788" y="457200"/>
-            <a:ext cx="3932237" cy="1600200"/>
+            <a:off x="2589212" y="446088"/>
+            <a:ext cx="3505199" cy="976312"/>
           </a:xfrm>
         </p:spPr>
         <p:txBody>
           <a:bodyPr anchor="b"/>
           <a:lstStyle>
-            <a:lvl1pPr>
-              <a:defRPr sz="3200"/>
+            <a:lvl1pPr algn="l">
+              <a:defRPr sz="2000" b="0"/>
             </a:lvl1pPr>
           </a:lstStyle>
           <a:p>
@@ -1922,7 +4557,7 @@
               <a:rPr lang="en-US" smtClean="0"/>
               <a:t>Click to edit Master title style</a:t>
             </a:r>
-            <a:endParaRPr lang="en-US"/>
+            <a:endParaRPr lang="en-US" dirty="0"/>
           </a:p>
         </p:txBody>
       </p:sp>
@@ -1938,41 +4573,15 @@
         </p:nvSpPr>
         <p:spPr>
           <a:xfrm>
-            <a:off x="5183188" y="987425"/>
-            <a:ext cx="6172200" cy="4873625"/>
+            <a:off x="6323012" y="446088"/>
+            <a:ext cx="5181600" cy="5414963"/>
           </a:xfrm>
         </p:spPr>
         <p:txBody>
-          <a:bodyPr/>
-          <a:lstStyle>
-            <a:lvl1pPr>
-              <a:defRPr sz="3200"/>
-            </a:lvl1pPr>
-            <a:lvl2pPr>
-              <a:defRPr sz="2800"/>
-            </a:lvl2pPr>
-            <a:lvl3pPr>
-              <a:defRPr sz="2400"/>
-            </a:lvl3pPr>
-            <a:lvl4pPr>
-              <a:defRPr sz="2000"/>
-            </a:lvl4pPr>
-            <a:lvl5pPr>
-              <a:defRPr sz="2000"/>
-            </a:lvl5pPr>
-            <a:lvl6pPr>
-              <a:defRPr sz="2000"/>
-            </a:lvl6pPr>
-            <a:lvl7pPr>
-              <a:defRPr sz="2000"/>
-            </a:lvl7pPr>
-            <a:lvl8pPr>
-              <a:defRPr sz="2000"/>
-            </a:lvl8pPr>
-            <a:lvl9pPr>
-              <a:defRPr sz="2000"/>
-            </a:lvl9pPr>
-          </a:lstStyle>
+          <a:bodyPr anchor="ctr">
+            <a:normAutofit/>
+          </a:bodyPr>
+          <a:lstStyle/>
           <a:p>
             <a:pPr lvl="0"/>
             <a:r>
@@ -2007,7 +4616,7 @@
               <a:rPr lang="en-US" smtClean="0"/>
               <a:t>Fifth level</a:t>
             </a:r>
-            <a:endParaRPr lang="en-US"/>
+            <a:endParaRPr lang="en-US" dirty="0"/>
           </a:p>
         </p:txBody>
       </p:sp>
@@ -2023,8 +4632,8 @@
         </p:nvSpPr>
         <p:spPr>
           <a:xfrm>
-            <a:off x="839788" y="2057400"/>
-            <a:ext cx="3932237" cy="3811588"/>
+            <a:off x="2589212" y="1598613"/>
+            <a:ext cx="3505199" cy="4262436"/>
           </a:xfrm>
         </p:spPr>
         <p:txBody>
@@ -2032,39 +4641,39 @@
           <a:lstStyle>
             <a:lvl1pPr marL="0" indent="0">
               <a:buNone/>
-              <a:defRPr sz="1600"/>
+              <a:defRPr sz="1400"/>
             </a:lvl1pPr>
             <a:lvl2pPr marL="457200" indent="0">
               <a:buNone/>
-              <a:defRPr sz="1400"/>
+              <a:defRPr sz="1200"/>
             </a:lvl2pPr>
             <a:lvl3pPr marL="914400" indent="0">
               <a:buNone/>
-              <a:defRPr sz="1200"/>
+              <a:defRPr sz="1000"/>
             </a:lvl3pPr>
             <a:lvl4pPr marL="1371600" indent="0">
               <a:buNone/>
-              <a:defRPr sz="1000"/>
+              <a:defRPr sz="900"/>
             </a:lvl4pPr>
             <a:lvl5pPr marL="1828800" indent="0">
               <a:buNone/>
-              <a:defRPr sz="1000"/>
+              <a:defRPr sz="900"/>
             </a:lvl5pPr>
             <a:lvl6pPr marL="2286000" indent="0">
               <a:buNone/>
-              <a:defRPr sz="1000"/>
+              <a:defRPr sz="900"/>
             </a:lvl6pPr>
             <a:lvl7pPr marL="2743200" indent="0">
               <a:buNone/>
-              <a:defRPr sz="1000"/>
+              <a:defRPr sz="900"/>
             </a:lvl7pPr>
             <a:lvl8pPr marL="3200400" indent="0">
               <a:buNone/>
-              <a:defRPr sz="1000"/>
+              <a:defRPr sz="900"/>
             </a:lvl8pPr>
             <a:lvl9pPr marL="3657600" indent="0">
               <a:buNone/>
-              <a:defRPr sz="1000"/>
+              <a:defRPr sz="900"/>
             </a:lvl9pPr>
           </a:lstStyle>
           <a:p>
@@ -2120,6 +4729,88 @@
       </p:sp>
       <p:sp>
         <p:nvSpPr>
+          <p:cNvPr id="9" name="Freeform 11"/>
+          <p:cNvSpPr/>
+          <p:nvPr/>
+        </p:nvSpPr>
+        <p:spPr bwMode="auto">
+          <a:xfrm flipV="1">
+            <a:off x="-4189" y="714375"/>
+            <a:ext cx="1588527" cy="507297"/>
+          </a:xfrm>
+          <a:custGeom>
+            <a:avLst/>
+            <a:gdLst/>
+            <a:ahLst/>
+            <a:cxnLst/>
+            <a:rect l="l" t="t" r="r" b="b"/>
+            <a:pathLst>
+              <a:path w="9248" h="10000">
+                <a:moveTo>
+                  <a:pt x="9248" y="4701"/>
+                </a:moveTo>
+                <a:lnTo>
+                  <a:pt x="7915" y="188"/>
+                </a:lnTo>
+                <a:cubicBezTo>
+                  <a:pt x="7906" y="156"/>
+                  <a:pt x="7895" y="126"/>
+                  <a:pt x="7886" y="94"/>
+                </a:cubicBezTo>
+                <a:cubicBezTo>
+                  <a:pt x="7859" y="0"/>
+                  <a:pt x="7831" y="0"/>
+                  <a:pt x="7803" y="0"/>
+                </a:cubicBezTo>
+                <a:lnTo>
+                  <a:pt x="7275" y="0"/>
+                </a:lnTo>
+                <a:lnTo>
+                  <a:pt x="0" y="70"/>
+                </a:lnTo>
+                <a:cubicBezTo>
+                  <a:pt x="8" y="3380"/>
+                  <a:pt x="17" y="6690"/>
+                  <a:pt x="25" y="10000"/>
+                </a:cubicBezTo>
+                <a:lnTo>
+                  <a:pt x="7275" y="9966"/>
+                </a:lnTo>
+                <a:lnTo>
+                  <a:pt x="7803" y="9966"/>
+                </a:lnTo>
+                <a:cubicBezTo>
+                  <a:pt x="7831" y="9966"/>
+                  <a:pt x="7859" y="9872"/>
+                  <a:pt x="7886" y="9872"/>
+                </a:cubicBezTo>
+                <a:cubicBezTo>
+                  <a:pt x="7886" y="9778"/>
+                  <a:pt x="7915" y="9778"/>
+                  <a:pt x="7915" y="9778"/>
+                </a:cubicBezTo>
+                <a:lnTo>
+                  <a:pt x="9248" y="5265"/>
+                </a:lnTo>
+                <a:cubicBezTo>
+                  <a:pt x="9303" y="5077"/>
+                  <a:pt x="9303" y="4889"/>
+                  <a:pt x="9248" y="4701"/>
+                </a:cubicBezTo>
+                <a:close/>
+              </a:path>
+            </a:pathLst>
+          </a:custGeom>
+          <a:solidFill>
+            <a:schemeClr val="accent1"/>
+          </a:solidFill>
+          <a:ln>
+            <a:noFill/>
+          </a:ln>
+        </p:spPr>
+      </p:sp>
+      <p:sp>
+        <p:nvSpPr>
           <p:cNvPr id="7" name="Slide Number Placeholder 6"/>
           <p:cNvSpPr>
             <a:spLocks noGrp="1"/>
@@ -2144,7 +4835,7 @@
     </p:spTree>
     <p:extLst>
       <p:ext uri="{BB962C8B-B14F-4D97-AF65-F5344CB8AC3E}">
-        <p14:creationId xmlns:p14="http://schemas.microsoft.com/office/powerpoint/2010/main" val="196582129"/>
+        <p14:creationId xmlns:p14="http://schemas.microsoft.com/office/powerpoint/2010/main" val="2997098932"/>
       </p:ext>
     </p:extLst>
   </p:cSld>
@@ -2183,15 +4874,17 @@
         </p:nvSpPr>
         <p:spPr>
           <a:xfrm>
-            <a:off x="839788" y="457200"/>
-            <a:ext cx="3932237" cy="1600200"/>
+            <a:off x="2589213" y="4800600"/>
+            <a:ext cx="8915400" cy="566738"/>
           </a:xfrm>
         </p:spPr>
         <p:txBody>
-          <a:bodyPr anchor="b"/>
+          <a:bodyPr anchor="b">
+            <a:normAutofit/>
+          </a:bodyPr>
           <a:lstStyle>
-            <a:lvl1pPr>
-              <a:defRPr sz="3200"/>
+            <a:lvl1pPr algn="l">
+              <a:defRPr sz="2400" b="0"/>
             </a:lvl1pPr>
           </a:lstStyle>
           <a:p>
@@ -2199,7 +4892,7 @@
               <a:rPr lang="en-US" smtClean="0"/>
               <a:t>Click to edit Master title style</a:t>
             </a:r>
-            <a:endParaRPr lang="en-US"/>
+            <a:endParaRPr lang="en-US" dirty="0"/>
           </a:p>
         </p:txBody>
       </p:sp>
@@ -2207,7 +4900,7 @@
         <p:nvSpPr>
           <p:cNvPr id="3" name="Picture Placeholder 2"/>
           <p:cNvSpPr>
-            <a:spLocks noGrp="1"/>
+            <a:spLocks noGrp="1" noChangeAspect="1"/>
           </p:cNvSpPr>
           <p:nvPr>
             <p:ph type="pic" idx="1"/>
@@ -2215,52 +4908,58 @@
         </p:nvSpPr>
         <p:spPr>
           <a:xfrm>
-            <a:off x="5183188" y="987425"/>
-            <a:ext cx="6172200" cy="4873625"/>
+            <a:off x="2589212" y="634965"/>
+            <a:ext cx="8915400" cy="3854970"/>
           </a:xfrm>
         </p:spPr>
         <p:txBody>
-          <a:bodyPr/>
+          <a:bodyPr anchor="t">
+            <a:normAutofit/>
+          </a:bodyPr>
           <a:lstStyle>
-            <a:lvl1pPr marL="0" indent="0">
-              <a:buNone/>
-              <a:defRPr sz="3200"/>
+            <a:lvl1pPr marL="0" indent="0" algn="ctr">
+              <a:buNone/>
+              <a:defRPr sz="1600"/>
             </a:lvl1pPr>
             <a:lvl2pPr marL="457200" indent="0">
               <a:buNone/>
-              <a:defRPr sz="2800"/>
+              <a:defRPr sz="1600"/>
             </a:lvl2pPr>
             <a:lvl3pPr marL="914400" indent="0">
               <a:buNone/>
-              <a:defRPr sz="2400"/>
+              <a:defRPr sz="1600"/>
             </a:lvl3pPr>
             <a:lvl4pPr marL="1371600" indent="0">
               <a:buNone/>
-              <a:defRPr sz="2000"/>
+              <a:defRPr sz="1600"/>
             </a:lvl4pPr>
             <a:lvl5pPr marL="1828800" indent="0">
               <a:buNone/>
-              <a:defRPr sz="2000"/>
+              <a:defRPr sz="1600"/>
             </a:lvl5pPr>
             <a:lvl6pPr marL="2286000" indent="0">
               <a:buNone/>
-              <a:defRPr sz="2000"/>
+              <a:defRPr sz="1600"/>
             </a:lvl6pPr>
             <a:lvl7pPr marL="2743200" indent="0">
               <a:buNone/>
-              <a:defRPr sz="2000"/>
+              <a:defRPr sz="1600"/>
             </a:lvl7pPr>
             <a:lvl8pPr marL="3200400" indent="0">
               <a:buNone/>
-              <a:defRPr sz="2000"/>
+              <a:defRPr sz="1600"/>
             </a:lvl8pPr>
             <a:lvl9pPr marL="3657600" indent="0">
               <a:buNone/>
-              <a:defRPr sz="2000"/>
+              <a:defRPr sz="1600"/>
             </a:lvl9pPr>
           </a:lstStyle>
           <a:p>
-            <a:endParaRPr lang="en-US"/>
+            <a:r>
+              <a:rPr lang="en-US" smtClean="0"/>
+              <a:t>Click icon to add picture</a:t>
+            </a:r>
+            <a:endParaRPr lang="en-US" dirty="0"/>
           </a:p>
         </p:txBody>
       </p:sp>
@@ -2276,48 +4975,50 @@
         </p:nvSpPr>
         <p:spPr>
           <a:xfrm>
-            <a:off x="839788" y="2057400"/>
-            <a:ext cx="3932237" cy="3811588"/>
+            <a:off x="2589213" y="5367338"/>
+            <a:ext cx="8915400" cy="493712"/>
           </a:xfrm>
         </p:spPr>
         <p:txBody>
-          <a:bodyPr/>
+          <a:bodyPr>
+            <a:normAutofit/>
+          </a:bodyPr>
           <a:lstStyle>
             <a:lvl1pPr marL="0" indent="0">
               <a:buNone/>
-              <a:defRPr sz="1600"/>
+              <a:defRPr sz="1200"/>
             </a:lvl1pPr>
             <a:lvl2pPr marL="457200" indent="0">
               <a:buNone/>
-              <a:defRPr sz="1400"/>
+              <a:defRPr sz="1200"/>
             </a:lvl2pPr>
             <a:lvl3pPr marL="914400" indent="0">
               <a:buNone/>
-              <a:defRPr sz="1200"/>
+              <a:defRPr sz="1000"/>
             </a:lvl3pPr>
             <a:lvl4pPr marL="1371600" indent="0">
               <a:buNone/>
-              <a:defRPr sz="1000"/>
+              <a:defRPr sz="900"/>
             </a:lvl4pPr>
             <a:lvl5pPr marL="1828800" indent="0">
               <a:buNone/>
-              <a:defRPr sz="1000"/>
+              <a:defRPr sz="900"/>
             </a:lvl5pPr>
             <a:lvl6pPr marL="2286000" indent="0">
               <a:buNone/>
-              <a:defRPr sz="1000"/>
+              <a:defRPr sz="900"/>
             </a:lvl6pPr>
             <a:lvl7pPr marL="2743200" indent="0">
               <a:buNone/>
-              <a:defRPr sz="1000"/>
+              <a:defRPr sz="900"/>
             </a:lvl7pPr>
             <a:lvl8pPr marL="3200400" indent="0">
               <a:buNone/>
-              <a:defRPr sz="1000"/>
+              <a:defRPr sz="900"/>
             </a:lvl8pPr>
             <a:lvl9pPr marL="3657600" indent="0">
               <a:buNone/>
-              <a:defRPr sz="1000"/>
+              <a:defRPr sz="900"/>
             </a:lvl9pPr>
           </a:lstStyle>
           <a:p>
@@ -2373,6 +5074,88 @@
       </p:sp>
       <p:sp>
         <p:nvSpPr>
+          <p:cNvPr id="9" name="Freeform 11"/>
+          <p:cNvSpPr/>
+          <p:nvPr/>
+        </p:nvSpPr>
+        <p:spPr bwMode="auto">
+          <a:xfrm flipV="1">
+            <a:off x="-4189" y="4911725"/>
+            <a:ext cx="1588527" cy="507297"/>
+          </a:xfrm>
+          <a:custGeom>
+            <a:avLst/>
+            <a:gdLst/>
+            <a:ahLst/>
+            <a:cxnLst/>
+            <a:rect l="l" t="t" r="r" b="b"/>
+            <a:pathLst>
+              <a:path w="9248" h="10000">
+                <a:moveTo>
+                  <a:pt x="9248" y="4701"/>
+                </a:moveTo>
+                <a:lnTo>
+                  <a:pt x="7915" y="188"/>
+                </a:lnTo>
+                <a:cubicBezTo>
+                  <a:pt x="7906" y="156"/>
+                  <a:pt x="7895" y="126"/>
+                  <a:pt x="7886" y="94"/>
+                </a:cubicBezTo>
+                <a:cubicBezTo>
+                  <a:pt x="7859" y="0"/>
+                  <a:pt x="7831" y="0"/>
+                  <a:pt x="7803" y="0"/>
+                </a:cubicBezTo>
+                <a:lnTo>
+                  <a:pt x="7275" y="0"/>
+                </a:lnTo>
+                <a:lnTo>
+                  <a:pt x="0" y="70"/>
+                </a:lnTo>
+                <a:cubicBezTo>
+                  <a:pt x="8" y="3380"/>
+                  <a:pt x="17" y="6690"/>
+                  <a:pt x="25" y="10000"/>
+                </a:cubicBezTo>
+                <a:lnTo>
+                  <a:pt x="7275" y="9966"/>
+                </a:lnTo>
+                <a:lnTo>
+                  <a:pt x="7803" y="9966"/>
+                </a:lnTo>
+                <a:cubicBezTo>
+                  <a:pt x="7831" y="9966"/>
+                  <a:pt x="7859" y="9872"/>
+                  <a:pt x="7886" y="9872"/>
+                </a:cubicBezTo>
+                <a:cubicBezTo>
+                  <a:pt x="7886" y="9778"/>
+                  <a:pt x="7915" y="9778"/>
+                  <a:pt x="7915" y="9778"/>
+                </a:cubicBezTo>
+                <a:lnTo>
+                  <a:pt x="9248" y="5265"/>
+                </a:lnTo>
+                <a:cubicBezTo>
+                  <a:pt x="9303" y="5077"/>
+                  <a:pt x="9303" y="4889"/>
+                  <a:pt x="9248" y="4701"/>
+                </a:cubicBezTo>
+                <a:close/>
+              </a:path>
+            </a:pathLst>
+          </a:custGeom>
+          <a:solidFill>
+            <a:schemeClr val="accent1"/>
+          </a:solidFill>
+          <a:ln>
+            <a:noFill/>
+          </a:ln>
+        </p:spPr>
+      </p:sp>
+      <p:sp>
+        <p:nvSpPr>
           <p:cNvPr id="7" name="Slide Number Placeholder 6"/>
           <p:cNvSpPr>
             <a:spLocks noGrp="1"/>
@@ -2381,7 +5164,12 @@
             <p:ph type="sldNum" sz="quarter" idx="12"/>
           </p:nvPr>
         </p:nvSpPr>
-        <p:spPr/>
+        <p:spPr>
+          <a:xfrm>
+            <a:off x="531812" y="4983087"/>
+            <a:ext cx="779767" cy="365125"/>
+          </a:xfrm>
+        </p:spPr>
         <p:txBody>
           <a:bodyPr/>
           <a:lstStyle/>
@@ -2397,7 +5185,7 @@
     </p:spTree>
     <p:extLst>
       <p:ext uri="{BB962C8B-B14F-4D97-AF65-F5344CB8AC3E}">
-        <p14:creationId xmlns:p14="http://schemas.microsoft.com/office/powerpoint/2010/main" val="1676714506"/>
+        <p14:creationId xmlns:p14="http://schemas.microsoft.com/office/powerpoint/2010/main" val="1945740235"/>
       </p:ext>
     </p:extLst>
   </p:cSld>
@@ -2411,8 +5199,8 @@
 <p:sldMaster xmlns:a="http://schemas.openxmlformats.org/drawingml/2006/main" xmlns:r="http://schemas.openxmlformats.org/officeDocument/2006/relationships" xmlns:p="http://schemas.openxmlformats.org/presentationml/2006/main">
   <p:cSld>
     <p:bg>
-      <p:bgRef idx="1001">
-        <a:schemeClr val="bg1"/>
+      <p:bgRef idx="1002">
+        <a:schemeClr val="bg2"/>
       </p:bgRef>
     </p:bg>
     <p:spTree>
@@ -2429,6 +5217,1823 @@
           <a:chExt cx="0" cy="0"/>
         </a:xfrm>
       </p:grpSpPr>
+      <p:grpSp>
+        <p:nvGrpSpPr>
+          <p:cNvPr id="23" name="Group 22"/>
+          <p:cNvGrpSpPr/>
+          <p:nvPr/>
+        </p:nvGrpSpPr>
+        <p:grpSpPr>
+          <a:xfrm>
+            <a:off x="1" y="228600"/>
+            <a:ext cx="2851516" cy="6638628"/>
+            <a:chOff x="2487613" y="285750"/>
+            <a:chExt cx="2428875" cy="5654676"/>
+          </a:xfrm>
+        </p:grpSpPr>
+        <p:sp>
+          <p:nvSpPr>
+            <p:cNvPr id="24" name="Freeform 11"/>
+            <p:cNvSpPr/>
+            <p:nvPr/>
+          </p:nvSpPr>
+          <p:spPr bwMode="auto">
+            <a:xfrm>
+              <a:off x="2487613" y="2284413"/>
+              <a:ext cx="85725" cy="533400"/>
+            </a:xfrm>
+            <a:custGeom>
+              <a:avLst/>
+              <a:gdLst/>
+              <a:ahLst/>
+              <a:cxnLst/>
+              <a:rect l="0" t="0" r="r" b="b"/>
+              <a:pathLst>
+                <a:path w="22" h="136">
+                  <a:moveTo>
+                    <a:pt x="22" y="136"/>
+                  </a:moveTo>
+                  <a:cubicBezTo>
+                    <a:pt x="20" y="117"/>
+                    <a:pt x="19" y="99"/>
+                    <a:pt x="17" y="80"/>
+                  </a:cubicBezTo>
+                  <a:cubicBezTo>
+                    <a:pt x="11" y="54"/>
+                    <a:pt x="6" y="27"/>
+                    <a:pt x="0" y="0"/>
+                  </a:cubicBezTo>
+                  <a:cubicBezTo>
+                    <a:pt x="0" y="35"/>
+                    <a:pt x="0" y="35"/>
+                    <a:pt x="0" y="35"/>
+                  </a:cubicBezTo>
+                  <a:cubicBezTo>
+                    <a:pt x="6" y="64"/>
+                    <a:pt x="13" y="94"/>
+                    <a:pt x="20" y="124"/>
+                  </a:cubicBezTo>
+                  <a:cubicBezTo>
+                    <a:pt x="20" y="128"/>
+                    <a:pt x="21" y="132"/>
+                    <a:pt x="22" y="136"/>
+                  </a:cubicBezTo>
+                  <a:close/>
+                </a:path>
+              </a:pathLst>
+            </a:custGeom>
+            <a:solidFill>
+              <a:schemeClr val="tx2">
+                <a:alpha val="20000"/>
+              </a:schemeClr>
+            </a:solidFill>
+            <a:ln>
+              <a:noFill/>
+            </a:ln>
+          </p:spPr>
+        </p:sp>
+        <p:sp>
+          <p:nvSpPr>
+            <p:cNvPr id="25" name="Freeform 12"/>
+            <p:cNvSpPr/>
+            <p:nvPr/>
+          </p:nvSpPr>
+          <p:spPr bwMode="auto">
+            <a:xfrm>
+              <a:off x="2597151" y="2779713"/>
+              <a:ext cx="550863" cy="1978025"/>
+            </a:xfrm>
+            <a:custGeom>
+              <a:avLst/>
+              <a:gdLst/>
+              <a:ahLst/>
+              <a:cxnLst/>
+              <a:rect l="0" t="0" r="r" b="b"/>
+              <a:pathLst>
+                <a:path w="140" h="504">
+                  <a:moveTo>
+                    <a:pt x="86" y="350"/>
+                  </a:moveTo>
+                  <a:cubicBezTo>
+                    <a:pt x="103" y="402"/>
+                    <a:pt x="120" y="453"/>
+                    <a:pt x="139" y="504"/>
+                  </a:cubicBezTo>
+                  <a:cubicBezTo>
+                    <a:pt x="139" y="495"/>
+                    <a:pt x="139" y="487"/>
+                    <a:pt x="140" y="478"/>
+                  </a:cubicBezTo>
+                  <a:cubicBezTo>
+                    <a:pt x="124" y="435"/>
+                    <a:pt x="109" y="391"/>
+                    <a:pt x="95" y="347"/>
+                  </a:cubicBezTo>
+                  <a:cubicBezTo>
+                    <a:pt x="58" y="233"/>
+                    <a:pt x="27" y="117"/>
+                    <a:pt x="0" y="0"/>
+                  </a:cubicBezTo>
+                  <a:cubicBezTo>
+                    <a:pt x="2" y="20"/>
+                    <a:pt x="4" y="41"/>
+                    <a:pt x="6" y="61"/>
+                  </a:cubicBezTo>
+                  <a:cubicBezTo>
+                    <a:pt x="30" y="158"/>
+                    <a:pt x="56" y="255"/>
+                    <a:pt x="86" y="350"/>
+                  </a:cubicBezTo>
+                  <a:close/>
+                </a:path>
+              </a:pathLst>
+            </a:custGeom>
+            <a:solidFill>
+              <a:schemeClr val="tx2">
+                <a:alpha val="20000"/>
+              </a:schemeClr>
+            </a:solidFill>
+            <a:ln>
+              <a:noFill/>
+            </a:ln>
+          </p:spPr>
+        </p:sp>
+        <p:sp>
+          <p:nvSpPr>
+            <p:cNvPr id="26" name="Freeform 13"/>
+            <p:cNvSpPr/>
+            <p:nvPr/>
+          </p:nvSpPr>
+          <p:spPr bwMode="auto">
+            <a:xfrm>
+              <a:off x="3175001" y="4730750"/>
+              <a:ext cx="519113" cy="1209675"/>
+            </a:xfrm>
+            <a:custGeom>
+              <a:avLst/>
+              <a:gdLst/>
+              <a:ahLst/>
+              <a:cxnLst/>
+              <a:rect l="0" t="0" r="r" b="b"/>
+              <a:pathLst>
+                <a:path w="132" h="308">
+                  <a:moveTo>
+                    <a:pt x="8" y="22"/>
+                  </a:moveTo>
+                  <a:cubicBezTo>
+                    <a:pt x="5" y="15"/>
+                    <a:pt x="2" y="8"/>
+                    <a:pt x="0" y="0"/>
+                  </a:cubicBezTo>
+                  <a:cubicBezTo>
+                    <a:pt x="0" y="10"/>
+                    <a:pt x="0" y="19"/>
+                    <a:pt x="0" y="29"/>
+                  </a:cubicBezTo>
+                  <a:cubicBezTo>
+                    <a:pt x="21" y="85"/>
+                    <a:pt x="44" y="140"/>
+                    <a:pt x="68" y="194"/>
+                  </a:cubicBezTo>
+                  <a:cubicBezTo>
+                    <a:pt x="85" y="232"/>
+                    <a:pt x="104" y="270"/>
+                    <a:pt x="123" y="308"/>
+                  </a:cubicBezTo>
+                  <a:cubicBezTo>
+                    <a:pt x="132" y="308"/>
+                    <a:pt x="132" y="308"/>
+                    <a:pt x="132" y="308"/>
+                  </a:cubicBezTo>
+                  <a:cubicBezTo>
+                    <a:pt x="113" y="269"/>
+                    <a:pt x="94" y="230"/>
+                    <a:pt x="77" y="190"/>
+                  </a:cubicBezTo>
+                  <a:cubicBezTo>
+                    <a:pt x="52" y="135"/>
+                    <a:pt x="29" y="79"/>
+                    <a:pt x="8" y="22"/>
+                  </a:cubicBezTo>
+                  <a:close/>
+                </a:path>
+              </a:pathLst>
+            </a:custGeom>
+            <a:solidFill>
+              <a:schemeClr val="tx2">
+                <a:alpha val="20000"/>
+              </a:schemeClr>
+            </a:solidFill>
+            <a:ln>
+              <a:noFill/>
+            </a:ln>
+          </p:spPr>
+        </p:sp>
+        <p:sp>
+          <p:nvSpPr>
+            <p:cNvPr id="27" name="Freeform 14"/>
+            <p:cNvSpPr/>
+            <p:nvPr/>
+          </p:nvSpPr>
+          <p:spPr bwMode="auto">
+            <a:xfrm>
+              <a:off x="3305176" y="5630863"/>
+              <a:ext cx="146050" cy="309563"/>
+            </a:xfrm>
+            <a:custGeom>
+              <a:avLst/>
+              <a:gdLst/>
+              <a:ahLst/>
+              <a:cxnLst/>
+              <a:rect l="0" t="0" r="r" b="b"/>
+              <a:pathLst>
+                <a:path w="37" h="79">
+                  <a:moveTo>
+                    <a:pt x="28" y="79"/>
+                  </a:moveTo>
+                  <a:cubicBezTo>
+                    <a:pt x="37" y="79"/>
+                    <a:pt x="37" y="79"/>
+                    <a:pt x="37" y="79"/>
+                  </a:cubicBezTo>
+                  <a:cubicBezTo>
+                    <a:pt x="24" y="53"/>
+                    <a:pt x="12" y="27"/>
+                    <a:pt x="0" y="0"/>
+                  </a:cubicBezTo>
+                  <a:cubicBezTo>
+                    <a:pt x="8" y="27"/>
+                    <a:pt x="17" y="53"/>
+                    <a:pt x="28" y="79"/>
+                  </a:cubicBezTo>
+                  <a:close/>
+                </a:path>
+              </a:pathLst>
+            </a:custGeom>
+            <a:solidFill>
+              <a:schemeClr val="tx2">
+                <a:alpha val="20000"/>
+              </a:schemeClr>
+            </a:solidFill>
+            <a:ln>
+              <a:noFill/>
+            </a:ln>
+          </p:spPr>
+        </p:sp>
+        <p:sp>
+          <p:nvSpPr>
+            <p:cNvPr id="28" name="Freeform 15"/>
+            <p:cNvSpPr/>
+            <p:nvPr/>
+          </p:nvSpPr>
+          <p:spPr bwMode="auto">
+            <a:xfrm>
+              <a:off x="2573338" y="2817813"/>
+              <a:ext cx="700088" cy="2835275"/>
+            </a:xfrm>
+            <a:custGeom>
+              <a:avLst/>
+              <a:gdLst/>
+              <a:ahLst/>
+              <a:cxnLst/>
+              <a:rect l="0" t="0" r="r" b="b"/>
+              <a:pathLst>
+                <a:path w="178" h="722">
+                  <a:moveTo>
+                    <a:pt x="162" y="660"/>
+                  </a:moveTo>
+                  <a:cubicBezTo>
+                    <a:pt x="145" y="618"/>
+                    <a:pt x="130" y="576"/>
+                    <a:pt x="116" y="534"/>
+                  </a:cubicBezTo>
+                  <a:cubicBezTo>
+                    <a:pt x="84" y="437"/>
+                    <a:pt x="59" y="337"/>
+                    <a:pt x="40" y="236"/>
+                  </a:cubicBezTo>
+                  <a:cubicBezTo>
+                    <a:pt x="29" y="175"/>
+                    <a:pt x="20" y="113"/>
+                    <a:pt x="12" y="51"/>
+                  </a:cubicBezTo>
+                  <a:cubicBezTo>
+                    <a:pt x="8" y="34"/>
+                    <a:pt x="4" y="17"/>
+                    <a:pt x="0" y="0"/>
+                  </a:cubicBezTo>
+                  <a:cubicBezTo>
+                    <a:pt x="8" y="79"/>
+                    <a:pt x="19" y="159"/>
+                    <a:pt x="33" y="237"/>
+                  </a:cubicBezTo>
+                  <a:cubicBezTo>
+                    <a:pt x="51" y="339"/>
+                    <a:pt x="76" y="439"/>
+                    <a:pt x="107" y="537"/>
+                  </a:cubicBezTo>
+                  <a:cubicBezTo>
+                    <a:pt x="123" y="586"/>
+                    <a:pt x="141" y="634"/>
+                    <a:pt x="160" y="681"/>
+                  </a:cubicBezTo>
+                  <a:cubicBezTo>
+                    <a:pt x="166" y="695"/>
+                    <a:pt x="172" y="708"/>
+                    <a:pt x="178" y="722"/>
+                  </a:cubicBezTo>
+                  <a:cubicBezTo>
+                    <a:pt x="176" y="717"/>
+                    <a:pt x="175" y="713"/>
+                    <a:pt x="174" y="708"/>
+                  </a:cubicBezTo>
+                  <a:cubicBezTo>
+                    <a:pt x="169" y="692"/>
+                    <a:pt x="165" y="676"/>
+                    <a:pt x="162" y="660"/>
+                  </a:cubicBezTo>
+                  <a:close/>
+                </a:path>
+              </a:pathLst>
+            </a:custGeom>
+            <a:solidFill>
+              <a:schemeClr val="tx2">
+                <a:alpha val="20000"/>
+              </a:schemeClr>
+            </a:solidFill>
+            <a:ln>
+              <a:noFill/>
+            </a:ln>
+          </p:spPr>
+        </p:sp>
+        <p:sp>
+          <p:nvSpPr>
+            <p:cNvPr id="29" name="Freeform 16"/>
+            <p:cNvSpPr/>
+            <p:nvPr/>
+          </p:nvSpPr>
+          <p:spPr bwMode="auto">
+            <a:xfrm>
+              <a:off x="2506663" y="285750"/>
+              <a:ext cx="90488" cy="2493963"/>
+            </a:xfrm>
+            <a:custGeom>
+              <a:avLst/>
+              <a:gdLst/>
+              <a:ahLst/>
+              <a:cxnLst/>
+              <a:rect l="0" t="0" r="r" b="b"/>
+              <a:pathLst>
+                <a:path w="23" h="635">
+                  <a:moveTo>
+                    <a:pt x="11" y="577"/>
+                  </a:moveTo>
+                  <a:cubicBezTo>
+                    <a:pt x="12" y="581"/>
+                    <a:pt x="12" y="585"/>
+                    <a:pt x="12" y="589"/>
+                  </a:cubicBezTo>
+                  <a:cubicBezTo>
+                    <a:pt x="15" y="603"/>
+                    <a:pt x="19" y="617"/>
+                    <a:pt x="22" y="632"/>
+                  </a:cubicBezTo>
+                  <a:cubicBezTo>
+                    <a:pt x="22" y="633"/>
+                    <a:pt x="22" y="634"/>
+                    <a:pt x="23" y="635"/>
+                  </a:cubicBezTo>
+                  <a:cubicBezTo>
+                    <a:pt x="21" y="615"/>
+                    <a:pt x="19" y="596"/>
+                    <a:pt x="17" y="576"/>
+                  </a:cubicBezTo>
+                  <a:cubicBezTo>
+                    <a:pt x="9" y="474"/>
+                    <a:pt x="5" y="372"/>
+                    <a:pt x="5" y="269"/>
+                  </a:cubicBezTo>
+                  <a:cubicBezTo>
+                    <a:pt x="6" y="179"/>
+                    <a:pt x="9" y="90"/>
+                    <a:pt x="15" y="0"/>
+                  </a:cubicBezTo>
+                  <a:cubicBezTo>
+                    <a:pt x="12" y="0"/>
+                    <a:pt x="12" y="0"/>
+                    <a:pt x="12" y="0"/>
+                  </a:cubicBezTo>
+                  <a:cubicBezTo>
+                    <a:pt x="5" y="89"/>
+                    <a:pt x="2" y="179"/>
+                    <a:pt x="1" y="269"/>
+                  </a:cubicBezTo>
+                  <a:cubicBezTo>
+                    <a:pt x="0" y="372"/>
+                    <a:pt x="3" y="474"/>
+                    <a:pt x="11" y="577"/>
+                  </a:cubicBezTo>
+                  <a:close/>
+                </a:path>
+              </a:pathLst>
+            </a:custGeom>
+            <a:solidFill>
+              <a:schemeClr val="tx2">
+                <a:alpha val="20000"/>
+              </a:schemeClr>
+            </a:solidFill>
+            <a:ln>
+              <a:noFill/>
+            </a:ln>
+          </p:spPr>
+        </p:sp>
+        <p:sp>
+          <p:nvSpPr>
+            <p:cNvPr id="30" name="Freeform 17"/>
+            <p:cNvSpPr/>
+            <p:nvPr/>
+          </p:nvSpPr>
+          <p:spPr bwMode="auto">
+            <a:xfrm>
+              <a:off x="2554288" y="2598738"/>
+              <a:ext cx="66675" cy="420688"/>
+            </a:xfrm>
+            <a:custGeom>
+              <a:avLst/>
+              <a:gdLst/>
+              <a:ahLst/>
+              <a:cxnLst/>
+              <a:rect l="0" t="0" r="r" b="b"/>
+              <a:pathLst>
+                <a:path w="17" h="107">
+                  <a:moveTo>
+                    <a:pt x="0" y="0"/>
+                  </a:moveTo>
+                  <a:cubicBezTo>
+                    <a:pt x="2" y="19"/>
+                    <a:pt x="3" y="37"/>
+                    <a:pt x="5" y="56"/>
+                  </a:cubicBezTo>
+                  <a:cubicBezTo>
+                    <a:pt x="9" y="73"/>
+                    <a:pt x="13" y="90"/>
+                    <a:pt x="17" y="107"/>
+                  </a:cubicBezTo>
+                  <a:cubicBezTo>
+                    <a:pt x="15" y="87"/>
+                    <a:pt x="13" y="66"/>
+                    <a:pt x="11" y="46"/>
+                  </a:cubicBezTo>
+                  <a:cubicBezTo>
+                    <a:pt x="10" y="45"/>
+                    <a:pt x="10" y="44"/>
+                    <a:pt x="10" y="43"/>
+                  </a:cubicBezTo>
+                  <a:cubicBezTo>
+                    <a:pt x="7" y="28"/>
+                    <a:pt x="3" y="14"/>
+                    <a:pt x="0" y="0"/>
+                  </a:cubicBezTo>
+                  <a:close/>
+                </a:path>
+              </a:pathLst>
+            </a:custGeom>
+            <a:solidFill>
+              <a:schemeClr val="tx2">
+                <a:alpha val="20000"/>
+              </a:schemeClr>
+            </a:solidFill>
+            <a:ln>
+              <a:noFill/>
+            </a:ln>
+          </p:spPr>
+        </p:sp>
+        <p:sp>
+          <p:nvSpPr>
+            <p:cNvPr id="31" name="Freeform 18"/>
+            <p:cNvSpPr/>
+            <p:nvPr/>
+          </p:nvSpPr>
+          <p:spPr bwMode="auto">
+            <a:xfrm>
+              <a:off x="3143251" y="4757738"/>
+              <a:ext cx="161925" cy="873125"/>
+            </a:xfrm>
+            <a:custGeom>
+              <a:avLst/>
+              <a:gdLst/>
+              <a:ahLst/>
+              <a:cxnLst/>
+              <a:rect l="0" t="0" r="r" b="b"/>
+              <a:pathLst>
+                <a:path w="41" h="222">
+                  <a:moveTo>
+                    <a:pt x="0" y="0"/>
+                  </a:moveTo>
+                  <a:cubicBezTo>
+                    <a:pt x="0" y="31"/>
+                    <a:pt x="2" y="62"/>
+                    <a:pt x="5" y="93"/>
+                  </a:cubicBezTo>
+                  <a:cubicBezTo>
+                    <a:pt x="8" y="117"/>
+                    <a:pt x="12" y="142"/>
+                    <a:pt x="17" y="166"/>
+                  </a:cubicBezTo>
+                  <a:cubicBezTo>
+                    <a:pt x="19" y="172"/>
+                    <a:pt x="22" y="178"/>
+                    <a:pt x="24" y="184"/>
+                  </a:cubicBezTo>
+                  <a:cubicBezTo>
+                    <a:pt x="30" y="197"/>
+                    <a:pt x="35" y="209"/>
+                    <a:pt x="41" y="222"/>
+                  </a:cubicBezTo>
+                  <a:cubicBezTo>
+                    <a:pt x="40" y="219"/>
+                    <a:pt x="39" y="215"/>
+                    <a:pt x="38" y="212"/>
+                  </a:cubicBezTo>
+                  <a:cubicBezTo>
+                    <a:pt x="26" y="172"/>
+                    <a:pt x="18" y="132"/>
+                    <a:pt x="13" y="92"/>
+                  </a:cubicBezTo>
+                  <a:cubicBezTo>
+                    <a:pt x="11" y="68"/>
+                    <a:pt x="9" y="45"/>
+                    <a:pt x="8" y="22"/>
+                  </a:cubicBezTo>
+                  <a:cubicBezTo>
+                    <a:pt x="8" y="21"/>
+                    <a:pt x="7" y="20"/>
+                    <a:pt x="7" y="18"/>
+                  </a:cubicBezTo>
+                  <a:cubicBezTo>
+                    <a:pt x="5" y="12"/>
+                    <a:pt x="2" y="6"/>
+                    <a:pt x="0" y="0"/>
+                  </a:cubicBezTo>
+                  <a:close/>
+                </a:path>
+              </a:pathLst>
+            </a:custGeom>
+            <a:solidFill>
+              <a:schemeClr val="tx2">
+                <a:alpha val="20000"/>
+              </a:schemeClr>
+            </a:solidFill>
+            <a:ln>
+              <a:noFill/>
+            </a:ln>
+          </p:spPr>
+        </p:sp>
+        <p:sp>
+          <p:nvSpPr>
+            <p:cNvPr id="32" name="Freeform 19"/>
+            <p:cNvSpPr/>
+            <p:nvPr/>
+          </p:nvSpPr>
+          <p:spPr bwMode="auto">
+            <a:xfrm>
+              <a:off x="3148013" y="1282700"/>
+              <a:ext cx="1768475" cy="3448050"/>
+            </a:xfrm>
+            <a:custGeom>
+              <a:avLst/>
+              <a:gdLst/>
+              <a:ahLst/>
+              <a:cxnLst/>
+              <a:rect l="0" t="0" r="r" b="b"/>
+              <a:pathLst>
+                <a:path w="450" h="878">
+                  <a:moveTo>
+                    <a:pt x="7" y="854"/>
+                  </a:moveTo>
+                  <a:cubicBezTo>
+                    <a:pt x="10" y="772"/>
+                    <a:pt x="26" y="691"/>
+                    <a:pt x="50" y="613"/>
+                  </a:cubicBezTo>
+                  <a:cubicBezTo>
+                    <a:pt x="75" y="535"/>
+                    <a:pt x="109" y="460"/>
+                    <a:pt x="149" y="388"/>
+                  </a:cubicBezTo>
+                  <a:cubicBezTo>
+                    <a:pt x="189" y="316"/>
+                    <a:pt x="235" y="248"/>
+                    <a:pt x="285" y="183"/>
+                  </a:cubicBezTo>
+                  <a:cubicBezTo>
+                    <a:pt x="310" y="151"/>
+                    <a:pt x="337" y="119"/>
+                    <a:pt x="364" y="89"/>
+                  </a:cubicBezTo>
+                  <a:cubicBezTo>
+                    <a:pt x="378" y="74"/>
+                    <a:pt x="392" y="58"/>
+                    <a:pt x="406" y="44"/>
+                  </a:cubicBezTo>
+                  <a:cubicBezTo>
+                    <a:pt x="421" y="29"/>
+                    <a:pt x="435" y="15"/>
+                    <a:pt x="450" y="1"/>
+                  </a:cubicBezTo>
+                  <a:cubicBezTo>
+                    <a:pt x="450" y="0"/>
+                    <a:pt x="450" y="0"/>
+                    <a:pt x="450" y="0"/>
+                  </a:cubicBezTo>
+                  <a:cubicBezTo>
+                    <a:pt x="434" y="14"/>
+                    <a:pt x="420" y="28"/>
+                    <a:pt x="405" y="43"/>
+                  </a:cubicBezTo>
+                  <a:cubicBezTo>
+                    <a:pt x="391" y="57"/>
+                    <a:pt x="377" y="72"/>
+                    <a:pt x="363" y="88"/>
+                  </a:cubicBezTo>
+                  <a:cubicBezTo>
+                    <a:pt x="335" y="118"/>
+                    <a:pt x="308" y="149"/>
+                    <a:pt x="283" y="181"/>
+                  </a:cubicBezTo>
+                  <a:cubicBezTo>
+                    <a:pt x="232" y="246"/>
+                    <a:pt x="185" y="314"/>
+                    <a:pt x="145" y="386"/>
+                  </a:cubicBezTo>
+                  <a:cubicBezTo>
+                    <a:pt x="104" y="457"/>
+                    <a:pt x="70" y="533"/>
+                    <a:pt x="45" y="611"/>
+                  </a:cubicBezTo>
+                  <a:cubicBezTo>
+                    <a:pt x="19" y="690"/>
+                    <a:pt x="3" y="771"/>
+                    <a:pt x="0" y="854"/>
+                  </a:cubicBezTo>
+                  <a:cubicBezTo>
+                    <a:pt x="0" y="856"/>
+                    <a:pt x="0" y="857"/>
+                    <a:pt x="0" y="859"/>
+                  </a:cubicBezTo>
+                  <a:cubicBezTo>
+                    <a:pt x="2" y="865"/>
+                    <a:pt x="4" y="872"/>
+                    <a:pt x="7" y="878"/>
+                  </a:cubicBezTo>
+                  <a:cubicBezTo>
+                    <a:pt x="7" y="870"/>
+                    <a:pt x="7" y="862"/>
+                    <a:pt x="7" y="854"/>
+                  </a:cubicBezTo>
+                  <a:close/>
+                </a:path>
+              </a:pathLst>
+            </a:custGeom>
+            <a:solidFill>
+              <a:schemeClr val="tx2">
+                <a:alpha val="20000"/>
+              </a:schemeClr>
+            </a:solidFill>
+            <a:ln>
+              <a:noFill/>
+            </a:ln>
+          </p:spPr>
+        </p:sp>
+        <p:sp>
+          <p:nvSpPr>
+            <p:cNvPr id="33" name="Freeform 20"/>
+            <p:cNvSpPr/>
+            <p:nvPr/>
+          </p:nvSpPr>
+          <p:spPr bwMode="auto">
+            <a:xfrm>
+              <a:off x="3273426" y="5653088"/>
+              <a:ext cx="138113" cy="287338"/>
+            </a:xfrm>
+            <a:custGeom>
+              <a:avLst/>
+              <a:gdLst/>
+              <a:ahLst/>
+              <a:cxnLst/>
+              <a:rect l="0" t="0" r="r" b="b"/>
+              <a:pathLst>
+                <a:path w="35" h="73">
+                  <a:moveTo>
+                    <a:pt x="0" y="0"/>
+                  </a:moveTo>
+                  <a:cubicBezTo>
+                    <a:pt x="7" y="24"/>
+                    <a:pt x="16" y="49"/>
+                    <a:pt x="26" y="73"/>
+                  </a:cubicBezTo>
+                  <a:cubicBezTo>
+                    <a:pt x="35" y="73"/>
+                    <a:pt x="35" y="73"/>
+                    <a:pt x="35" y="73"/>
+                  </a:cubicBezTo>
+                  <a:cubicBezTo>
+                    <a:pt x="23" y="49"/>
+                    <a:pt x="11" y="24"/>
+                    <a:pt x="0" y="0"/>
+                  </a:cubicBezTo>
+                  <a:close/>
+                </a:path>
+              </a:pathLst>
+            </a:custGeom>
+            <a:solidFill>
+              <a:schemeClr val="tx2">
+                <a:alpha val="20000"/>
+              </a:schemeClr>
+            </a:solidFill>
+            <a:ln>
+              <a:noFill/>
+            </a:ln>
+          </p:spPr>
+        </p:sp>
+        <p:sp>
+          <p:nvSpPr>
+            <p:cNvPr id="34" name="Freeform 21"/>
+            <p:cNvSpPr/>
+            <p:nvPr/>
+          </p:nvSpPr>
+          <p:spPr bwMode="auto">
+            <a:xfrm>
+              <a:off x="3143251" y="4656138"/>
+              <a:ext cx="31750" cy="188913"/>
+            </a:xfrm>
+            <a:custGeom>
+              <a:avLst/>
+              <a:gdLst/>
+              <a:ahLst/>
+              <a:cxnLst/>
+              <a:rect l="0" t="0" r="r" b="b"/>
+              <a:pathLst>
+                <a:path w="8" h="48">
+                  <a:moveTo>
+                    <a:pt x="7" y="44"/>
+                  </a:moveTo>
+                  <a:cubicBezTo>
+                    <a:pt x="7" y="46"/>
+                    <a:pt x="8" y="47"/>
+                    <a:pt x="8" y="48"/>
+                  </a:cubicBezTo>
+                  <a:cubicBezTo>
+                    <a:pt x="8" y="38"/>
+                    <a:pt x="8" y="29"/>
+                    <a:pt x="8" y="19"/>
+                  </a:cubicBezTo>
+                  <a:cubicBezTo>
+                    <a:pt x="5" y="13"/>
+                    <a:pt x="3" y="6"/>
+                    <a:pt x="1" y="0"/>
+                  </a:cubicBezTo>
+                  <a:cubicBezTo>
+                    <a:pt x="0" y="9"/>
+                    <a:pt x="0" y="17"/>
+                    <a:pt x="0" y="26"/>
+                  </a:cubicBezTo>
+                  <a:cubicBezTo>
+                    <a:pt x="2" y="32"/>
+                    <a:pt x="5" y="38"/>
+                    <a:pt x="7" y="44"/>
+                  </a:cubicBezTo>
+                  <a:close/>
+                </a:path>
+              </a:pathLst>
+            </a:custGeom>
+            <a:solidFill>
+              <a:schemeClr val="tx2">
+                <a:alpha val="20000"/>
+              </a:schemeClr>
+            </a:solidFill>
+            <a:ln>
+              <a:noFill/>
+            </a:ln>
+          </p:spPr>
+        </p:sp>
+        <p:sp>
+          <p:nvSpPr>
+            <p:cNvPr id="35" name="Freeform 22"/>
+            <p:cNvSpPr/>
+            <p:nvPr/>
+          </p:nvSpPr>
+          <p:spPr bwMode="auto">
+            <a:xfrm>
+              <a:off x="3211513" y="5410200"/>
+              <a:ext cx="203200" cy="530225"/>
+            </a:xfrm>
+            <a:custGeom>
+              <a:avLst/>
+              <a:gdLst/>
+              <a:ahLst/>
+              <a:cxnLst/>
+              <a:rect l="0" t="0" r="r" b="b"/>
+              <a:pathLst>
+                <a:path w="52" h="135">
+                  <a:moveTo>
+                    <a:pt x="7" y="18"/>
+                  </a:moveTo>
+                  <a:cubicBezTo>
+                    <a:pt x="5" y="12"/>
+                    <a:pt x="2" y="6"/>
+                    <a:pt x="0" y="0"/>
+                  </a:cubicBezTo>
+                  <a:cubicBezTo>
+                    <a:pt x="3" y="16"/>
+                    <a:pt x="7" y="32"/>
+                    <a:pt x="12" y="48"/>
+                  </a:cubicBezTo>
+                  <a:cubicBezTo>
+                    <a:pt x="13" y="53"/>
+                    <a:pt x="14" y="57"/>
+                    <a:pt x="16" y="62"/>
+                  </a:cubicBezTo>
+                  <a:cubicBezTo>
+                    <a:pt x="27" y="86"/>
+                    <a:pt x="39" y="111"/>
+                    <a:pt x="51" y="135"/>
+                  </a:cubicBezTo>
+                  <a:cubicBezTo>
+                    <a:pt x="52" y="135"/>
+                    <a:pt x="52" y="135"/>
+                    <a:pt x="52" y="135"/>
+                  </a:cubicBezTo>
+                  <a:cubicBezTo>
+                    <a:pt x="41" y="109"/>
+                    <a:pt x="32" y="83"/>
+                    <a:pt x="24" y="56"/>
+                  </a:cubicBezTo>
+                  <a:cubicBezTo>
+                    <a:pt x="18" y="43"/>
+                    <a:pt x="13" y="31"/>
+                    <a:pt x="7" y="18"/>
+                  </a:cubicBezTo>
+                  <a:close/>
+                </a:path>
+              </a:pathLst>
+            </a:custGeom>
+            <a:solidFill>
+              <a:schemeClr val="tx2">
+                <a:alpha val="20000"/>
+              </a:schemeClr>
+            </a:solidFill>
+            <a:ln>
+              <a:noFill/>
+            </a:ln>
+          </p:spPr>
+        </p:sp>
+      </p:grpSp>
+      <p:grpSp>
+        <p:nvGrpSpPr>
+          <p:cNvPr id="10" name="Group 9"/>
+          <p:cNvGrpSpPr/>
+          <p:nvPr/>
+        </p:nvGrpSpPr>
+        <p:grpSpPr>
+          <a:xfrm>
+            <a:off x="27221" y="157"/>
+            <a:ext cx="2356674" cy="6853096"/>
+            <a:chOff x="6627813" y="195610"/>
+            <a:chExt cx="1952625" cy="5678141"/>
+          </a:xfrm>
+        </p:grpSpPr>
+        <p:sp>
+          <p:nvSpPr>
+            <p:cNvPr id="11" name="Freeform 27"/>
+            <p:cNvSpPr/>
+            <p:nvPr/>
+          </p:nvSpPr>
+          <p:spPr bwMode="auto">
+            <a:xfrm>
+              <a:off x="6627813" y="195610"/>
+              <a:ext cx="409575" cy="3646488"/>
+            </a:xfrm>
+            <a:custGeom>
+              <a:avLst/>
+              <a:gdLst/>
+              <a:ahLst/>
+              <a:cxnLst/>
+              <a:rect l="0" t="0" r="r" b="b"/>
+              <a:pathLst>
+                <a:path w="103" h="920">
+                  <a:moveTo>
+                    <a:pt x="7" y="210"/>
+                  </a:moveTo>
+                  <a:cubicBezTo>
+                    <a:pt x="11" y="288"/>
+                    <a:pt x="17" y="367"/>
+                    <a:pt x="26" y="445"/>
+                  </a:cubicBezTo>
+                  <a:cubicBezTo>
+                    <a:pt x="34" y="523"/>
+                    <a:pt x="44" y="601"/>
+                    <a:pt x="57" y="679"/>
+                  </a:cubicBezTo>
+                  <a:cubicBezTo>
+                    <a:pt x="69" y="757"/>
+                    <a:pt x="84" y="834"/>
+                    <a:pt x="101" y="911"/>
+                  </a:cubicBezTo>
+                  <a:cubicBezTo>
+                    <a:pt x="102" y="914"/>
+                    <a:pt x="103" y="917"/>
+                    <a:pt x="103" y="920"/>
+                  </a:cubicBezTo>
+                  <a:cubicBezTo>
+                    <a:pt x="102" y="905"/>
+                    <a:pt x="100" y="889"/>
+                    <a:pt x="99" y="874"/>
+                  </a:cubicBezTo>
+                  <a:cubicBezTo>
+                    <a:pt x="99" y="871"/>
+                    <a:pt x="99" y="868"/>
+                    <a:pt x="99" y="866"/>
+                  </a:cubicBezTo>
+                  <a:cubicBezTo>
+                    <a:pt x="85" y="803"/>
+                    <a:pt x="73" y="741"/>
+                    <a:pt x="63" y="678"/>
+                  </a:cubicBezTo>
+                  <a:cubicBezTo>
+                    <a:pt x="50" y="600"/>
+                    <a:pt x="39" y="523"/>
+                    <a:pt x="30" y="444"/>
+                  </a:cubicBezTo>
+                  <a:cubicBezTo>
+                    <a:pt x="21" y="366"/>
+                    <a:pt x="14" y="288"/>
+                    <a:pt x="9" y="209"/>
+                  </a:cubicBezTo>
+                  <a:cubicBezTo>
+                    <a:pt x="7" y="170"/>
+                    <a:pt x="5" y="131"/>
+                    <a:pt x="3" y="92"/>
+                  </a:cubicBezTo>
+                  <a:cubicBezTo>
+                    <a:pt x="2" y="61"/>
+                    <a:pt x="1" y="31"/>
+                    <a:pt x="1" y="0"/>
+                  </a:cubicBezTo>
+                  <a:cubicBezTo>
+                    <a:pt x="0" y="0"/>
+                    <a:pt x="0" y="0"/>
+                    <a:pt x="0" y="0"/>
+                  </a:cubicBezTo>
+                  <a:cubicBezTo>
+                    <a:pt x="0" y="31"/>
+                    <a:pt x="1" y="61"/>
+                    <a:pt x="1" y="92"/>
+                  </a:cubicBezTo>
+                  <a:cubicBezTo>
+                    <a:pt x="3" y="131"/>
+                    <a:pt x="4" y="170"/>
+                    <a:pt x="7" y="210"/>
+                  </a:cubicBezTo>
+                  <a:close/>
+                </a:path>
+              </a:pathLst>
+            </a:custGeom>
+            <a:solidFill>
+              <a:schemeClr val="tx2"/>
+            </a:solidFill>
+            <a:ln>
+              <a:noFill/>
+            </a:ln>
+          </p:spPr>
+        </p:sp>
+        <p:sp>
+          <p:nvSpPr>
+            <p:cNvPr id="12" name="Freeform 28"/>
+            <p:cNvSpPr/>
+            <p:nvPr/>
+          </p:nvSpPr>
+          <p:spPr bwMode="auto">
+            <a:xfrm>
+              <a:off x="7061201" y="3771900"/>
+              <a:ext cx="350838" cy="1309688"/>
+            </a:xfrm>
+            <a:custGeom>
+              <a:avLst/>
+              <a:gdLst/>
+              <a:ahLst/>
+              <a:cxnLst/>
+              <a:rect l="0" t="0" r="r" b="b"/>
+              <a:pathLst>
+                <a:path w="88" h="330">
+                  <a:moveTo>
+                    <a:pt x="53" y="229"/>
+                  </a:moveTo>
+                  <a:cubicBezTo>
+                    <a:pt x="64" y="263"/>
+                    <a:pt x="75" y="297"/>
+                    <a:pt x="88" y="330"/>
+                  </a:cubicBezTo>
+                  <a:cubicBezTo>
+                    <a:pt x="88" y="323"/>
+                    <a:pt x="88" y="315"/>
+                    <a:pt x="88" y="308"/>
+                  </a:cubicBezTo>
+                  <a:cubicBezTo>
+                    <a:pt x="88" y="307"/>
+                    <a:pt x="88" y="305"/>
+                    <a:pt x="88" y="304"/>
+                  </a:cubicBezTo>
+                  <a:cubicBezTo>
+                    <a:pt x="79" y="278"/>
+                    <a:pt x="70" y="252"/>
+                    <a:pt x="62" y="226"/>
+                  </a:cubicBezTo>
+                  <a:cubicBezTo>
+                    <a:pt x="38" y="152"/>
+                    <a:pt x="17" y="76"/>
+                    <a:pt x="0" y="0"/>
+                  </a:cubicBezTo>
+                  <a:cubicBezTo>
+                    <a:pt x="2" y="21"/>
+                    <a:pt x="4" y="42"/>
+                    <a:pt x="7" y="63"/>
+                  </a:cubicBezTo>
+                  <a:cubicBezTo>
+                    <a:pt x="21" y="119"/>
+                    <a:pt x="36" y="174"/>
+                    <a:pt x="53" y="229"/>
+                  </a:cubicBezTo>
+                  <a:close/>
+                </a:path>
+              </a:pathLst>
+            </a:custGeom>
+            <a:solidFill>
+              <a:schemeClr val="tx2"/>
+            </a:solidFill>
+            <a:ln>
+              <a:noFill/>
+            </a:ln>
+          </p:spPr>
+        </p:sp>
+        <p:sp>
+          <p:nvSpPr>
+            <p:cNvPr id="13" name="Freeform 29"/>
+            <p:cNvSpPr/>
+            <p:nvPr/>
+          </p:nvSpPr>
+          <p:spPr bwMode="auto">
+            <a:xfrm>
+              <a:off x="7439026" y="5053013"/>
+              <a:ext cx="357188" cy="820738"/>
+            </a:xfrm>
+            <a:custGeom>
+              <a:avLst/>
+              <a:gdLst/>
+              <a:ahLst/>
+              <a:cxnLst/>
+              <a:rect l="0" t="0" r="r" b="b"/>
+              <a:pathLst>
+                <a:path w="90" h="207">
+                  <a:moveTo>
+                    <a:pt x="6" y="15"/>
+                  </a:moveTo>
+                  <a:cubicBezTo>
+                    <a:pt x="4" y="10"/>
+                    <a:pt x="2" y="5"/>
+                    <a:pt x="0" y="0"/>
+                  </a:cubicBezTo>
+                  <a:cubicBezTo>
+                    <a:pt x="0" y="9"/>
+                    <a:pt x="0" y="19"/>
+                    <a:pt x="1" y="29"/>
+                  </a:cubicBezTo>
+                  <a:cubicBezTo>
+                    <a:pt x="14" y="62"/>
+                    <a:pt x="27" y="95"/>
+                    <a:pt x="42" y="127"/>
+                  </a:cubicBezTo>
+                  <a:cubicBezTo>
+                    <a:pt x="54" y="154"/>
+                    <a:pt x="67" y="181"/>
+                    <a:pt x="80" y="207"/>
+                  </a:cubicBezTo>
+                  <a:cubicBezTo>
+                    <a:pt x="90" y="207"/>
+                    <a:pt x="90" y="207"/>
+                    <a:pt x="90" y="207"/>
+                  </a:cubicBezTo>
+                  <a:cubicBezTo>
+                    <a:pt x="76" y="180"/>
+                    <a:pt x="63" y="152"/>
+                    <a:pt x="50" y="123"/>
+                  </a:cubicBezTo>
+                  <a:cubicBezTo>
+                    <a:pt x="34" y="88"/>
+                    <a:pt x="20" y="51"/>
+                    <a:pt x="6" y="15"/>
+                  </a:cubicBezTo>
+                  <a:close/>
+                </a:path>
+              </a:pathLst>
+            </a:custGeom>
+            <a:solidFill>
+              <a:schemeClr val="tx2"/>
+            </a:solidFill>
+            <a:ln>
+              <a:noFill/>
+            </a:ln>
+          </p:spPr>
+        </p:sp>
+        <p:sp>
+          <p:nvSpPr>
+            <p:cNvPr id="14" name="Freeform 30"/>
+            <p:cNvSpPr/>
+            <p:nvPr/>
+          </p:nvSpPr>
+          <p:spPr bwMode="auto">
+            <a:xfrm>
+              <a:off x="7037388" y="3811588"/>
+              <a:ext cx="457200" cy="1852613"/>
+            </a:xfrm>
+            <a:custGeom>
+              <a:avLst/>
+              <a:gdLst/>
+              <a:ahLst/>
+              <a:cxnLst/>
+              <a:rect l="0" t="0" r="r" b="b"/>
+              <a:pathLst>
+                <a:path w="115" h="467">
+                  <a:moveTo>
+                    <a:pt x="101" y="409"/>
+                  </a:moveTo>
+                  <a:cubicBezTo>
+                    <a:pt x="93" y="388"/>
+                    <a:pt x="85" y="366"/>
+                    <a:pt x="78" y="344"/>
+                  </a:cubicBezTo>
+                  <a:cubicBezTo>
+                    <a:pt x="57" y="281"/>
+                    <a:pt x="41" y="216"/>
+                    <a:pt x="29" y="151"/>
+                  </a:cubicBezTo>
+                  <a:cubicBezTo>
+                    <a:pt x="22" y="119"/>
+                    <a:pt x="17" y="86"/>
+                    <a:pt x="13" y="53"/>
+                  </a:cubicBezTo>
+                  <a:cubicBezTo>
+                    <a:pt x="9" y="35"/>
+                    <a:pt x="4" y="18"/>
+                    <a:pt x="0" y="0"/>
+                  </a:cubicBezTo>
+                  <a:cubicBezTo>
+                    <a:pt x="5" y="51"/>
+                    <a:pt x="12" y="102"/>
+                    <a:pt x="21" y="152"/>
+                  </a:cubicBezTo>
+                  <a:cubicBezTo>
+                    <a:pt x="33" y="218"/>
+                    <a:pt x="49" y="283"/>
+                    <a:pt x="69" y="347"/>
+                  </a:cubicBezTo>
+                  <a:cubicBezTo>
+                    <a:pt x="79" y="378"/>
+                    <a:pt x="90" y="410"/>
+                    <a:pt x="103" y="441"/>
+                  </a:cubicBezTo>
+                  <a:cubicBezTo>
+                    <a:pt x="107" y="449"/>
+                    <a:pt x="111" y="458"/>
+                    <a:pt x="115" y="467"/>
+                  </a:cubicBezTo>
+                  <a:cubicBezTo>
+                    <a:pt x="114" y="464"/>
+                    <a:pt x="113" y="461"/>
+                    <a:pt x="112" y="458"/>
+                  </a:cubicBezTo>
+                  <a:cubicBezTo>
+                    <a:pt x="108" y="442"/>
+                    <a:pt x="104" y="425"/>
+                    <a:pt x="101" y="409"/>
+                  </a:cubicBezTo>
+                  <a:close/>
+                </a:path>
+              </a:pathLst>
+            </a:custGeom>
+            <a:solidFill>
+              <a:schemeClr val="tx2"/>
+            </a:solidFill>
+            <a:ln>
+              <a:noFill/>
+            </a:ln>
+          </p:spPr>
+        </p:sp>
+        <p:sp>
+          <p:nvSpPr>
+            <p:cNvPr id="15" name="Freeform 31"/>
+            <p:cNvSpPr/>
+            <p:nvPr/>
+          </p:nvSpPr>
+          <p:spPr bwMode="auto">
+            <a:xfrm>
+              <a:off x="6992938" y="1263650"/>
+              <a:ext cx="144463" cy="2508250"/>
+            </a:xfrm>
+            <a:custGeom>
+              <a:avLst/>
+              <a:gdLst/>
+              <a:ahLst/>
+              <a:cxnLst/>
+              <a:rect l="0" t="0" r="r" b="b"/>
+              <a:pathLst>
+                <a:path w="36" h="633">
+                  <a:moveTo>
+                    <a:pt x="17" y="633"/>
+                  </a:moveTo>
+                  <a:cubicBezTo>
+                    <a:pt x="15" y="621"/>
+                    <a:pt x="14" y="609"/>
+                    <a:pt x="13" y="597"/>
+                  </a:cubicBezTo>
+                  <a:cubicBezTo>
+                    <a:pt x="8" y="530"/>
+                    <a:pt x="5" y="464"/>
+                    <a:pt x="5" y="398"/>
+                  </a:cubicBezTo>
+                  <a:cubicBezTo>
+                    <a:pt x="5" y="331"/>
+                    <a:pt x="8" y="265"/>
+                    <a:pt x="13" y="198"/>
+                  </a:cubicBezTo>
+                  <a:cubicBezTo>
+                    <a:pt x="15" y="165"/>
+                    <a:pt x="18" y="132"/>
+                    <a:pt x="22" y="99"/>
+                  </a:cubicBezTo>
+                  <a:cubicBezTo>
+                    <a:pt x="26" y="66"/>
+                    <a:pt x="30" y="33"/>
+                    <a:pt x="36" y="0"/>
+                  </a:cubicBezTo>
+                  <a:cubicBezTo>
+                    <a:pt x="35" y="0"/>
+                    <a:pt x="35" y="0"/>
+                    <a:pt x="35" y="0"/>
+                  </a:cubicBezTo>
+                  <a:cubicBezTo>
+                    <a:pt x="29" y="33"/>
+                    <a:pt x="24" y="66"/>
+                    <a:pt x="20" y="99"/>
+                  </a:cubicBezTo>
+                  <a:cubicBezTo>
+                    <a:pt x="16" y="132"/>
+                    <a:pt x="13" y="165"/>
+                    <a:pt x="10" y="198"/>
+                  </a:cubicBezTo>
+                  <a:cubicBezTo>
+                    <a:pt x="4" y="264"/>
+                    <a:pt x="1" y="331"/>
+                    <a:pt x="1" y="398"/>
+                  </a:cubicBezTo>
+                  <a:cubicBezTo>
+                    <a:pt x="0" y="461"/>
+                    <a:pt x="2" y="525"/>
+                    <a:pt x="7" y="589"/>
+                  </a:cubicBezTo>
+                  <a:cubicBezTo>
+                    <a:pt x="10" y="603"/>
+                    <a:pt x="13" y="618"/>
+                    <a:pt x="16" y="632"/>
+                  </a:cubicBezTo>
+                  <a:cubicBezTo>
+                    <a:pt x="16" y="632"/>
+                    <a:pt x="17" y="633"/>
+                    <a:pt x="17" y="633"/>
+                  </a:cubicBezTo>
+                  <a:close/>
+                </a:path>
+              </a:pathLst>
+            </a:custGeom>
+            <a:solidFill>
+              <a:schemeClr val="tx2"/>
+            </a:solidFill>
+            <a:ln>
+              <a:noFill/>
+            </a:ln>
+          </p:spPr>
+        </p:sp>
+        <p:sp>
+          <p:nvSpPr>
+            <p:cNvPr id="16" name="Freeform 32"/>
+            <p:cNvSpPr/>
+            <p:nvPr/>
+          </p:nvSpPr>
+          <p:spPr bwMode="auto">
+            <a:xfrm>
+              <a:off x="7526338" y="5640388"/>
+              <a:ext cx="111125" cy="233363"/>
+            </a:xfrm>
+            <a:custGeom>
+              <a:avLst/>
+              <a:gdLst/>
+              <a:ahLst/>
+              <a:cxnLst/>
+              <a:rect l="0" t="0" r="r" b="b"/>
+              <a:pathLst>
+                <a:path w="28" h="59">
+                  <a:moveTo>
+                    <a:pt x="22" y="59"/>
+                  </a:moveTo>
+                  <a:cubicBezTo>
+                    <a:pt x="28" y="59"/>
+                    <a:pt x="28" y="59"/>
+                    <a:pt x="28" y="59"/>
+                  </a:cubicBezTo>
+                  <a:cubicBezTo>
+                    <a:pt x="18" y="40"/>
+                    <a:pt x="9" y="20"/>
+                    <a:pt x="0" y="0"/>
+                  </a:cubicBezTo>
+                  <a:cubicBezTo>
+                    <a:pt x="6" y="20"/>
+                    <a:pt x="13" y="40"/>
+                    <a:pt x="22" y="59"/>
+                  </a:cubicBezTo>
+                  <a:close/>
+                </a:path>
+              </a:pathLst>
+            </a:custGeom>
+            <a:solidFill>
+              <a:schemeClr val="tx2"/>
+            </a:solidFill>
+            <a:ln>
+              <a:noFill/>
+            </a:ln>
+          </p:spPr>
+        </p:sp>
+        <p:sp>
+          <p:nvSpPr>
+            <p:cNvPr id="17" name="Freeform 33"/>
+            <p:cNvSpPr/>
+            <p:nvPr/>
+          </p:nvSpPr>
+          <p:spPr bwMode="auto">
+            <a:xfrm>
+              <a:off x="7021513" y="3598863"/>
+              <a:ext cx="68263" cy="423863"/>
+            </a:xfrm>
+            <a:custGeom>
+              <a:avLst/>
+              <a:gdLst/>
+              <a:ahLst/>
+              <a:cxnLst/>
+              <a:rect l="0" t="0" r="r" b="b"/>
+              <a:pathLst>
+                <a:path w="17" h="107">
+                  <a:moveTo>
+                    <a:pt x="4" y="54"/>
+                  </a:moveTo>
+                  <a:cubicBezTo>
+                    <a:pt x="8" y="72"/>
+                    <a:pt x="13" y="89"/>
+                    <a:pt x="17" y="107"/>
+                  </a:cubicBezTo>
+                  <a:cubicBezTo>
+                    <a:pt x="14" y="86"/>
+                    <a:pt x="12" y="65"/>
+                    <a:pt x="10" y="44"/>
+                  </a:cubicBezTo>
+                  <a:cubicBezTo>
+                    <a:pt x="10" y="44"/>
+                    <a:pt x="9" y="43"/>
+                    <a:pt x="9" y="43"/>
+                  </a:cubicBezTo>
+                  <a:cubicBezTo>
+                    <a:pt x="6" y="29"/>
+                    <a:pt x="3" y="14"/>
+                    <a:pt x="0" y="0"/>
+                  </a:cubicBezTo>
+                  <a:cubicBezTo>
+                    <a:pt x="0" y="2"/>
+                    <a:pt x="0" y="5"/>
+                    <a:pt x="0" y="8"/>
+                  </a:cubicBezTo>
+                  <a:cubicBezTo>
+                    <a:pt x="1" y="23"/>
+                    <a:pt x="3" y="39"/>
+                    <a:pt x="4" y="54"/>
+                  </a:cubicBezTo>
+                  <a:close/>
+                </a:path>
+              </a:pathLst>
+            </a:custGeom>
+            <a:solidFill>
+              <a:schemeClr val="tx2"/>
+            </a:solidFill>
+            <a:ln>
+              <a:noFill/>
+            </a:ln>
+          </p:spPr>
+        </p:sp>
+        <p:sp>
+          <p:nvSpPr>
+            <p:cNvPr id="18" name="Freeform 34"/>
+            <p:cNvSpPr/>
+            <p:nvPr/>
+          </p:nvSpPr>
+          <p:spPr bwMode="auto">
+            <a:xfrm>
+              <a:off x="7412038" y="2801938"/>
+              <a:ext cx="1168400" cy="2251075"/>
+            </a:xfrm>
+            <a:custGeom>
+              <a:avLst/>
+              <a:gdLst/>
+              <a:ahLst/>
+              <a:cxnLst/>
+              <a:rect l="0" t="0" r="r" b="b"/>
+              <a:pathLst>
+                <a:path w="294" h="568">
+                  <a:moveTo>
+                    <a:pt x="8" y="553"/>
+                  </a:moveTo>
+                  <a:cubicBezTo>
+                    <a:pt x="9" y="501"/>
+                    <a:pt x="19" y="448"/>
+                    <a:pt x="35" y="397"/>
+                  </a:cubicBezTo>
+                  <a:cubicBezTo>
+                    <a:pt x="51" y="347"/>
+                    <a:pt x="73" y="298"/>
+                    <a:pt x="99" y="252"/>
+                  </a:cubicBezTo>
+                  <a:cubicBezTo>
+                    <a:pt x="124" y="205"/>
+                    <a:pt x="154" y="161"/>
+                    <a:pt x="187" y="119"/>
+                  </a:cubicBezTo>
+                  <a:cubicBezTo>
+                    <a:pt x="203" y="98"/>
+                    <a:pt x="220" y="77"/>
+                    <a:pt x="238" y="58"/>
+                  </a:cubicBezTo>
+                  <a:cubicBezTo>
+                    <a:pt x="247" y="48"/>
+                    <a:pt x="256" y="38"/>
+                    <a:pt x="265" y="28"/>
+                  </a:cubicBezTo>
+                  <a:cubicBezTo>
+                    <a:pt x="274" y="19"/>
+                    <a:pt x="284" y="9"/>
+                    <a:pt x="294" y="0"/>
+                  </a:cubicBezTo>
+                  <a:cubicBezTo>
+                    <a:pt x="293" y="0"/>
+                    <a:pt x="293" y="0"/>
+                    <a:pt x="293" y="0"/>
+                  </a:cubicBezTo>
+                  <a:cubicBezTo>
+                    <a:pt x="283" y="9"/>
+                    <a:pt x="273" y="18"/>
+                    <a:pt x="264" y="27"/>
+                  </a:cubicBezTo>
+                  <a:cubicBezTo>
+                    <a:pt x="255" y="37"/>
+                    <a:pt x="246" y="47"/>
+                    <a:pt x="237" y="56"/>
+                  </a:cubicBezTo>
+                  <a:cubicBezTo>
+                    <a:pt x="218" y="76"/>
+                    <a:pt x="201" y="96"/>
+                    <a:pt x="185" y="117"/>
+                  </a:cubicBezTo>
+                  <a:cubicBezTo>
+                    <a:pt x="151" y="159"/>
+                    <a:pt x="121" y="203"/>
+                    <a:pt x="95" y="249"/>
+                  </a:cubicBezTo>
+                  <a:cubicBezTo>
+                    <a:pt x="68" y="296"/>
+                    <a:pt x="46" y="345"/>
+                    <a:pt x="30" y="396"/>
+                  </a:cubicBezTo>
+                  <a:cubicBezTo>
+                    <a:pt x="13" y="445"/>
+                    <a:pt x="3" y="497"/>
+                    <a:pt x="0" y="549"/>
+                  </a:cubicBezTo>
+                  <a:cubicBezTo>
+                    <a:pt x="3" y="555"/>
+                    <a:pt x="5" y="561"/>
+                    <a:pt x="7" y="568"/>
+                  </a:cubicBezTo>
+                  <a:cubicBezTo>
+                    <a:pt x="7" y="563"/>
+                    <a:pt x="7" y="558"/>
+                    <a:pt x="8" y="553"/>
+                  </a:cubicBezTo>
+                  <a:close/>
+                </a:path>
+              </a:pathLst>
+            </a:custGeom>
+            <a:solidFill>
+              <a:schemeClr val="tx2"/>
+            </a:solidFill>
+            <a:ln>
+              <a:noFill/>
+            </a:ln>
+          </p:spPr>
+        </p:sp>
+        <p:sp>
+          <p:nvSpPr>
+            <p:cNvPr id="19" name="Freeform 35"/>
+            <p:cNvSpPr/>
+            <p:nvPr/>
+          </p:nvSpPr>
+          <p:spPr bwMode="auto">
+            <a:xfrm>
+              <a:off x="7494588" y="5664200"/>
+              <a:ext cx="100013" cy="209550"/>
+            </a:xfrm>
+            <a:custGeom>
+              <a:avLst/>
+              <a:gdLst/>
+              <a:ahLst/>
+              <a:cxnLst/>
+              <a:rect l="0" t="0" r="r" b="b"/>
+              <a:pathLst>
+                <a:path w="25" h="53">
+                  <a:moveTo>
+                    <a:pt x="0" y="0"/>
+                  </a:moveTo>
+                  <a:cubicBezTo>
+                    <a:pt x="5" y="18"/>
+                    <a:pt x="12" y="36"/>
+                    <a:pt x="19" y="53"/>
+                  </a:cubicBezTo>
+                  <a:cubicBezTo>
+                    <a:pt x="25" y="53"/>
+                    <a:pt x="25" y="53"/>
+                    <a:pt x="25" y="53"/>
+                  </a:cubicBezTo>
+                  <a:cubicBezTo>
+                    <a:pt x="16" y="36"/>
+                    <a:pt x="8" y="18"/>
+                    <a:pt x="0" y="0"/>
+                  </a:cubicBezTo>
+                  <a:close/>
+                </a:path>
+              </a:pathLst>
+            </a:custGeom>
+            <a:solidFill>
+              <a:schemeClr val="tx2"/>
+            </a:solidFill>
+            <a:ln>
+              <a:noFill/>
+            </a:ln>
+          </p:spPr>
+        </p:sp>
+        <p:sp>
+          <p:nvSpPr>
+            <p:cNvPr id="20" name="Freeform 36"/>
+            <p:cNvSpPr/>
+            <p:nvPr/>
+          </p:nvSpPr>
+          <p:spPr bwMode="auto">
+            <a:xfrm>
+              <a:off x="7412038" y="5081588"/>
+              <a:ext cx="114300" cy="558800"/>
+            </a:xfrm>
+            <a:custGeom>
+              <a:avLst/>
+              <a:gdLst/>
+              <a:ahLst/>
+              <a:cxnLst/>
+              <a:rect l="0" t="0" r="r" b="b"/>
+              <a:pathLst>
+                <a:path w="29" h="141">
+                  <a:moveTo>
+                    <a:pt x="0" y="0"/>
+                  </a:moveTo>
+                  <a:cubicBezTo>
+                    <a:pt x="0" y="30"/>
+                    <a:pt x="2" y="60"/>
+                    <a:pt x="7" y="89"/>
+                  </a:cubicBezTo>
+                  <a:cubicBezTo>
+                    <a:pt x="11" y="98"/>
+                    <a:pt x="14" y="108"/>
+                    <a:pt x="18" y="117"/>
+                  </a:cubicBezTo>
+                  <a:cubicBezTo>
+                    <a:pt x="22" y="125"/>
+                    <a:pt x="25" y="133"/>
+                    <a:pt x="29" y="141"/>
+                  </a:cubicBezTo>
+                  <a:cubicBezTo>
+                    <a:pt x="28" y="139"/>
+                    <a:pt x="28" y="137"/>
+                    <a:pt x="27" y="135"/>
+                  </a:cubicBezTo>
+                  <a:cubicBezTo>
+                    <a:pt x="16" y="98"/>
+                    <a:pt x="10" y="60"/>
+                    <a:pt x="8" y="22"/>
+                  </a:cubicBezTo>
+                  <a:cubicBezTo>
+                    <a:pt x="7" y="18"/>
+                    <a:pt x="5" y="15"/>
+                    <a:pt x="4" y="11"/>
+                  </a:cubicBezTo>
+                  <a:cubicBezTo>
+                    <a:pt x="2" y="7"/>
+                    <a:pt x="1" y="3"/>
+                    <a:pt x="0" y="0"/>
+                  </a:cubicBezTo>
+                  <a:close/>
+                </a:path>
+              </a:pathLst>
+            </a:custGeom>
+            <a:solidFill>
+              <a:schemeClr val="tx2"/>
+            </a:solidFill>
+            <a:ln>
+              <a:noFill/>
+            </a:ln>
+          </p:spPr>
+        </p:sp>
+        <p:sp>
+          <p:nvSpPr>
+            <p:cNvPr id="21" name="Freeform 37"/>
+            <p:cNvSpPr/>
+            <p:nvPr/>
+          </p:nvSpPr>
+          <p:spPr bwMode="auto">
+            <a:xfrm>
+              <a:off x="7412038" y="4978400"/>
+              <a:ext cx="31750" cy="188913"/>
+            </a:xfrm>
+            <a:custGeom>
+              <a:avLst/>
+              <a:gdLst/>
+              <a:ahLst/>
+              <a:cxnLst/>
+              <a:rect l="0" t="0" r="r" b="b"/>
+              <a:pathLst>
+                <a:path w="8" h="48">
+                  <a:moveTo>
+                    <a:pt x="0" y="26"/>
+                  </a:moveTo>
+                  <a:cubicBezTo>
+                    <a:pt x="1" y="29"/>
+                    <a:pt x="2" y="33"/>
+                    <a:pt x="4" y="37"/>
+                  </a:cubicBezTo>
+                  <a:cubicBezTo>
+                    <a:pt x="5" y="41"/>
+                    <a:pt x="7" y="44"/>
+                    <a:pt x="8" y="48"/>
+                  </a:cubicBezTo>
+                  <a:cubicBezTo>
+                    <a:pt x="7" y="38"/>
+                    <a:pt x="7" y="28"/>
+                    <a:pt x="7" y="19"/>
+                  </a:cubicBezTo>
+                  <a:cubicBezTo>
+                    <a:pt x="5" y="12"/>
+                    <a:pt x="3" y="6"/>
+                    <a:pt x="0" y="0"/>
+                  </a:cubicBezTo>
+                  <a:cubicBezTo>
+                    <a:pt x="0" y="1"/>
+                    <a:pt x="0" y="3"/>
+                    <a:pt x="0" y="4"/>
+                  </a:cubicBezTo>
+                  <a:cubicBezTo>
+                    <a:pt x="0" y="11"/>
+                    <a:pt x="0" y="19"/>
+                    <a:pt x="0" y="26"/>
+                  </a:cubicBezTo>
+                  <a:close/>
+                </a:path>
+              </a:pathLst>
+            </a:custGeom>
+            <a:solidFill>
+              <a:schemeClr val="tx2"/>
+            </a:solidFill>
+            <a:ln>
+              <a:noFill/>
+            </a:ln>
+          </p:spPr>
+        </p:sp>
+        <p:sp>
+          <p:nvSpPr>
+            <p:cNvPr id="22" name="Freeform 38"/>
+            <p:cNvSpPr/>
+            <p:nvPr/>
+          </p:nvSpPr>
+          <p:spPr bwMode="auto">
+            <a:xfrm>
+              <a:off x="7439026" y="5434013"/>
+              <a:ext cx="174625" cy="439738"/>
+            </a:xfrm>
+            <a:custGeom>
+              <a:avLst/>
+              <a:gdLst/>
+              <a:ahLst/>
+              <a:cxnLst/>
+              <a:rect l="0" t="0" r="r" b="b"/>
+              <a:pathLst>
+                <a:path w="44" h="111">
+                  <a:moveTo>
+                    <a:pt x="11" y="28"/>
+                  </a:moveTo>
+                  <a:cubicBezTo>
+                    <a:pt x="7" y="19"/>
+                    <a:pt x="4" y="9"/>
+                    <a:pt x="0" y="0"/>
+                  </a:cubicBezTo>
+                  <a:cubicBezTo>
+                    <a:pt x="3" y="16"/>
+                    <a:pt x="7" y="33"/>
+                    <a:pt x="11" y="49"/>
+                  </a:cubicBezTo>
+                  <a:cubicBezTo>
+                    <a:pt x="12" y="52"/>
+                    <a:pt x="13" y="55"/>
+                    <a:pt x="14" y="58"/>
+                  </a:cubicBezTo>
+                  <a:cubicBezTo>
+                    <a:pt x="22" y="76"/>
+                    <a:pt x="30" y="94"/>
+                    <a:pt x="39" y="111"/>
+                  </a:cubicBezTo>
+                  <a:cubicBezTo>
+                    <a:pt x="44" y="111"/>
+                    <a:pt x="44" y="111"/>
+                    <a:pt x="44" y="111"/>
+                  </a:cubicBezTo>
+                  <a:cubicBezTo>
+                    <a:pt x="35" y="92"/>
+                    <a:pt x="28" y="72"/>
+                    <a:pt x="22" y="52"/>
+                  </a:cubicBezTo>
+                  <a:cubicBezTo>
+                    <a:pt x="18" y="44"/>
+                    <a:pt x="15" y="36"/>
+                    <a:pt x="11" y="28"/>
+                  </a:cubicBezTo>
+                  <a:close/>
+                </a:path>
+              </a:pathLst>
+            </a:custGeom>
+            <a:solidFill>
+              <a:schemeClr val="tx2"/>
+            </a:solidFill>
+            <a:ln>
+              <a:noFill/>
+            </a:ln>
+          </p:spPr>
+        </p:sp>
+      </p:grpSp>
+      <p:sp>
+        <p:nvSpPr>
+          <p:cNvPr id="7" name="Rectangle 6"/>
+          <p:cNvSpPr/>
+          <p:nvPr/>
+        </p:nvSpPr>
+        <p:spPr>
+          <a:xfrm>
+            <a:off x="0" y="0"/>
+            <a:ext cx="182880" cy="6858000"/>
+          </a:xfrm>
+          <a:prstGeom prst="rect">
+            <a:avLst/>
+          </a:prstGeom>
+          <a:solidFill>
+            <a:schemeClr val="tx2"/>
+          </a:solidFill>
+          <a:ln>
+            <a:noFill/>
+          </a:ln>
+          <a:effectLst/>
+        </p:spPr>
+        <p:style>
+          <a:lnRef idx="1">
+            <a:schemeClr val="accent1"/>
+          </a:lnRef>
+          <a:fillRef idx="3">
+            <a:schemeClr val="accent1"/>
+          </a:fillRef>
+          <a:effectRef idx="2">
+            <a:schemeClr val="accent1"/>
+          </a:effectRef>
+          <a:fontRef idx="minor">
+            <a:schemeClr val="lt1"/>
+          </a:fontRef>
+        </p:style>
+      </p:sp>
       <p:sp>
         <p:nvSpPr>
           <p:cNvPr id="2" name="Title Placeholder 1"/>
@@ -2441,15 +7046,15 @@
         </p:nvSpPr>
         <p:spPr>
           <a:xfrm>
-            <a:off x="838200" y="365125"/>
-            <a:ext cx="10515600" cy="1325563"/>
+            <a:off x="2592924" y="624110"/>
+            <a:ext cx="8911687" cy="1280890"/>
           </a:xfrm>
           <a:prstGeom prst="rect">
             <a:avLst/>
           </a:prstGeom>
         </p:spPr>
         <p:txBody>
-          <a:bodyPr vert="horz" lIns="91440" tIns="45720" rIns="91440" bIns="45720" rtlCol="0" anchor="ctr">
+          <a:bodyPr vert="horz" lIns="91440" tIns="45720" rIns="91440" bIns="45720" rtlCol="0" anchor="t">
             <a:normAutofit/>
           </a:bodyPr>
           <a:lstStyle/>
@@ -2458,7 +7063,7 @@
               <a:rPr lang="en-US" smtClean="0"/>
               <a:t>Click to edit Master title style</a:t>
             </a:r>
-            <a:endParaRPr lang="en-US"/>
+            <a:endParaRPr lang="en-US" dirty="0"/>
           </a:p>
         </p:txBody>
       </p:sp>
@@ -2474,8 +7079,8 @@
         </p:nvSpPr>
         <p:spPr>
           <a:xfrm>
-            <a:off x="838200" y="1825625"/>
-            <a:ext cx="10515600" cy="4351338"/>
+            <a:off x="2589212" y="2133600"/>
+            <a:ext cx="8915400" cy="3886200"/>
           </a:xfrm>
           <a:prstGeom prst="rect">
             <a:avLst/>
@@ -2520,7 +7125,7 @@
               <a:rPr lang="en-US" smtClean="0"/>
               <a:t>Fifth level</a:t>
             </a:r>
-            <a:endParaRPr lang="en-US"/>
+            <a:endParaRPr lang="en-US" dirty="0"/>
           </a:p>
         </p:txBody>
       </p:sp>
@@ -2536,8 +7141,8 @@
         </p:nvSpPr>
         <p:spPr>
           <a:xfrm>
-            <a:off x="838200" y="6356350"/>
-            <a:ext cx="2743200" cy="365125"/>
+            <a:off x="10361612" y="6130437"/>
+            <a:ext cx="1146283" cy="370396"/>
           </a:xfrm>
           <a:prstGeom prst="rect">
             <a:avLst/>
@@ -2546,8 +7151,8 @@
         <p:txBody>
           <a:bodyPr vert="horz" lIns="91440" tIns="45720" rIns="91440" bIns="45720" rtlCol="0" anchor="ctr"/>
           <a:lstStyle>
-            <a:lvl1pPr algn="l">
-              <a:defRPr sz="1200">
+            <a:lvl1pPr algn="r">
+              <a:defRPr sz="900">
                 <a:solidFill>
                   <a:schemeClr val="tx1">
                     <a:tint val="75000"/>
@@ -2577,8 +7182,8 @@
         </p:nvSpPr>
         <p:spPr>
           <a:xfrm>
-            <a:off x="4038600" y="6356350"/>
-            <a:ext cx="4114800" cy="365125"/>
+            <a:off x="2589212" y="6135808"/>
+            <a:ext cx="7619999" cy="365125"/>
           </a:xfrm>
           <a:prstGeom prst="rect">
             <a:avLst/>
@@ -2587,8 +7192,8 @@
         <p:txBody>
           <a:bodyPr vert="horz" lIns="91440" tIns="45720" rIns="91440" bIns="45720" rtlCol="0" anchor="ctr"/>
           <a:lstStyle>
-            <a:lvl1pPr algn="ctr">
-              <a:defRPr sz="1200">
+            <a:lvl1pPr algn="l">
+              <a:defRPr sz="900">
                 <a:solidFill>
                   <a:schemeClr val="tx1">
                     <a:tint val="75000"/>
@@ -2612,10 +7217,10 @@
             <p:ph type="sldNum" sz="quarter" idx="4"/>
           </p:nvPr>
         </p:nvSpPr>
-        <p:spPr>
+        <p:spPr bwMode="gray">
           <a:xfrm>
-            <a:off x="8610600" y="6356350"/>
-            <a:ext cx="2743200" cy="365125"/>
+            <a:off x="531812" y="787782"/>
+            <a:ext cx="779767" cy="365125"/>
           </a:xfrm>
           <a:prstGeom prst="rect">
             <a:avLst/>
@@ -2625,11 +7230,9 @@
           <a:bodyPr vert="horz" lIns="91440" tIns="45720" rIns="91440" bIns="45720" rtlCol="0" anchor="ctr"/>
           <a:lstStyle>
             <a:lvl1pPr algn="r">
-              <a:defRPr sz="1200">
+              <a:defRPr sz="2000">
                 <a:solidFill>
-                  <a:schemeClr val="tx1">
-                    <a:tint val="75000"/>
-                  </a:schemeClr>
+                  <a:srgbClr val="FEFFFF"/>
                 </a:solidFill>
               </a:defRPr>
             </a:lvl1pPr>
@@ -2646,201 +7249,315 @@
     </p:spTree>
     <p:extLst>
       <p:ext uri="{BB962C8B-B14F-4D97-AF65-F5344CB8AC3E}">
-        <p14:creationId xmlns:p14="http://schemas.microsoft.com/office/powerpoint/2010/main" val="2752103480"/>
+        <p14:creationId xmlns:p14="http://schemas.microsoft.com/office/powerpoint/2010/main" val="2656656383"/>
       </p:ext>
     </p:extLst>
   </p:cSld>
   <p:clrMap bg1="lt1" tx1="dk1" bg2="lt2" tx2="dk2" accent1="accent1" accent2="accent2" accent3="accent3" accent4="accent4" accent5="accent5" accent6="accent6" hlink="hlink" folHlink="folHlink"/>
   <p:sldLayoutIdLst>
-    <p:sldLayoutId id="2147483649" r:id="rId1"/>
-    <p:sldLayoutId id="2147483650" r:id="rId2"/>
-    <p:sldLayoutId id="2147483651" r:id="rId3"/>
-    <p:sldLayoutId id="2147483652" r:id="rId4"/>
-    <p:sldLayoutId id="2147483653" r:id="rId5"/>
-    <p:sldLayoutId id="2147483654" r:id="rId6"/>
-    <p:sldLayoutId id="2147483655" r:id="rId7"/>
-    <p:sldLayoutId id="2147483656" r:id="rId8"/>
-    <p:sldLayoutId id="2147483657" r:id="rId9"/>
-    <p:sldLayoutId id="2147483658" r:id="rId10"/>
-    <p:sldLayoutId id="2147483659" r:id="rId11"/>
+    <p:sldLayoutId id="2147483828" r:id="rId1"/>
+    <p:sldLayoutId id="2147483829" r:id="rId2"/>
+    <p:sldLayoutId id="2147483830" r:id="rId3"/>
+    <p:sldLayoutId id="2147483831" r:id="rId4"/>
+    <p:sldLayoutId id="2147483832" r:id="rId5"/>
+    <p:sldLayoutId id="2147483833" r:id="rId6"/>
+    <p:sldLayoutId id="2147483834" r:id="rId7"/>
+    <p:sldLayoutId id="2147483835" r:id="rId8"/>
+    <p:sldLayoutId id="2147483836" r:id="rId9"/>
+    <p:sldLayoutId id="2147483837" r:id="rId10"/>
+    <p:sldLayoutId id="2147483838" r:id="rId11"/>
+    <p:sldLayoutId id="2147483839" r:id="rId12"/>
+    <p:sldLayoutId id="2147483840" r:id="rId13"/>
+    <p:sldLayoutId id="2147483841" r:id="rId14"/>
+    <p:sldLayoutId id="2147483842" r:id="rId15"/>
+    <p:sldLayoutId id="2147483843" r:id="rId16"/>
   </p:sldLayoutIdLst>
   <p:txStyles>
     <p:titleStyle>
-      <a:lvl1pPr algn="l" defTabSz="914400" rtl="0" eaLnBrk="1" latinLnBrk="0" hangingPunct="1">
-        <a:lnSpc>
-          <a:spcPct val="90000"/>
-        </a:lnSpc>
+      <a:lvl1pPr algn="l" defTabSz="457200" rtl="0" eaLnBrk="1" latinLnBrk="0" hangingPunct="1">
         <a:spcBef>
           <a:spcPct val="0"/>
         </a:spcBef>
         <a:buNone/>
-        <a:defRPr sz="4400" kern="1200">
+        <a:defRPr sz="3600" kern="1200">
           <a:solidFill>
-            <a:schemeClr val="tx1"/>
+            <a:schemeClr val="accent2">
+              <a:lumMod val="75000"/>
+            </a:schemeClr>
           </a:solidFill>
           <a:latin typeface="+mj-lt"/>
           <a:ea typeface="+mj-ea"/>
           <a:cs typeface="+mj-cs"/>
         </a:defRPr>
       </a:lvl1pPr>
+      <a:lvl2pPr eaLnBrk="1" hangingPunct="1">
+        <a:defRPr>
+          <a:solidFill>
+            <a:schemeClr val="tx2"/>
+          </a:solidFill>
+        </a:defRPr>
+      </a:lvl2pPr>
+      <a:lvl3pPr eaLnBrk="1" hangingPunct="1">
+        <a:defRPr>
+          <a:solidFill>
+            <a:schemeClr val="tx2"/>
+          </a:solidFill>
+        </a:defRPr>
+      </a:lvl3pPr>
+      <a:lvl4pPr eaLnBrk="1" hangingPunct="1">
+        <a:defRPr>
+          <a:solidFill>
+            <a:schemeClr val="tx2"/>
+          </a:solidFill>
+        </a:defRPr>
+      </a:lvl4pPr>
+      <a:lvl5pPr eaLnBrk="1" hangingPunct="1">
+        <a:defRPr>
+          <a:solidFill>
+            <a:schemeClr val="tx2"/>
+          </a:solidFill>
+        </a:defRPr>
+      </a:lvl5pPr>
+      <a:lvl6pPr eaLnBrk="1" hangingPunct="1">
+        <a:defRPr>
+          <a:solidFill>
+            <a:schemeClr val="tx2"/>
+          </a:solidFill>
+        </a:defRPr>
+      </a:lvl6pPr>
+      <a:lvl7pPr eaLnBrk="1" hangingPunct="1">
+        <a:defRPr>
+          <a:solidFill>
+            <a:schemeClr val="tx2"/>
+          </a:solidFill>
+        </a:defRPr>
+      </a:lvl7pPr>
+      <a:lvl8pPr eaLnBrk="1" hangingPunct="1">
+        <a:defRPr>
+          <a:solidFill>
+            <a:schemeClr val="tx2"/>
+          </a:solidFill>
+        </a:defRPr>
+      </a:lvl8pPr>
+      <a:lvl9pPr eaLnBrk="1" hangingPunct="1">
+        <a:defRPr>
+          <a:solidFill>
+            <a:schemeClr val="tx2"/>
+          </a:solidFill>
+        </a:defRPr>
+      </a:lvl9pPr>
     </p:titleStyle>
     <p:bodyStyle>
-      <a:lvl1pPr marL="228600" indent="-228600" algn="l" defTabSz="914400" rtl="0" eaLnBrk="1" latinLnBrk="0" hangingPunct="1">
-        <a:lnSpc>
-          <a:spcPct val="90000"/>
-        </a:lnSpc>
+      <a:lvl1pPr marL="342900" indent="-342900" algn="l" defTabSz="457200" rtl="0" eaLnBrk="1" latinLnBrk="0" hangingPunct="1">
         <a:spcBef>
           <a:spcPts val="1000"/>
         </a:spcBef>
-        <a:buFont typeface="Arial" panose="020B0604020202020204" pitchFamily="34" charset="0"/>
-        <a:buChar char="•"/>
-        <a:defRPr sz="2800" kern="1200">
+        <a:spcAft>
+          <a:spcPts val="0"/>
+        </a:spcAft>
+        <a:buClr>
+          <a:schemeClr val="accent1"/>
+        </a:buClr>
+        <a:buFont typeface="Wingdings 3" charset="2"/>
+        <a:buChar char=""/>
+        <a:defRPr sz="1800" kern="1200">
           <a:solidFill>
-            <a:schemeClr val="tx1"/>
+            <a:schemeClr val="tx1">
+              <a:lumMod val="75000"/>
+              <a:lumOff val="25000"/>
+            </a:schemeClr>
           </a:solidFill>
           <a:latin typeface="+mn-lt"/>
           <a:ea typeface="+mn-ea"/>
           <a:cs typeface="+mn-cs"/>
         </a:defRPr>
       </a:lvl1pPr>
-      <a:lvl2pPr marL="685800" indent="-228600" algn="l" defTabSz="914400" rtl="0" eaLnBrk="1" latinLnBrk="0" hangingPunct="1">
-        <a:lnSpc>
-          <a:spcPct val="90000"/>
-        </a:lnSpc>
+      <a:lvl2pPr marL="742950" indent="-285750" algn="l" defTabSz="457200" rtl="0" eaLnBrk="1" latinLnBrk="0" hangingPunct="1">
         <a:spcBef>
-          <a:spcPts val="500"/>
+          <a:spcPts val="1000"/>
         </a:spcBef>
-        <a:buFont typeface="Arial" panose="020B0604020202020204" pitchFamily="34" charset="0"/>
-        <a:buChar char="•"/>
-        <a:defRPr sz="2400" kern="1200">
+        <a:spcAft>
+          <a:spcPts val="0"/>
+        </a:spcAft>
+        <a:buClr>
+          <a:schemeClr val="accent1"/>
+        </a:buClr>
+        <a:buFont typeface="Wingdings 3" charset="2"/>
+        <a:buChar char=""/>
+        <a:defRPr sz="1600" kern="1200">
           <a:solidFill>
-            <a:schemeClr val="tx1"/>
+            <a:schemeClr val="tx1">
+              <a:lumMod val="75000"/>
+              <a:lumOff val="25000"/>
+            </a:schemeClr>
           </a:solidFill>
           <a:latin typeface="+mn-lt"/>
           <a:ea typeface="+mn-ea"/>
           <a:cs typeface="+mn-cs"/>
         </a:defRPr>
       </a:lvl2pPr>
-      <a:lvl3pPr marL="1143000" indent="-228600" algn="l" defTabSz="914400" rtl="0" eaLnBrk="1" latinLnBrk="0" hangingPunct="1">
-        <a:lnSpc>
-          <a:spcPct val="90000"/>
-        </a:lnSpc>
+      <a:lvl3pPr marL="1143000" indent="-228600" algn="l" defTabSz="457200" rtl="0" eaLnBrk="1" latinLnBrk="0" hangingPunct="1">
         <a:spcBef>
-          <a:spcPts val="500"/>
+          <a:spcPts val="1000"/>
         </a:spcBef>
-        <a:buFont typeface="Arial" panose="020B0604020202020204" pitchFamily="34" charset="0"/>
-        <a:buChar char="•"/>
-        <a:defRPr sz="2000" kern="1200">
+        <a:spcAft>
+          <a:spcPts val="0"/>
+        </a:spcAft>
+        <a:buClr>
+          <a:schemeClr val="accent1"/>
+        </a:buClr>
+        <a:buFont typeface="Wingdings 3" charset="2"/>
+        <a:buChar char=""/>
+        <a:defRPr sz="1400" kern="1200">
           <a:solidFill>
-            <a:schemeClr val="tx1"/>
+            <a:schemeClr val="tx1">
+              <a:lumMod val="75000"/>
+              <a:lumOff val="25000"/>
+            </a:schemeClr>
           </a:solidFill>
           <a:latin typeface="+mn-lt"/>
           <a:ea typeface="+mn-ea"/>
           <a:cs typeface="+mn-cs"/>
         </a:defRPr>
       </a:lvl3pPr>
-      <a:lvl4pPr marL="1600200" indent="-228600" algn="l" defTabSz="914400" rtl="0" eaLnBrk="1" latinLnBrk="0" hangingPunct="1">
-        <a:lnSpc>
-          <a:spcPct val="90000"/>
-        </a:lnSpc>
+      <a:lvl4pPr marL="1600200" indent="-228600" algn="l" defTabSz="457200" rtl="0" eaLnBrk="1" latinLnBrk="0" hangingPunct="1">
         <a:spcBef>
-          <a:spcPts val="500"/>
+          <a:spcPts val="1000"/>
         </a:spcBef>
-        <a:buFont typeface="Arial" panose="020B0604020202020204" pitchFamily="34" charset="0"/>
-        <a:buChar char="•"/>
-        <a:defRPr sz="1800" kern="1200">
+        <a:spcAft>
+          <a:spcPts val="0"/>
+        </a:spcAft>
+        <a:buClr>
+          <a:schemeClr val="accent1"/>
+        </a:buClr>
+        <a:buFont typeface="Wingdings 3" charset="2"/>
+        <a:buChar char=""/>
+        <a:defRPr sz="1200" kern="1200">
           <a:solidFill>
-            <a:schemeClr val="tx1"/>
+            <a:schemeClr val="tx1">
+              <a:lumMod val="75000"/>
+              <a:lumOff val="25000"/>
+            </a:schemeClr>
           </a:solidFill>
           <a:latin typeface="+mn-lt"/>
           <a:ea typeface="+mn-ea"/>
           <a:cs typeface="+mn-cs"/>
         </a:defRPr>
       </a:lvl4pPr>
-      <a:lvl5pPr marL="2057400" indent="-228600" algn="l" defTabSz="914400" rtl="0" eaLnBrk="1" latinLnBrk="0" hangingPunct="1">
-        <a:lnSpc>
-          <a:spcPct val="90000"/>
-        </a:lnSpc>
+      <a:lvl5pPr marL="2057400" indent="-228600" algn="l" defTabSz="457200" rtl="0" eaLnBrk="1" latinLnBrk="0" hangingPunct="1">
         <a:spcBef>
-          <a:spcPts val="500"/>
+          <a:spcPts val="1000"/>
         </a:spcBef>
-        <a:buFont typeface="Arial" panose="020B0604020202020204" pitchFamily="34" charset="0"/>
-        <a:buChar char="•"/>
-        <a:defRPr sz="1800" kern="1200">
+        <a:spcAft>
+          <a:spcPts val="0"/>
+        </a:spcAft>
+        <a:buClr>
+          <a:schemeClr val="accent1"/>
+        </a:buClr>
+        <a:buFont typeface="Wingdings 3" charset="2"/>
+        <a:buChar char=""/>
+        <a:defRPr sz="1200" kern="1200">
           <a:solidFill>
-            <a:schemeClr val="tx1"/>
+            <a:schemeClr val="tx1">
+              <a:lumMod val="75000"/>
+              <a:lumOff val="25000"/>
+            </a:schemeClr>
           </a:solidFill>
           <a:latin typeface="+mn-lt"/>
           <a:ea typeface="+mn-ea"/>
           <a:cs typeface="+mn-cs"/>
         </a:defRPr>
       </a:lvl5pPr>
-      <a:lvl6pPr marL="2514600" indent="-228600" algn="l" defTabSz="914400" rtl="0" eaLnBrk="1" latinLnBrk="0" hangingPunct="1">
-        <a:lnSpc>
-          <a:spcPct val="90000"/>
-        </a:lnSpc>
+      <a:lvl6pPr marL="2514600" indent="-228600" algn="l" defTabSz="457200" rtl="0" eaLnBrk="1" latinLnBrk="0" hangingPunct="1">
         <a:spcBef>
-          <a:spcPts val="500"/>
+          <a:spcPts val="1000"/>
         </a:spcBef>
-        <a:buFont typeface="Arial" panose="020B0604020202020204" pitchFamily="34" charset="0"/>
-        <a:buChar char="•"/>
-        <a:defRPr sz="1800" kern="1200">
+        <a:spcAft>
+          <a:spcPts val="0"/>
+        </a:spcAft>
+        <a:buClr>
+          <a:schemeClr val="accent1"/>
+        </a:buClr>
+        <a:buFont typeface="Wingdings 3" charset="2"/>
+        <a:buChar char=""/>
+        <a:defRPr sz="1200" kern="1200">
           <a:solidFill>
-            <a:schemeClr val="tx1"/>
+            <a:schemeClr val="tx1">
+              <a:lumMod val="75000"/>
+              <a:lumOff val="25000"/>
+            </a:schemeClr>
           </a:solidFill>
           <a:latin typeface="+mn-lt"/>
           <a:ea typeface="+mn-ea"/>
           <a:cs typeface="+mn-cs"/>
         </a:defRPr>
       </a:lvl6pPr>
-      <a:lvl7pPr marL="2971800" indent="-228600" algn="l" defTabSz="914400" rtl="0" eaLnBrk="1" latinLnBrk="0" hangingPunct="1">
-        <a:lnSpc>
-          <a:spcPct val="90000"/>
-        </a:lnSpc>
+      <a:lvl7pPr marL="2971800" indent="-228600" algn="l" defTabSz="457200" rtl="0" eaLnBrk="1" latinLnBrk="0" hangingPunct="1">
         <a:spcBef>
-          <a:spcPts val="500"/>
+          <a:spcPts val="1000"/>
         </a:spcBef>
-        <a:buFont typeface="Arial" panose="020B0604020202020204" pitchFamily="34" charset="0"/>
-        <a:buChar char="•"/>
-        <a:defRPr sz="1800" kern="1200">
+        <a:spcAft>
+          <a:spcPts val="0"/>
+        </a:spcAft>
+        <a:buClr>
+          <a:schemeClr val="accent1"/>
+        </a:buClr>
+        <a:buFont typeface="Wingdings 3" charset="2"/>
+        <a:buChar char=""/>
+        <a:defRPr sz="1200" kern="1200">
           <a:solidFill>
-            <a:schemeClr val="tx1"/>
+            <a:schemeClr val="tx1">
+              <a:lumMod val="75000"/>
+              <a:lumOff val="25000"/>
+            </a:schemeClr>
           </a:solidFill>
           <a:latin typeface="+mn-lt"/>
           <a:ea typeface="+mn-ea"/>
           <a:cs typeface="+mn-cs"/>
         </a:defRPr>
       </a:lvl7pPr>
-      <a:lvl8pPr marL="3429000" indent="-228600" algn="l" defTabSz="914400" rtl="0" eaLnBrk="1" latinLnBrk="0" hangingPunct="1">
-        <a:lnSpc>
-          <a:spcPct val="90000"/>
-        </a:lnSpc>
+      <a:lvl8pPr marL="3429000" indent="-228600" algn="l" defTabSz="457200" rtl="0" eaLnBrk="1" latinLnBrk="0" hangingPunct="1">
         <a:spcBef>
-          <a:spcPts val="500"/>
+          <a:spcPts val="1000"/>
         </a:spcBef>
-        <a:buFont typeface="Arial" panose="020B0604020202020204" pitchFamily="34" charset="0"/>
-        <a:buChar char="•"/>
-        <a:defRPr sz="1800" kern="1200">
+        <a:spcAft>
+          <a:spcPts val="0"/>
+        </a:spcAft>
+        <a:buClr>
+          <a:schemeClr val="accent1"/>
+        </a:buClr>
+        <a:buFont typeface="Wingdings 3" charset="2"/>
+        <a:buChar char=""/>
+        <a:defRPr sz="1200" kern="1200">
           <a:solidFill>
-            <a:schemeClr val="tx1"/>
+            <a:schemeClr val="tx1">
+              <a:lumMod val="75000"/>
+              <a:lumOff val="25000"/>
+            </a:schemeClr>
           </a:solidFill>
           <a:latin typeface="+mn-lt"/>
           <a:ea typeface="+mn-ea"/>
           <a:cs typeface="+mn-cs"/>
         </a:defRPr>
       </a:lvl8pPr>
-      <a:lvl9pPr marL="3886200" indent="-228600" algn="l" defTabSz="914400" rtl="0" eaLnBrk="1" latinLnBrk="0" hangingPunct="1">
-        <a:lnSpc>
-          <a:spcPct val="90000"/>
-        </a:lnSpc>
+      <a:lvl9pPr marL="3886200" indent="-228600" algn="l" defTabSz="457200" rtl="0" eaLnBrk="1" latinLnBrk="0" hangingPunct="1">
         <a:spcBef>
-          <a:spcPts val="500"/>
+          <a:spcPts val="1000"/>
         </a:spcBef>
-        <a:buFont typeface="Arial" panose="020B0604020202020204" pitchFamily="34" charset="0"/>
-        <a:buChar char="•"/>
-        <a:defRPr sz="1800" kern="1200">
+        <a:spcAft>
+          <a:spcPts val="0"/>
+        </a:spcAft>
+        <a:buClr>
+          <a:schemeClr val="accent1"/>
+        </a:buClr>
+        <a:buFont typeface="Wingdings 3" charset="2"/>
+        <a:buChar char=""/>
+        <a:defRPr sz="1200" kern="1200">
           <a:solidFill>
-            <a:schemeClr val="tx1"/>
+            <a:schemeClr val="tx1">
+              <a:lumMod val="75000"/>
+              <a:lumOff val="25000"/>
+            </a:schemeClr>
           </a:solidFill>
           <a:latin typeface="+mn-lt"/>
           <a:ea typeface="+mn-ea"/>
@@ -2852,7 +7569,7 @@
       <a:defPPr>
         <a:defRPr lang="en-US"/>
       </a:defPPr>
-      <a:lvl1pPr marL="0" algn="l" defTabSz="914400" rtl="0" eaLnBrk="1" latinLnBrk="0" hangingPunct="1">
+      <a:lvl1pPr marL="0" algn="l" defTabSz="457200" rtl="0" eaLnBrk="1" latinLnBrk="0" hangingPunct="1">
         <a:defRPr sz="1800" kern="1200">
           <a:solidFill>
             <a:schemeClr val="tx1"/>
@@ -2862,7 +7579,7 @@
           <a:cs typeface="+mn-cs"/>
         </a:defRPr>
       </a:lvl1pPr>
-      <a:lvl2pPr marL="457200" algn="l" defTabSz="914400" rtl="0" eaLnBrk="1" latinLnBrk="0" hangingPunct="1">
+      <a:lvl2pPr marL="457200" algn="l" defTabSz="457200" rtl="0" eaLnBrk="1" latinLnBrk="0" hangingPunct="1">
         <a:defRPr sz="1800" kern="1200">
           <a:solidFill>
             <a:schemeClr val="tx1"/>
@@ -2872,7 +7589,7 @@
           <a:cs typeface="+mn-cs"/>
         </a:defRPr>
       </a:lvl2pPr>
-      <a:lvl3pPr marL="914400" algn="l" defTabSz="914400" rtl="0" eaLnBrk="1" latinLnBrk="0" hangingPunct="1">
+      <a:lvl3pPr marL="914400" algn="l" defTabSz="457200" rtl="0" eaLnBrk="1" latinLnBrk="0" hangingPunct="1">
         <a:defRPr sz="1800" kern="1200">
           <a:solidFill>
             <a:schemeClr val="tx1"/>
@@ -2882,7 +7599,7 @@
           <a:cs typeface="+mn-cs"/>
         </a:defRPr>
       </a:lvl3pPr>
-      <a:lvl4pPr marL="1371600" algn="l" defTabSz="914400" rtl="0" eaLnBrk="1" latinLnBrk="0" hangingPunct="1">
+      <a:lvl4pPr marL="1371600" algn="l" defTabSz="457200" rtl="0" eaLnBrk="1" latinLnBrk="0" hangingPunct="1">
         <a:defRPr sz="1800" kern="1200">
           <a:solidFill>
             <a:schemeClr val="tx1"/>
@@ -2892,7 +7609,7 @@
           <a:cs typeface="+mn-cs"/>
         </a:defRPr>
       </a:lvl4pPr>
-      <a:lvl5pPr marL="1828800" algn="l" defTabSz="914400" rtl="0" eaLnBrk="1" latinLnBrk="0" hangingPunct="1">
+      <a:lvl5pPr marL="1828800" algn="l" defTabSz="457200" rtl="0" eaLnBrk="1" latinLnBrk="0" hangingPunct="1">
         <a:defRPr sz="1800" kern="1200">
           <a:solidFill>
             <a:schemeClr val="tx1"/>
@@ -2902,7 +7619,7 @@
           <a:cs typeface="+mn-cs"/>
         </a:defRPr>
       </a:lvl5pPr>
-      <a:lvl6pPr marL="2286000" algn="l" defTabSz="914400" rtl="0" eaLnBrk="1" latinLnBrk="0" hangingPunct="1">
+      <a:lvl6pPr marL="2286000" algn="l" defTabSz="457200" rtl="0" eaLnBrk="1" latinLnBrk="0" hangingPunct="1">
         <a:defRPr sz="1800" kern="1200">
           <a:solidFill>
             <a:schemeClr val="tx1"/>
@@ -2912,7 +7629,7 @@
           <a:cs typeface="+mn-cs"/>
         </a:defRPr>
       </a:lvl6pPr>
-      <a:lvl7pPr marL="2743200" algn="l" defTabSz="914400" rtl="0" eaLnBrk="1" latinLnBrk="0" hangingPunct="1">
+      <a:lvl7pPr marL="2743200" algn="l" defTabSz="457200" rtl="0" eaLnBrk="1" latinLnBrk="0" hangingPunct="1">
         <a:defRPr sz="1800" kern="1200">
           <a:solidFill>
             <a:schemeClr val="tx1"/>
@@ -2922,7 +7639,7 @@
           <a:cs typeface="+mn-cs"/>
         </a:defRPr>
       </a:lvl7pPr>
-      <a:lvl8pPr marL="3200400" algn="l" defTabSz="914400" rtl="0" eaLnBrk="1" latinLnBrk="0" hangingPunct="1">
+      <a:lvl8pPr marL="3200400" algn="l" defTabSz="457200" rtl="0" eaLnBrk="1" latinLnBrk="0" hangingPunct="1">
         <a:defRPr sz="1800" kern="1200">
           <a:solidFill>
             <a:schemeClr val="tx1"/>
@@ -2932,7 +7649,7 @@
           <a:cs typeface="+mn-cs"/>
         </a:defRPr>
       </a:lvl8pPr>
-      <a:lvl9pPr marL="3657600" algn="l" defTabSz="914400" rtl="0" eaLnBrk="1" latinLnBrk="0" hangingPunct="1">
+      <a:lvl9pPr marL="3657600" algn="l" defTabSz="457200" rtl="0" eaLnBrk="1" latinLnBrk="0" hangingPunct="1">
         <a:defRPr sz="1800" kern="1200">
           <a:solidFill>
             <a:schemeClr val="tx1"/>
@@ -2966,39 +7683,77 @@
       </p:grpSpPr>
       <p:sp>
         <p:nvSpPr>
-          <p:cNvPr id="2" name="Title 1"/>
-          <p:cNvSpPr>
-            <a:spLocks noGrp="1"/>
-          </p:cNvSpPr>
-          <p:nvPr>
-            <p:ph type="ctrTitle"/>
-          </p:nvPr>
-        </p:nvSpPr>
-        <p:spPr/>
-        <p:txBody>
-          <a:bodyPr/>
+          <p:cNvPr id="4" name="TextBox 3"/>
+          <p:cNvSpPr txBox="1"/>
+          <p:nvPr/>
+        </p:nvSpPr>
+        <p:spPr>
+          <a:xfrm>
+            <a:off x="641838" y="237393"/>
+            <a:ext cx="11550162" cy="1569660"/>
+          </a:xfrm>
+          <a:prstGeom prst="rect">
+            <a:avLst/>
+          </a:prstGeom>
+          <a:noFill/>
+        </p:spPr>
+        <p:txBody>
+          <a:bodyPr wrap="square" rtlCol="0">
+            <a:spAutoFit/>
+          </a:bodyPr>
           <a:lstStyle/>
           <a:p>
-            <a:endParaRPr lang="en-US"/>
-          </a:p>
-        </p:txBody>
-      </p:sp>
-      <p:sp>
-        <p:nvSpPr>
-          <p:cNvPr id="3" name="Subtitle 2"/>
-          <p:cNvSpPr>
-            <a:spLocks noGrp="1"/>
-          </p:cNvSpPr>
-          <p:nvPr>
-            <p:ph type="subTitle" idx="1"/>
-          </p:nvPr>
-        </p:nvSpPr>
-        <p:spPr/>
-        <p:txBody>
-          <a:bodyPr/>
+            <a:pPr algn="ctr"/>
+            <a:r>
+              <a:rPr lang="fr-FR" sz="2400" b="1" dirty="0" smtClean="0"/>
+              <a:t>Projet 8</a:t>
+            </a:r>
+          </a:p>
+          <a:p>
+            <a:pPr algn="ctr"/>
+            <a:endParaRPr lang="fr-FR" sz="2400" b="1" dirty="0"/>
+          </a:p>
+          <a:p>
+            <a:pPr algn="ctr"/>
+            <a:r>
+              <a:rPr lang="fr-FR" sz="2400" b="1" dirty="0"/>
+              <a:t>Reprenez et améliorez un projet existant</a:t>
+            </a:r>
+          </a:p>
+          <a:p>
+            <a:pPr algn="ctr"/>
+            <a:endParaRPr lang="en-US" sz="2400" b="1" dirty="0"/>
+          </a:p>
+        </p:txBody>
+      </p:sp>
+      <p:sp>
+        <p:nvSpPr>
+          <p:cNvPr id="5" name="TextBox 4"/>
+          <p:cNvSpPr txBox="1"/>
+          <p:nvPr/>
+        </p:nvSpPr>
+        <p:spPr>
+          <a:xfrm>
+            <a:off x="8525608" y="6394939"/>
+            <a:ext cx="3666392" cy="369332"/>
+          </a:xfrm>
+          <a:prstGeom prst="rect">
+            <a:avLst/>
+          </a:prstGeom>
+          <a:noFill/>
+        </p:spPr>
+        <p:txBody>
+          <a:bodyPr wrap="square" rtlCol="0">
+            <a:spAutoFit/>
+          </a:bodyPr>
           <a:lstStyle/>
           <a:p>
-            <a:endParaRPr lang="en-US"/>
+            <a:pPr algn="ctr"/>
+            <a:r>
+              <a:rPr lang="fr-FR" b="1" dirty="0" smtClean="0"/>
+              <a:t>Grégory Huyghe – 17/07/2019</a:t>
+            </a:r>
+            <a:endParaRPr lang="en-US" b="1" dirty="0"/>
           </a:p>
         </p:txBody>
       </p:sp>
@@ -3015,10 +7770,1363 @@
 </p:sld>
 </file>
 
+<file path=ppt/slides/slide2.xml><?xml version="1.0" encoding="utf-8"?>
+<p:sld xmlns:a="http://schemas.openxmlformats.org/drawingml/2006/main" xmlns:r="http://schemas.openxmlformats.org/officeDocument/2006/relationships" xmlns:p="http://schemas.openxmlformats.org/presentationml/2006/main">
+  <p:cSld>
+    <p:spTree>
+      <p:nvGrpSpPr>
+        <p:cNvPr id="1" name=""/>
+        <p:cNvGrpSpPr/>
+        <p:nvPr/>
+      </p:nvGrpSpPr>
+      <p:grpSpPr>
+        <a:xfrm>
+          <a:off x="0" y="0"/>
+          <a:ext cx="0" cy="0"/>
+          <a:chOff x="0" y="0"/>
+          <a:chExt cx="0" cy="0"/>
+        </a:xfrm>
+      </p:grpSpPr>
+      <p:sp>
+        <p:nvSpPr>
+          <p:cNvPr id="4" name="TextBox 3"/>
+          <p:cNvSpPr txBox="1"/>
+          <p:nvPr/>
+        </p:nvSpPr>
+        <p:spPr>
+          <a:xfrm>
+            <a:off x="175845" y="764931"/>
+            <a:ext cx="1169377" cy="400110"/>
+          </a:xfrm>
+          <a:prstGeom prst="rect">
+            <a:avLst/>
+          </a:prstGeom>
+          <a:noFill/>
+        </p:spPr>
+        <p:txBody>
+          <a:bodyPr wrap="square" rtlCol="0">
+            <a:spAutoFit/>
+          </a:bodyPr>
+          <a:lstStyle/>
+          <a:p>
+            <a:pPr algn="ctr"/>
+            <a:r>
+              <a:rPr lang="fr-FR" sz="2000" dirty="0" smtClean="0">
+                <a:solidFill>
+                  <a:schemeClr val="bg1"/>
+                </a:solidFill>
+              </a:rPr>
+              <a:t>Projet</a:t>
+            </a:r>
+            <a:endParaRPr lang="en-US" sz="2000" dirty="0">
+              <a:solidFill>
+                <a:schemeClr val="bg1"/>
+              </a:solidFill>
+            </a:endParaRPr>
+          </a:p>
+        </p:txBody>
+      </p:sp>
+      <p:sp>
+        <p:nvSpPr>
+          <p:cNvPr id="5" name="TextBox 4"/>
+          <p:cNvSpPr txBox="1"/>
+          <p:nvPr/>
+        </p:nvSpPr>
+        <p:spPr>
+          <a:xfrm>
+            <a:off x="3217985" y="1397977"/>
+            <a:ext cx="8642838" cy="4247317"/>
+          </a:xfrm>
+          <a:prstGeom prst="rect">
+            <a:avLst/>
+          </a:prstGeom>
+          <a:noFill/>
+        </p:spPr>
+        <p:txBody>
+          <a:bodyPr wrap="square" rtlCol="0">
+            <a:spAutoFit/>
+          </a:bodyPr>
+          <a:lstStyle/>
+          <a:p>
+            <a:pPr marL="285750" indent="-285750" algn="just">
+              <a:buFont typeface="Courier New" panose="02070309020205020404" pitchFamily="49" charset="0"/>
+              <a:buChar char="o"/>
+            </a:pPr>
+            <a:r>
+              <a:rPr lang="fr-FR" dirty="0" smtClean="0"/>
+              <a:t>Reprise d’un travail existant, une application </a:t>
+            </a:r>
+            <a:r>
+              <a:rPr lang="fr-FR" dirty="0" err="1" smtClean="0"/>
+              <a:t>Todo</a:t>
+            </a:r>
+            <a:r>
+              <a:rPr lang="fr-FR" dirty="0" smtClean="0"/>
+              <a:t> List</a:t>
+            </a:r>
+          </a:p>
+          <a:p>
+            <a:pPr marL="285750" indent="-285750" algn="just">
+              <a:buFont typeface="Courier New" panose="02070309020205020404" pitchFamily="49" charset="0"/>
+              <a:buChar char="o"/>
+            </a:pPr>
+            <a:endParaRPr lang="fr-FR" dirty="0" smtClean="0"/>
+          </a:p>
+          <a:p>
+            <a:pPr marL="285750" indent="-285750" algn="just">
+              <a:buFont typeface="Courier New" panose="02070309020205020404" pitchFamily="49" charset="0"/>
+              <a:buChar char="o"/>
+            </a:pPr>
+            <a:endParaRPr lang="fr-FR" dirty="0"/>
+          </a:p>
+          <a:p>
+            <a:pPr marL="285750" indent="-285750" algn="just">
+              <a:buFont typeface="Courier New" panose="02070309020205020404" pitchFamily="49" charset="0"/>
+              <a:buChar char="o"/>
+            </a:pPr>
+            <a:r>
+              <a:rPr lang="fr-FR" i="1" dirty="0" smtClean="0"/>
+              <a:t>Etape 1</a:t>
+            </a:r>
+          </a:p>
+          <a:p>
+            <a:pPr algn="just"/>
+            <a:r>
+              <a:rPr lang="fr-FR" dirty="0" smtClean="0"/>
+              <a:t>Analyse du projet puis corrections des bugs</a:t>
+            </a:r>
+          </a:p>
+          <a:p>
+            <a:pPr algn="just"/>
+            <a:endParaRPr lang="fr-FR" dirty="0"/>
+          </a:p>
+          <a:p>
+            <a:pPr marL="285750" indent="-285750" algn="just">
+              <a:buFont typeface="Courier New" panose="02070309020205020404" pitchFamily="49" charset="0"/>
+              <a:buChar char="o"/>
+            </a:pPr>
+            <a:r>
+              <a:rPr lang="fr-FR" i="1" dirty="0" smtClean="0"/>
+              <a:t>Etape 2</a:t>
+            </a:r>
+          </a:p>
+          <a:p>
+            <a:pPr algn="just"/>
+            <a:r>
+              <a:rPr lang="fr-FR" dirty="0" smtClean="0"/>
+              <a:t>Intégration de tests pour solidifier le projet</a:t>
+            </a:r>
+          </a:p>
+          <a:p>
+            <a:pPr algn="just"/>
+            <a:endParaRPr lang="fr-FR" dirty="0"/>
+          </a:p>
+          <a:p>
+            <a:pPr marL="285750" indent="-285750" algn="just">
+              <a:buFont typeface="Courier New" panose="02070309020205020404" pitchFamily="49" charset="0"/>
+              <a:buChar char="o"/>
+            </a:pPr>
+            <a:r>
+              <a:rPr lang="fr-FR" i="1" dirty="0" smtClean="0"/>
+              <a:t>Etape 3</a:t>
+            </a:r>
+          </a:p>
+          <a:p>
+            <a:pPr algn="just"/>
+            <a:r>
+              <a:rPr lang="fr-FR" dirty="0" smtClean="0"/>
+              <a:t>Analyse </a:t>
+            </a:r>
+            <a:r>
+              <a:rPr lang="fr-FR" dirty="0"/>
+              <a:t>des performances d’un concurrent pour comparer à son </a:t>
+            </a:r>
+            <a:r>
+              <a:rPr lang="fr-FR" dirty="0" err="1" smtClean="0"/>
+              <a:t>app</a:t>
+            </a:r>
+            <a:endParaRPr lang="fr-FR" dirty="0" smtClean="0"/>
+          </a:p>
+          <a:p>
+            <a:pPr algn="just"/>
+            <a:endParaRPr lang="fr-FR" dirty="0"/>
+          </a:p>
+          <a:p>
+            <a:pPr marL="285750" indent="-285750" algn="just">
+              <a:buFont typeface="Courier New" panose="02070309020205020404" pitchFamily="49" charset="0"/>
+              <a:buChar char="o"/>
+            </a:pPr>
+            <a:r>
+              <a:rPr lang="fr-FR" i="1" dirty="0" smtClean="0"/>
+              <a:t>Etape 4</a:t>
+            </a:r>
+          </a:p>
+          <a:p>
+            <a:pPr algn="just"/>
+            <a:r>
+              <a:rPr lang="fr-FR" dirty="0" smtClean="0"/>
+              <a:t>Documenter le projet, pour l’utilisateur et d’autres développeurs</a:t>
+            </a:r>
+            <a:endParaRPr lang="fr-FR" dirty="0"/>
+          </a:p>
+          <a:p>
+            <a:pPr marL="285750" indent="-285750" algn="just">
+              <a:buFont typeface="Courier New" panose="02070309020205020404" pitchFamily="49" charset="0"/>
+              <a:buChar char="o"/>
+            </a:pPr>
+            <a:endParaRPr lang="en-US" dirty="0"/>
+          </a:p>
+        </p:txBody>
+      </p:sp>
+    </p:spTree>
+    <p:extLst>
+      <p:ext uri="{BB962C8B-B14F-4D97-AF65-F5344CB8AC3E}">
+        <p14:creationId xmlns:p14="http://schemas.microsoft.com/office/powerpoint/2010/main" val="405894040"/>
+      </p:ext>
+    </p:extLst>
+  </p:cSld>
+  <p:clrMapOvr>
+    <a:masterClrMapping/>
+  </p:clrMapOvr>
+</p:sld>
+</file>
+
+<file path=ppt/slides/slide3.xml><?xml version="1.0" encoding="utf-8"?>
+<p:sld xmlns:a="http://schemas.openxmlformats.org/drawingml/2006/main" xmlns:r="http://schemas.openxmlformats.org/officeDocument/2006/relationships" xmlns:p="http://schemas.openxmlformats.org/presentationml/2006/main">
+  <p:cSld>
+    <p:spTree>
+      <p:nvGrpSpPr>
+        <p:cNvPr id="1" name=""/>
+        <p:cNvGrpSpPr/>
+        <p:nvPr/>
+      </p:nvGrpSpPr>
+      <p:grpSpPr>
+        <a:xfrm>
+          <a:off x="0" y="0"/>
+          <a:ext cx="0" cy="0"/>
+          <a:chOff x="0" y="0"/>
+          <a:chExt cx="0" cy="0"/>
+        </a:xfrm>
+      </p:grpSpPr>
+      <p:sp>
+        <p:nvSpPr>
+          <p:cNvPr id="4" name="TextBox 3"/>
+          <p:cNvSpPr txBox="1"/>
+          <p:nvPr/>
+        </p:nvSpPr>
+        <p:spPr>
+          <a:xfrm>
+            <a:off x="175845" y="764931"/>
+            <a:ext cx="1169377" cy="400110"/>
+          </a:xfrm>
+          <a:prstGeom prst="rect">
+            <a:avLst/>
+          </a:prstGeom>
+          <a:noFill/>
+        </p:spPr>
+        <p:txBody>
+          <a:bodyPr wrap="square" rtlCol="0">
+            <a:spAutoFit/>
+          </a:bodyPr>
+          <a:lstStyle/>
+          <a:p>
+            <a:pPr algn="ctr"/>
+            <a:r>
+              <a:rPr lang="fr-FR" sz="2000" dirty="0" smtClean="0">
+                <a:solidFill>
+                  <a:schemeClr val="bg1"/>
+                </a:solidFill>
+              </a:rPr>
+              <a:t>Etape 1</a:t>
+            </a:r>
+            <a:endParaRPr lang="en-US" sz="2000" dirty="0">
+              <a:solidFill>
+                <a:schemeClr val="bg1"/>
+              </a:solidFill>
+            </a:endParaRPr>
+          </a:p>
+        </p:txBody>
+      </p:sp>
+      <p:sp>
+        <p:nvSpPr>
+          <p:cNvPr id="6" name="TextBox 5"/>
+          <p:cNvSpPr txBox="1"/>
+          <p:nvPr/>
+        </p:nvSpPr>
+        <p:spPr>
+          <a:xfrm>
+            <a:off x="641838" y="237393"/>
+            <a:ext cx="11550162" cy="646331"/>
+          </a:xfrm>
+          <a:prstGeom prst="rect">
+            <a:avLst/>
+          </a:prstGeom>
+          <a:noFill/>
+        </p:spPr>
+        <p:txBody>
+          <a:bodyPr wrap="square" rtlCol="0">
+            <a:spAutoFit/>
+          </a:bodyPr>
+          <a:lstStyle/>
+          <a:p>
+            <a:pPr algn="ctr"/>
+            <a:r>
+              <a:rPr lang="fr-FR" b="1" dirty="0" smtClean="0"/>
+              <a:t>Analyse </a:t>
+            </a:r>
+            <a:r>
+              <a:rPr lang="fr-FR" b="1" dirty="0"/>
+              <a:t>du projet puis corrections des bugs</a:t>
+            </a:r>
+          </a:p>
+          <a:p>
+            <a:pPr algn="ctr"/>
+            <a:endParaRPr lang="en-US" b="1" dirty="0"/>
+          </a:p>
+        </p:txBody>
+      </p:sp>
+      <p:sp>
+        <p:nvSpPr>
+          <p:cNvPr id="7" name="TextBox 6"/>
+          <p:cNvSpPr txBox="1"/>
+          <p:nvPr/>
+        </p:nvSpPr>
+        <p:spPr>
+          <a:xfrm>
+            <a:off x="3217985" y="1397977"/>
+            <a:ext cx="8642838" cy="5509200"/>
+          </a:xfrm>
+          <a:prstGeom prst="rect">
+            <a:avLst/>
+          </a:prstGeom>
+          <a:noFill/>
+        </p:spPr>
+        <p:txBody>
+          <a:bodyPr wrap="square" rtlCol="0">
+            <a:spAutoFit/>
+          </a:bodyPr>
+          <a:lstStyle/>
+          <a:p>
+            <a:pPr marL="285750" indent="-285750" algn="just">
+              <a:buFont typeface="Courier New" panose="02070309020205020404" pitchFamily="49" charset="0"/>
+              <a:buChar char="o"/>
+            </a:pPr>
+            <a:r>
+              <a:rPr lang="fr-FR" sz="1600" i="1" dirty="0" smtClean="0"/>
+              <a:t>Ligne 97 controller.js</a:t>
+            </a:r>
+          </a:p>
+          <a:p>
+            <a:pPr algn="just"/>
+            <a:r>
+              <a:rPr lang="fr-FR" sz="1600" dirty="0" err="1"/>
+              <a:t>Controller.prototype.adddItem</a:t>
+            </a:r>
+            <a:r>
+              <a:rPr lang="fr-FR" sz="1600" dirty="0"/>
+              <a:t> au lieu de </a:t>
+            </a:r>
+            <a:r>
+              <a:rPr lang="fr-FR" sz="1600" dirty="0" err="1" smtClean="0"/>
+              <a:t>Controller.prototype.addItem</a:t>
+            </a:r>
+            <a:endParaRPr lang="fr-FR" sz="1600" dirty="0" smtClean="0"/>
+          </a:p>
+          <a:p>
+            <a:pPr algn="just"/>
+            <a:endParaRPr lang="fr-FR" sz="1600" dirty="0"/>
+          </a:p>
+          <a:p>
+            <a:pPr marL="285750" indent="-285750" algn="just">
+              <a:buFont typeface="Courier New" panose="02070309020205020404" pitchFamily="49" charset="0"/>
+              <a:buChar char="o"/>
+            </a:pPr>
+            <a:r>
+              <a:rPr lang="fr-FR" sz="1600" i="1" dirty="0" smtClean="0"/>
+              <a:t>Ligne 16 index.html</a:t>
+            </a:r>
+          </a:p>
+          <a:p>
+            <a:pPr algn="just"/>
+            <a:r>
+              <a:rPr lang="fr-FR" sz="1600" dirty="0" smtClean="0"/>
+              <a:t>Ajout de l’id=‘</a:t>
+            </a:r>
+            <a:r>
+              <a:rPr lang="fr-FR" sz="1600" dirty="0" err="1" smtClean="0"/>
+              <a:t>toggle</a:t>
+            </a:r>
+            <a:r>
+              <a:rPr lang="fr-FR" sz="1600" dirty="0" smtClean="0"/>
+              <a:t>-all’ à l’input, qui va avec le for=‘</a:t>
+            </a:r>
+            <a:r>
+              <a:rPr lang="fr-FR" sz="1600" dirty="0" err="1" smtClean="0"/>
+              <a:t>toggle</a:t>
+            </a:r>
+            <a:r>
+              <a:rPr lang="fr-FR" sz="1600" dirty="0" smtClean="0"/>
+              <a:t>-all’ du label</a:t>
+            </a:r>
+          </a:p>
+          <a:p>
+            <a:pPr algn="just"/>
+            <a:r>
+              <a:rPr lang="fr-FR" sz="1600" dirty="0" smtClean="0"/>
+              <a:t>Active la fonctionnalité de compléter toutes les tâches avec la flèche</a:t>
+            </a:r>
+          </a:p>
+          <a:p>
+            <a:pPr algn="just"/>
+            <a:endParaRPr lang="fr-FR" sz="1600" dirty="0"/>
+          </a:p>
+          <a:p>
+            <a:pPr marL="285750" indent="-285750" algn="just">
+              <a:buFont typeface="Courier New" panose="02070309020205020404" pitchFamily="49" charset="0"/>
+              <a:buChar char="o"/>
+            </a:pPr>
+            <a:r>
+              <a:rPr lang="fr-FR" sz="1600" i="1" dirty="0" smtClean="0"/>
+              <a:t>Ligne 78 store.js</a:t>
+            </a:r>
+          </a:p>
+          <a:p>
+            <a:pPr algn="just"/>
+            <a:r>
+              <a:rPr lang="fr-FR" sz="1600" dirty="0" smtClean="0"/>
+              <a:t>Eviter les conflits d’ID entre les </a:t>
+            </a:r>
+            <a:r>
+              <a:rPr lang="fr-FR" sz="1600" dirty="0" err="1" smtClean="0"/>
+              <a:t>ToDo</a:t>
+            </a:r>
+            <a:endParaRPr lang="fr-FR" sz="1600" dirty="0" smtClean="0"/>
+          </a:p>
+          <a:p>
+            <a:pPr algn="just"/>
+            <a:r>
+              <a:rPr lang="fr-FR" sz="1600" dirty="0" smtClean="0"/>
+              <a:t>Utilisation de </a:t>
+            </a:r>
+            <a:r>
+              <a:rPr lang="fr-FR" sz="1600" dirty="0" err="1" smtClean="0"/>
+              <a:t>window.crypto</a:t>
+            </a:r>
+            <a:r>
+              <a:rPr lang="fr-FR" sz="1600" dirty="0" smtClean="0"/>
+              <a:t> + </a:t>
+            </a:r>
+            <a:r>
+              <a:rPr lang="fr-FR" sz="1600" dirty="0" err="1" smtClean="0"/>
+              <a:t>getTime</a:t>
+            </a:r>
+            <a:r>
+              <a:rPr lang="fr-FR" sz="1600" dirty="0" smtClean="0"/>
+              <a:t> pour obtenir un ID unique à la milliseconde</a:t>
+            </a:r>
+          </a:p>
+          <a:p>
+            <a:pPr algn="just"/>
+            <a:endParaRPr lang="fr-FR" sz="1600" dirty="0"/>
+          </a:p>
+          <a:p>
+            <a:pPr marL="285750" indent="-285750" algn="just">
+              <a:buFont typeface="Courier New" panose="02070309020205020404" pitchFamily="49" charset="0"/>
+              <a:buChar char="o"/>
+            </a:pPr>
+            <a:r>
+              <a:rPr lang="fr-FR" sz="1600" i="1" dirty="0" smtClean="0"/>
+              <a:t>Ligne 173 view.js</a:t>
+            </a:r>
+          </a:p>
+          <a:p>
+            <a:pPr algn="just"/>
+            <a:r>
+              <a:rPr lang="fr-FR" sz="1600" dirty="0" smtClean="0"/>
+              <a:t>Remplacement du IF par un Switch, meilleure lisibilité</a:t>
+            </a:r>
+          </a:p>
+          <a:p>
+            <a:pPr algn="just"/>
+            <a:endParaRPr lang="fr-FR" sz="1600" dirty="0"/>
+          </a:p>
+          <a:p>
+            <a:pPr marL="285750" indent="-285750" algn="just">
+              <a:buFont typeface="Courier New" panose="02070309020205020404" pitchFamily="49" charset="0"/>
+              <a:buChar char="o"/>
+            </a:pPr>
+            <a:r>
+              <a:rPr lang="fr-FR" sz="1600" i="1" dirty="0" smtClean="0"/>
+              <a:t>Ligne 164 controller.js</a:t>
+            </a:r>
+          </a:p>
+          <a:p>
+            <a:pPr algn="just"/>
+            <a:r>
+              <a:rPr lang="fr-FR" sz="1600" dirty="0" smtClean="0"/>
+              <a:t>Boucle avec console.log inutile</a:t>
+            </a:r>
+          </a:p>
+          <a:p>
+            <a:pPr algn="just"/>
+            <a:endParaRPr lang="fr-FR" sz="1600" dirty="0"/>
+          </a:p>
+          <a:p>
+            <a:pPr marL="285750" indent="-285750" algn="just">
+              <a:buFont typeface="Courier New" panose="02070309020205020404" pitchFamily="49" charset="0"/>
+              <a:buChar char="o"/>
+            </a:pPr>
+            <a:r>
+              <a:rPr lang="fr-FR" sz="1600" i="1" dirty="0" smtClean="0"/>
+              <a:t>Ligne 123 controller.js</a:t>
+            </a:r>
+          </a:p>
+          <a:p>
+            <a:pPr algn="just"/>
+            <a:r>
+              <a:rPr lang="fr-FR" sz="1600" dirty="0" smtClean="0"/>
+              <a:t>Remplacement des deux </a:t>
+            </a:r>
+            <a:r>
+              <a:rPr lang="fr-FR" sz="1600" dirty="0" err="1" smtClean="0"/>
+              <a:t>While</a:t>
+            </a:r>
+            <a:r>
+              <a:rPr lang="fr-FR" sz="1600" dirty="0" smtClean="0"/>
+              <a:t> par la méthode </a:t>
+            </a:r>
+            <a:r>
+              <a:rPr lang="fr-FR" sz="1600" dirty="0" err="1" smtClean="0"/>
+              <a:t>Trim</a:t>
+            </a:r>
+            <a:r>
+              <a:rPr lang="fr-FR" sz="1600" dirty="0" smtClean="0"/>
+              <a:t>().</a:t>
+            </a:r>
+          </a:p>
+          <a:p>
+            <a:pPr algn="just"/>
+            <a:endParaRPr lang="fr-FR" sz="1600" dirty="0"/>
+          </a:p>
+          <a:p>
+            <a:pPr marL="285750" indent="-285750" algn="just">
+              <a:buFont typeface="Courier New" panose="02070309020205020404" pitchFamily="49" charset="0"/>
+              <a:buChar char="o"/>
+            </a:pPr>
+            <a:r>
+              <a:rPr lang="fr-FR" sz="1600" i="1" dirty="0" smtClean="0"/>
+              <a:t>Ligne 131 store.js</a:t>
+            </a:r>
+          </a:p>
+          <a:p>
+            <a:pPr algn="just"/>
+            <a:r>
+              <a:rPr lang="fr-FR" sz="1600" dirty="0" smtClean="0"/>
+              <a:t>Fusion des deux conditions If en un seul, dans la même boucle</a:t>
+            </a:r>
+            <a:endParaRPr lang="en-US" sz="1600" dirty="0"/>
+          </a:p>
+        </p:txBody>
+      </p:sp>
+    </p:spTree>
+    <p:extLst>
+      <p:ext uri="{BB962C8B-B14F-4D97-AF65-F5344CB8AC3E}">
+        <p14:creationId xmlns:p14="http://schemas.microsoft.com/office/powerpoint/2010/main" val="3184518639"/>
+      </p:ext>
+    </p:extLst>
+  </p:cSld>
+  <p:clrMapOvr>
+    <a:masterClrMapping/>
+  </p:clrMapOvr>
+</p:sld>
+</file>
+
+<file path=ppt/slides/slide4.xml><?xml version="1.0" encoding="utf-8"?>
+<p:sld xmlns:a="http://schemas.openxmlformats.org/drawingml/2006/main" xmlns:r="http://schemas.openxmlformats.org/officeDocument/2006/relationships" xmlns:p="http://schemas.openxmlformats.org/presentationml/2006/main">
+  <p:cSld>
+    <p:spTree>
+      <p:nvGrpSpPr>
+        <p:cNvPr id="1" name=""/>
+        <p:cNvGrpSpPr/>
+        <p:nvPr/>
+      </p:nvGrpSpPr>
+      <p:grpSpPr>
+        <a:xfrm>
+          <a:off x="0" y="0"/>
+          <a:ext cx="0" cy="0"/>
+          <a:chOff x="0" y="0"/>
+          <a:chExt cx="0" cy="0"/>
+        </a:xfrm>
+      </p:grpSpPr>
+      <p:sp>
+        <p:nvSpPr>
+          <p:cNvPr id="4" name="TextBox 3"/>
+          <p:cNvSpPr txBox="1"/>
+          <p:nvPr/>
+        </p:nvSpPr>
+        <p:spPr>
+          <a:xfrm>
+            <a:off x="175845" y="764931"/>
+            <a:ext cx="1169377" cy="400110"/>
+          </a:xfrm>
+          <a:prstGeom prst="rect">
+            <a:avLst/>
+          </a:prstGeom>
+          <a:noFill/>
+        </p:spPr>
+        <p:txBody>
+          <a:bodyPr wrap="square" rtlCol="0">
+            <a:spAutoFit/>
+          </a:bodyPr>
+          <a:lstStyle/>
+          <a:p>
+            <a:pPr algn="ctr"/>
+            <a:r>
+              <a:rPr lang="fr-FR" sz="2000" dirty="0" smtClean="0">
+                <a:solidFill>
+                  <a:schemeClr val="bg1"/>
+                </a:solidFill>
+              </a:rPr>
+              <a:t>Etape 2</a:t>
+            </a:r>
+            <a:endParaRPr lang="en-US" sz="2000" dirty="0">
+              <a:solidFill>
+                <a:schemeClr val="bg1"/>
+              </a:solidFill>
+            </a:endParaRPr>
+          </a:p>
+        </p:txBody>
+      </p:sp>
+      <p:sp>
+        <p:nvSpPr>
+          <p:cNvPr id="6" name="TextBox 5"/>
+          <p:cNvSpPr txBox="1"/>
+          <p:nvPr/>
+        </p:nvSpPr>
+        <p:spPr>
+          <a:xfrm>
+            <a:off x="641838" y="237393"/>
+            <a:ext cx="11550162" cy="369332"/>
+          </a:xfrm>
+          <a:prstGeom prst="rect">
+            <a:avLst/>
+          </a:prstGeom>
+          <a:noFill/>
+        </p:spPr>
+        <p:txBody>
+          <a:bodyPr wrap="square" rtlCol="0">
+            <a:spAutoFit/>
+          </a:bodyPr>
+          <a:lstStyle/>
+          <a:p>
+            <a:pPr algn="ctr"/>
+            <a:r>
+              <a:rPr lang="fr-FR" b="1" dirty="0"/>
+              <a:t>Intégration de tests pour solidifier le projet</a:t>
+            </a:r>
+          </a:p>
+        </p:txBody>
+      </p:sp>
+      <p:sp>
+        <p:nvSpPr>
+          <p:cNvPr id="7" name="TextBox 6"/>
+          <p:cNvSpPr txBox="1"/>
+          <p:nvPr/>
+        </p:nvSpPr>
+        <p:spPr>
+          <a:xfrm>
+            <a:off x="3217985" y="1397977"/>
+            <a:ext cx="8642838" cy="4770537"/>
+          </a:xfrm>
+          <a:prstGeom prst="rect">
+            <a:avLst/>
+          </a:prstGeom>
+          <a:noFill/>
+        </p:spPr>
+        <p:txBody>
+          <a:bodyPr wrap="square" rtlCol="0">
+            <a:spAutoFit/>
+          </a:bodyPr>
+          <a:lstStyle/>
+          <a:p>
+            <a:r>
+              <a:rPr lang="fr-FR" sz="1600" dirty="0" smtClean="0"/>
+              <a:t>Test unitaire : Vérifie qu’un élément précis fonctionne correctement</a:t>
+            </a:r>
+          </a:p>
+          <a:p>
+            <a:endParaRPr lang="fr-FR" sz="1600" dirty="0" smtClean="0"/>
+          </a:p>
+          <a:p>
+            <a:pPr algn="just"/>
+            <a:r>
+              <a:rPr lang="fr-FR" sz="1600" dirty="0" smtClean="0"/>
+              <a:t>Test fonctionnel : Vérifie que le processus métier est conforme aux besoins de l’utilisateur, ici par exemple créer une </a:t>
+            </a:r>
+            <a:r>
+              <a:rPr lang="fr-FR" sz="1600" dirty="0" err="1" smtClean="0"/>
+              <a:t>ToDo</a:t>
+            </a:r>
+            <a:r>
+              <a:rPr lang="fr-FR" sz="1600" dirty="0" smtClean="0"/>
+              <a:t>, supprimer une </a:t>
+            </a:r>
+            <a:r>
+              <a:rPr lang="fr-FR" sz="1600" dirty="0" err="1" smtClean="0"/>
+              <a:t>ToDo</a:t>
+            </a:r>
+            <a:r>
+              <a:rPr lang="fr-FR" sz="1600" dirty="0" smtClean="0"/>
+              <a:t>…</a:t>
+            </a:r>
+          </a:p>
+          <a:p>
+            <a:pPr algn="just"/>
+            <a:endParaRPr lang="fr-FR" sz="1600" dirty="0"/>
+          </a:p>
+          <a:p>
+            <a:pPr algn="just"/>
+            <a:r>
+              <a:rPr lang="fr-FR" sz="1600" dirty="0" smtClean="0"/>
+              <a:t>Pas de tests d’intégration (insertion du programme avec d’autres logiciels</a:t>
+            </a:r>
+            <a:r>
+              <a:rPr lang="fr-FR" sz="1600" smtClean="0"/>
+              <a:t>, technologie)</a:t>
+            </a:r>
+            <a:endParaRPr lang="fr-FR" sz="1600" dirty="0"/>
+          </a:p>
+          <a:p>
+            <a:pPr algn="ctr"/>
+            <a:r>
+              <a:rPr lang="fr-FR" sz="1600" dirty="0" smtClean="0"/>
+              <a:t>___</a:t>
+            </a:r>
+          </a:p>
+          <a:p>
+            <a:pPr algn="ctr"/>
+            <a:endParaRPr lang="fr-FR" sz="1600" dirty="0"/>
+          </a:p>
+          <a:p>
+            <a:r>
+              <a:rPr lang="fr-FR" sz="1600" dirty="0" smtClean="0"/>
+              <a:t>En plus des tests demandés dans le projet, ont été rajoutés :</a:t>
+            </a:r>
+          </a:p>
+          <a:p>
+            <a:endParaRPr lang="fr-FR" sz="1600" dirty="0" smtClean="0"/>
+          </a:p>
+          <a:p>
+            <a:pPr marL="285750" indent="-285750">
+              <a:buFont typeface="Courier New" panose="02070309020205020404" pitchFamily="49" charset="0"/>
+              <a:buChar char="o"/>
+            </a:pPr>
+            <a:r>
+              <a:rPr lang="fr-FR" sz="1600" dirty="0" smtClean="0"/>
+              <a:t>Ligne 97 : </a:t>
+            </a:r>
+            <a:r>
+              <a:rPr lang="en-GB" sz="1600" dirty="0"/>
+              <a:t>should show only active entries, completed </a:t>
+            </a:r>
+            <a:r>
+              <a:rPr lang="en-GB" sz="1600" dirty="0" smtClean="0"/>
+              <a:t>false</a:t>
+            </a:r>
+          </a:p>
+          <a:p>
+            <a:pPr marL="285750" indent="-285750">
+              <a:buFont typeface="Courier New" panose="02070309020205020404" pitchFamily="49" charset="0"/>
+              <a:buChar char="o"/>
+            </a:pPr>
+            <a:endParaRPr lang="en-GB" sz="1600" dirty="0"/>
+          </a:p>
+          <a:p>
+            <a:pPr marL="285750" indent="-285750">
+              <a:buFont typeface="Courier New" panose="02070309020205020404" pitchFamily="49" charset="0"/>
+              <a:buChar char="o"/>
+            </a:pPr>
+            <a:r>
+              <a:rPr lang="en-GB" sz="1600" dirty="0" err="1" smtClean="0"/>
+              <a:t>Ligne</a:t>
+            </a:r>
+            <a:r>
+              <a:rPr lang="en-GB" sz="1600" dirty="0" smtClean="0"/>
+              <a:t> 130 </a:t>
+            </a:r>
+            <a:r>
+              <a:rPr lang="en-GB" sz="1600" dirty="0"/>
+              <a:t>: should show only active entries, completed </a:t>
+            </a:r>
+            <a:r>
+              <a:rPr lang="en-GB" sz="1600" dirty="0" smtClean="0"/>
+              <a:t>true</a:t>
+            </a:r>
+          </a:p>
+          <a:p>
+            <a:pPr marL="285750" indent="-285750">
+              <a:buFont typeface="Courier New" panose="02070309020205020404" pitchFamily="49" charset="0"/>
+              <a:buChar char="o"/>
+            </a:pPr>
+            <a:endParaRPr lang="en-GB" sz="1600" dirty="0"/>
+          </a:p>
+          <a:p>
+            <a:pPr marL="285750" indent="-285750">
+              <a:buFont typeface="Courier New" panose="02070309020205020404" pitchFamily="49" charset="0"/>
+              <a:buChar char="o"/>
+            </a:pPr>
+            <a:r>
+              <a:rPr lang="en-GB" sz="1600" dirty="0" err="1" smtClean="0"/>
+              <a:t>Ligne</a:t>
+            </a:r>
+            <a:r>
+              <a:rPr lang="en-GB" sz="1600" dirty="0"/>
+              <a:t> 236 : should highlight "Completed" filter when switching to active </a:t>
+            </a:r>
+            <a:r>
+              <a:rPr lang="en-GB" sz="1600" dirty="0" smtClean="0"/>
+              <a:t>view</a:t>
+            </a:r>
+          </a:p>
+          <a:p>
+            <a:endParaRPr lang="fr-FR" sz="1600" dirty="0" smtClean="0"/>
+          </a:p>
+          <a:p>
+            <a:endParaRPr lang="fr-FR" sz="1600" dirty="0"/>
+          </a:p>
+          <a:p>
+            <a:endParaRPr lang="fr-FR" sz="1600" dirty="0" smtClean="0"/>
+          </a:p>
+        </p:txBody>
+      </p:sp>
+    </p:spTree>
+    <p:extLst>
+      <p:ext uri="{BB962C8B-B14F-4D97-AF65-F5344CB8AC3E}">
+        <p14:creationId xmlns:p14="http://schemas.microsoft.com/office/powerpoint/2010/main" val="2029887557"/>
+      </p:ext>
+    </p:extLst>
+  </p:cSld>
+  <p:clrMapOvr>
+    <a:masterClrMapping/>
+  </p:clrMapOvr>
+</p:sld>
+</file>
+
+<file path=ppt/slides/slide5.xml><?xml version="1.0" encoding="utf-8"?>
+<p:sld xmlns:a="http://schemas.openxmlformats.org/drawingml/2006/main" xmlns:r="http://schemas.openxmlformats.org/officeDocument/2006/relationships" xmlns:p="http://schemas.openxmlformats.org/presentationml/2006/main">
+  <p:cSld>
+    <p:spTree>
+      <p:nvGrpSpPr>
+        <p:cNvPr id="1" name=""/>
+        <p:cNvGrpSpPr/>
+        <p:nvPr/>
+      </p:nvGrpSpPr>
+      <p:grpSpPr>
+        <a:xfrm>
+          <a:off x="0" y="0"/>
+          <a:ext cx="0" cy="0"/>
+          <a:chOff x="0" y="0"/>
+          <a:chExt cx="0" cy="0"/>
+        </a:xfrm>
+      </p:grpSpPr>
+      <p:sp>
+        <p:nvSpPr>
+          <p:cNvPr id="4" name="TextBox 3"/>
+          <p:cNvSpPr txBox="1"/>
+          <p:nvPr/>
+        </p:nvSpPr>
+        <p:spPr>
+          <a:xfrm>
+            <a:off x="175845" y="764931"/>
+            <a:ext cx="1169377" cy="400110"/>
+          </a:xfrm>
+          <a:prstGeom prst="rect">
+            <a:avLst/>
+          </a:prstGeom>
+          <a:noFill/>
+        </p:spPr>
+        <p:txBody>
+          <a:bodyPr wrap="square" rtlCol="0">
+            <a:spAutoFit/>
+          </a:bodyPr>
+          <a:lstStyle/>
+          <a:p>
+            <a:pPr algn="ctr"/>
+            <a:r>
+              <a:rPr lang="fr-FR" sz="2000" dirty="0" smtClean="0">
+                <a:solidFill>
+                  <a:schemeClr val="bg1"/>
+                </a:solidFill>
+              </a:rPr>
+              <a:t>Etape 3</a:t>
+            </a:r>
+            <a:endParaRPr lang="en-US" sz="2000" dirty="0">
+              <a:solidFill>
+                <a:schemeClr val="bg1"/>
+              </a:solidFill>
+            </a:endParaRPr>
+          </a:p>
+        </p:txBody>
+      </p:sp>
+      <p:sp>
+        <p:nvSpPr>
+          <p:cNvPr id="6" name="TextBox 5"/>
+          <p:cNvSpPr txBox="1"/>
+          <p:nvPr/>
+        </p:nvSpPr>
+        <p:spPr>
+          <a:xfrm>
+            <a:off x="641838" y="237393"/>
+            <a:ext cx="11550162" cy="369332"/>
+          </a:xfrm>
+          <a:prstGeom prst="rect">
+            <a:avLst/>
+          </a:prstGeom>
+          <a:noFill/>
+        </p:spPr>
+        <p:txBody>
+          <a:bodyPr wrap="square" rtlCol="0">
+            <a:spAutoFit/>
+          </a:bodyPr>
+          <a:lstStyle/>
+          <a:p>
+            <a:pPr algn="ctr"/>
+            <a:r>
+              <a:rPr lang="fr-FR" b="1" dirty="0"/>
+              <a:t>Analyse des performances d’un </a:t>
+            </a:r>
+            <a:r>
+              <a:rPr lang="fr-FR" b="1" dirty="0" smtClean="0"/>
+              <a:t>concurrent</a:t>
+            </a:r>
+            <a:endParaRPr lang="fr-FR" b="1" dirty="0"/>
+          </a:p>
+        </p:txBody>
+      </p:sp>
+      <p:sp>
+        <p:nvSpPr>
+          <p:cNvPr id="7" name="TextBox 6"/>
+          <p:cNvSpPr txBox="1"/>
+          <p:nvPr/>
+        </p:nvSpPr>
+        <p:spPr>
+          <a:xfrm>
+            <a:off x="3217985" y="1397977"/>
+            <a:ext cx="8642838" cy="4278094"/>
+          </a:xfrm>
+          <a:prstGeom prst="rect">
+            <a:avLst/>
+          </a:prstGeom>
+          <a:noFill/>
+        </p:spPr>
+        <p:txBody>
+          <a:bodyPr wrap="square" rtlCol="0">
+            <a:spAutoFit/>
+          </a:bodyPr>
+          <a:lstStyle/>
+          <a:p>
+            <a:pPr algn="just"/>
+            <a:r>
+              <a:rPr lang="fr-FR" sz="1600" dirty="0" smtClean="0"/>
+              <a:t>Réalisée sous la forme d’un document Word, dans l’idée que ce serait présenté en réunion et distribué aux personnes présentes</a:t>
+            </a:r>
+          </a:p>
+          <a:p>
+            <a:pPr algn="just"/>
+            <a:endParaRPr lang="fr-FR" sz="1600" dirty="0"/>
+          </a:p>
+          <a:p>
+            <a:pPr algn="just"/>
+            <a:r>
+              <a:rPr lang="fr-FR" sz="1600" dirty="0" smtClean="0"/>
+              <a:t>Analyse des performances d’une application concurrente afin d’identifier ses atouts et désavantages en vue d’un </a:t>
+            </a:r>
+            <a:r>
+              <a:rPr lang="fr-FR" sz="1600" dirty="0" err="1" smtClean="0"/>
+              <a:t>scaling</a:t>
+            </a:r>
+            <a:r>
+              <a:rPr lang="fr-FR" sz="1600" dirty="0" smtClean="0"/>
+              <a:t> de notre application</a:t>
+            </a:r>
+          </a:p>
+          <a:p>
+            <a:pPr algn="just"/>
+            <a:endParaRPr lang="fr-FR" sz="1600" dirty="0"/>
+          </a:p>
+          <a:p>
+            <a:pPr algn="just"/>
+            <a:r>
+              <a:rPr lang="fr-FR" sz="1600" dirty="0" smtClean="0"/>
+              <a:t>Utilisation de la console de Chrome, onglet Network, pour vérifier les temps de chargement par types de fichiers et fichiers</a:t>
+            </a:r>
+          </a:p>
+          <a:p>
+            <a:pPr algn="just"/>
+            <a:endParaRPr lang="fr-FR" sz="1600" dirty="0"/>
+          </a:p>
+          <a:p>
+            <a:pPr algn="just"/>
+            <a:r>
+              <a:rPr lang="fr-FR" sz="1600" dirty="0" smtClean="0"/>
+              <a:t>Si format plus long souhaité, possibilité de faire aussi une analyse avec les audits Performance et Audits</a:t>
+            </a:r>
+          </a:p>
+          <a:p>
+            <a:pPr algn="just"/>
+            <a:endParaRPr lang="fr-FR" sz="1600" dirty="0" smtClean="0"/>
+          </a:p>
+          <a:p>
+            <a:pPr algn="just"/>
+            <a:r>
+              <a:rPr lang="fr-FR" sz="1600" dirty="0" smtClean="0"/>
+              <a:t>Possibilité aussi d’utiliser des extensions telles que « </a:t>
+            </a:r>
+            <a:r>
+              <a:rPr lang="fr-FR" sz="1600" dirty="0" err="1" smtClean="0"/>
+              <a:t>What</a:t>
+            </a:r>
+            <a:r>
+              <a:rPr lang="fr-FR" sz="1600" dirty="0" smtClean="0"/>
+              <a:t> </a:t>
+            </a:r>
+            <a:r>
+              <a:rPr lang="fr-FR" sz="1600" dirty="0" err="1" smtClean="0"/>
+              <a:t>run</a:t>
+            </a:r>
+            <a:r>
+              <a:rPr lang="fr-FR" sz="1600" dirty="0" smtClean="0"/>
+              <a:t> » pour identifier toutes les technologies utilisées par une application</a:t>
+            </a:r>
+            <a:endParaRPr lang="en-GB" sz="1600" dirty="0" smtClean="0"/>
+          </a:p>
+          <a:p>
+            <a:endParaRPr lang="fr-FR" sz="1600" dirty="0" smtClean="0"/>
+          </a:p>
+          <a:p>
+            <a:endParaRPr lang="fr-FR" sz="1600" dirty="0"/>
+          </a:p>
+          <a:p>
+            <a:endParaRPr lang="fr-FR" sz="1600" dirty="0" smtClean="0"/>
+          </a:p>
+        </p:txBody>
+      </p:sp>
+    </p:spTree>
+    <p:extLst>
+      <p:ext uri="{BB962C8B-B14F-4D97-AF65-F5344CB8AC3E}">
+        <p14:creationId xmlns:p14="http://schemas.microsoft.com/office/powerpoint/2010/main" val="2823292274"/>
+      </p:ext>
+    </p:extLst>
+  </p:cSld>
+  <p:clrMapOvr>
+    <a:masterClrMapping/>
+  </p:clrMapOvr>
+</p:sld>
+</file>
+
+<file path=ppt/slides/slide6.xml><?xml version="1.0" encoding="utf-8"?>
+<p:sld xmlns:a="http://schemas.openxmlformats.org/drawingml/2006/main" xmlns:r="http://schemas.openxmlformats.org/officeDocument/2006/relationships" xmlns:p="http://schemas.openxmlformats.org/presentationml/2006/main">
+  <p:cSld>
+    <p:spTree>
+      <p:nvGrpSpPr>
+        <p:cNvPr id="1" name=""/>
+        <p:cNvGrpSpPr/>
+        <p:nvPr/>
+      </p:nvGrpSpPr>
+      <p:grpSpPr>
+        <a:xfrm>
+          <a:off x="0" y="0"/>
+          <a:ext cx="0" cy="0"/>
+          <a:chOff x="0" y="0"/>
+          <a:chExt cx="0" cy="0"/>
+        </a:xfrm>
+      </p:grpSpPr>
+      <p:sp>
+        <p:nvSpPr>
+          <p:cNvPr id="4" name="TextBox 3"/>
+          <p:cNvSpPr txBox="1"/>
+          <p:nvPr/>
+        </p:nvSpPr>
+        <p:spPr>
+          <a:xfrm>
+            <a:off x="175845" y="764931"/>
+            <a:ext cx="1169377" cy="400110"/>
+          </a:xfrm>
+          <a:prstGeom prst="rect">
+            <a:avLst/>
+          </a:prstGeom>
+          <a:noFill/>
+        </p:spPr>
+        <p:txBody>
+          <a:bodyPr wrap="square" rtlCol="0">
+            <a:spAutoFit/>
+          </a:bodyPr>
+          <a:lstStyle/>
+          <a:p>
+            <a:pPr algn="ctr"/>
+            <a:r>
+              <a:rPr lang="fr-FR" sz="2000" dirty="0" smtClean="0">
+                <a:solidFill>
+                  <a:schemeClr val="bg1"/>
+                </a:solidFill>
+              </a:rPr>
+              <a:t>Etape 4</a:t>
+            </a:r>
+            <a:endParaRPr lang="en-US" sz="2000" dirty="0">
+              <a:solidFill>
+                <a:schemeClr val="bg1"/>
+              </a:solidFill>
+            </a:endParaRPr>
+          </a:p>
+        </p:txBody>
+      </p:sp>
+      <p:sp>
+        <p:nvSpPr>
+          <p:cNvPr id="6" name="TextBox 5"/>
+          <p:cNvSpPr txBox="1"/>
+          <p:nvPr/>
+        </p:nvSpPr>
+        <p:spPr>
+          <a:xfrm>
+            <a:off x="641838" y="237393"/>
+            <a:ext cx="11550162" cy="369332"/>
+          </a:xfrm>
+          <a:prstGeom prst="rect">
+            <a:avLst/>
+          </a:prstGeom>
+          <a:noFill/>
+        </p:spPr>
+        <p:txBody>
+          <a:bodyPr wrap="square" rtlCol="0">
+            <a:spAutoFit/>
+          </a:bodyPr>
+          <a:lstStyle/>
+          <a:p>
+            <a:pPr algn="ctr"/>
+            <a:r>
+              <a:rPr lang="fr-FR" b="1" dirty="0"/>
+              <a:t>Documenter le projet, pour l’utilisateur et d’autres développeurs</a:t>
+            </a:r>
+          </a:p>
+        </p:txBody>
+      </p:sp>
+      <p:sp>
+        <p:nvSpPr>
+          <p:cNvPr id="7" name="TextBox 6"/>
+          <p:cNvSpPr txBox="1"/>
+          <p:nvPr/>
+        </p:nvSpPr>
+        <p:spPr>
+          <a:xfrm>
+            <a:off x="3217985" y="1397977"/>
+            <a:ext cx="8642838" cy="5016758"/>
+          </a:xfrm>
+          <a:prstGeom prst="rect">
+            <a:avLst/>
+          </a:prstGeom>
+          <a:noFill/>
+        </p:spPr>
+        <p:txBody>
+          <a:bodyPr wrap="square" rtlCol="0">
+            <a:spAutoFit/>
+          </a:bodyPr>
+          <a:lstStyle/>
+          <a:p>
+            <a:pPr algn="just"/>
+            <a:r>
+              <a:rPr lang="fr-FR" sz="1600" dirty="0" smtClean="0"/>
+              <a:t>Documentation utilisateur, réalisée sous forme de captures d’écran avec Powerpoint, dans l’idée d’une présentation avec vidéoprojecteur</a:t>
+            </a:r>
+          </a:p>
+          <a:p>
+            <a:pPr algn="just"/>
+            <a:endParaRPr lang="fr-FR" sz="1600" dirty="0"/>
+          </a:p>
+          <a:p>
+            <a:pPr algn="just"/>
+            <a:r>
+              <a:rPr lang="fr-FR" sz="1600" dirty="0" smtClean="0"/>
+              <a:t>Documentation technique, réalisée à l’aide de l’onglet Wiki du repo du projet, en suivant la méthodologie de </a:t>
+            </a:r>
+            <a:r>
+              <a:rPr lang="fr-FR" sz="1600" dirty="0" err="1" smtClean="0"/>
+              <a:t>JSDoc</a:t>
+            </a:r>
+            <a:endParaRPr lang="fr-FR" sz="1600" dirty="0" smtClean="0"/>
+          </a:p>
+          <a:p>
+            <a:pPr algn="just"/>
+            <a:endParaRPr lang="fr-FR" sz="1600" dirty="0"/>
+          </a:p>
+          <a:p>
+            <a:pPr marL="285750" indent="-285750" algn="just">
+              <a:buFont typeface="Courier New" panose="02070309020205020404" pitchFamily="49" charset="0"/>
+              <a:buChar char="o"/>
+            </a:pPr>
+            <a:r>
+              <a:rPr lang="fr-FR" sz="1600" dirty="0" smtClean="0"/>
+              <a:t>Présentation rapide des différents fichiers</a:t>
+            </a:r>
+          </a:p>
+          <a:p>
+            <a:pPr marL="285750" indent="-285750" algn="just">
+              <a:buFont typeface="Courier New" panose="02070309020205020404" pitchFamily="49" charset="0"/>
+              <a:buChar char="o"/>
+            </a:pPr>
+            <a:endParaRPr lang="fr-FR" sz="1600" dirty="0" smtClean="0"/>
+          </a:p>
+          <a:p>
+            <a:pPr marL="285750" indent="-285750" algn="just">
+              <a:buFont typeface="Courier New" panose="02070309020205020404" pitchFamily="49" charset="0"/>
+              <a:buChar char="o"/>
+            </a:pPr>
+            <a:r>
+              <a:rPr lang="fr-FR" sz="1600" dirty="0" smtClean="0"/>
+              <a:t>Quelques schémas expliquant les fonctions mises en œuvres pour les actions principales de l’application</a:t>
+            </a:r>
+          </a:p>
+          <a:p>
+            <a:pPr marL="285750" indent="-285750" algn="just">
+              <a:buFont typeface="Courier New" panose="02070309020205020404" pitchFamily="49" charset="0"/>
+              <a:buChar char="o"/>
+            </a:pPr>
+            <a:endParaRPr lang="fr-FR" sz="1600" dirty="0"/>
+          </a:p>
+          <a:p>
+            <a:pPr marL="285750" indent="-285750" algn="just">
+              <a:buFont typeface="Courier New" panose="02070309020205020404" pitchFamily="49" charset="0"/>
+              <a:buChar char="o"/>
+            </a:pPr>
+            <a:r>
+              <a:rPr lang="fr-FR" sz="1600" dirty="0" smtClean="0"/>
+              <a:t>Documentation par fichier avec détail des fonctions et de leurs paramètres</a:t>
+            </a:r>
+          </a:p>
+          <a:p>
+            <a:pPr marL="285750" indent="-285750" algn="just">
+              <a:buFont typeface="Courier New" panose="02070309020205020404" pitchFamily="49" charset="0"/>
+              <a:buChar char="o"/>
+            </a:pPr>
+            <a:endParaRPr lang="fr-FR" sz="1600" dirty="0"/>
+          </a:p>
+          <a:p>
+            <a:pPr marL="285750" indent="-285750" algn="just">
+              <a:buFont typeface="Courier New" panose="02070309020205020404" pitchFamily="49" charset="0"/>
+              <a:buChar char="o"/>
+            </a:pPr>
+            <a:endParaRPr lang="fr-FR" sz="1600" dirty="0" smtClean="0"/>
+          </a:p>
+          <a:p>
+            <a:pPr algn="just"/>
+            <a:r>
+              <a:rPr lang="fr-FR" sz="1600" dirty="0" smtClean="0"/>
+              <a:t>Dans l’idéal, une documentation réalisée uniquement avec </a:t>
+            </a:r>
+            <a:r>
+              <a:rPr lang="fr-FR" sz="1600" dirty="0" err="1" smtClean="0"/>
+              <a:t>JSDoc</a:t>
+            </a:r>
+            <a:r>
+              <a:rPr lang="fr-FR" sz="1600" dirty="0" smtClean="0"/>
+              <a:t>, dès le début et tout au long du projet, est un gain de temps et de qualité</a:t>
+            </a:r>
+          </a:p>
+          <a:p>
+            <a:pPr marL="285750" indent="-285750" algn="just">
+              <a:buFont typeface="Courier New" panose="02070309020205020404" pitchFamily="49" charset="0"/>
+              <a:buChar char="o"/>
+            </a:pPr>
+            <a:endParaRPr lang="en-GB" sz="1600" dirty="0" smtClean="0"/>
+          </a:p>
+          <a:p>
+            <a:endParaRPr lang="fr-FR" sz="1600" dirty="0" smtClean="0"/>
+          </a:p>
+          <a:p>
+            <a:endParaRPr lang="fr-FR" sz="1600" dirty="0"/>
+          </a:p>
+          <a:p>
+            <a:endParaRPr lang="fr-FR" sz="1600" dirty="0" smtClean="0"/>
+          </a:p>
+        </p:txBody>
+      </p:sp>
+    </p:spTree>
+    <p:extLst>
+      <p:ext uri="{BB962C8B-B14F-4D97-AF65-F5344CB8AC3E}">
+        <p14:creationId xmlns:p14="http://schemas.microsoft.com/office/powerpoint/2010/main" val="2260595282"/>
+      </p:ext>
+    </p:extLst>
+  </p:cSld>
+  <p:clrMapOvr>
+    <a:masterClrMapping/>
+  </p:clrMapOvr>
+</p:sld>
+</file>
+
+<file path=ppt/slides/slide7.xml><?xml version="1.0" encoding="utf-8"?>
+<p:sld xmlns:a="http://schemas.openxmlformats.org/drawingml/2006/main" xmlns:r="http://schemas.openxmlformats.org/officeDocument/2006/relationships" xmlns:p="http://schemas.openxmlformats.org/presentationml/2006/main">
+  <p:cSld>
+    <p:spTree>
+      <p:nvGrpSpPr>
+        <p:cNvPr id="1" name=""/>
+        <p:cNvGrpSpPr/>
+        <p:nvPr/>
+      </p:nvGrpSpPr>
+      <p:grpSpPr>
+        <a:xfrm>
+          <a:off x="0" y="0"/>
+          <a:ext cx="0" cy="0"/>
+          <a:chOff x="0" y="0"/>
+          <a:chExt cx="0" cy="0"/>
+        </a:xfrm>
+      </p:grpSpPr>
+      <p:sp>
+        <p:nvSpPr>
+          <p:cNvPr id="6" name="TextBox 5"/>
+          <p:cNvSpPr txBox="1"/>
+          <p:nvPr/>
+        </p:nvSpPr>
+        <p:spPr>
+          <a:xfrm>
+            <a:off x="641838" y="2497016"/>
+            <a:ext cx="11550162" cy="369332"/>
+          </a:xfrm>
+          <a:prstGeom prst="rect">
+            <a:avLst/>
+          </a:prstGeom>
+          <a:noFill/>
+        </p:spPr>
+        <p:txBody>
+          <a:bodyPr wrap="square" rtlCol="0">
+            <a:spAutoFit/>
+          </a:bodyPr>
+          <a:lstStyle/>
+          <a:p>
+            <a:pPr algn="ctr"/>
+            <a:r>
+              <a:rPr lang="fr-FR" dirty="0" smtClean="0"/>
+              <a:t>Merci de votre attention pour cette présentation</a:t>
+            </a:r>
+            <a:endParaRPr lang="fr-FR" dirty="0"/>
+          </a:p>
+        </p:txBody>
+      </p:sp>
+    </p:spTree>
+    <p:extLst>
+      <p:ext uri="{BB962C8B-B14F-4D97-AF65-F5344CB8AC3E}">
+        <p14:creationId xmlns:p14="http://schemas.microsoft.com/office/powerpoint/2010/main" val="2791393968"/>
+      </p:ext>
+    </p:extLst>
+  </p:cSld>
+  <p:clrMapOvr>
+    <a:masterClrMapping/>
+  </p:clrMapOvr>
+</p:sld>
+</file>
+
 <file path=ppt/theme/theme1.xml><?xml version="1.0" encoding="utf-8"?>
-<a:theme xmlns:a="http://schemas.openxmlformats.org/drawingml/2006/main" name="Office Theme">
+<a:theme xmlns:a="http://schemas.openxmlformats.org/drawingml/2006/main" name="Wisp">
   <a:themeElements>
-    <a:clrScheme name="Office">
+    <a:clrScheme name="Wisp">
       <a:dk1>
         <a:sysClr val="windowText" lastClr="000000"/>
       </a:dk1>
@@ -3026,83 +9134,48 @@
         <a:sysClr val="window" lastClr="FFFFFF"/>
       </a:lt1>
       <a:dk2>
-        <a:srgbClr val="44546A"/>
+        <a:srgbClr val="2E5369"/>
       </a:dk2>
       <a:lt2>
-        <a:srgbClr val="E7E6E6"/>
+        <a:srgbClr val="CFE2E7"/>
       </a:lt2>
       <a:accent1>
-        <a:srgbClr val="5B9BD5"/>
+        <a:srgbClr val="353535"/>
       </a:accent1>
       <a:accent2>
-        <a:srgbClr val="ED7D31"/>
+        <a:srgbClr val="31B4E6"/>
       </a:accent2>
       <a:accent3>
-        <a:srgbClr val="A5A5A5"/>
+        <a:srgbClr val="265991"/>
       </a:accent3>
       <a:accent4>
-        <a:srgbClr val="FFC000"/>
+        <a:srgbClr val="7E40CC"/>
       </a:accent4>
       <a:accent5>
-        <a:srgbClr val="4472C4"/>
+        <a:srgbClr val="B927E9"/>
       </a:accent5>
       <a:accent6>
-        <a:srgbClr val="70AD47"/>
+        <a:srgbClr val="E833BF"/>
       </a:accent6>
       <a:hlink>
-        <a:srgbClr val="0563C1"/>
+        <a:srgbClr val="2DA0F1"/>
       </a:hlink>
       <a:folHlink>
-        <a:srgbClr val="954F72"/>
+        <a:srgbClr val="7ED1E6"/>
       </a:folHlink>
     </a:clrScheme>
-    <a:fontScheme name="Office">
+    <a:fontScheme name="Wisp">
       <a:majorFont>
-        <a:latin typeface="Calibri Light" panose="020F0302020204030204"/>
+        <a:latin typeface="Century Gothic" panose="020B0502020202020204"/>
         <a:ea typeface=""/>
         <a:cs typeface=""/>
-        <a:font script="Jpan" typeface="游ゴシック Light"/>
-        <a:font script="Hang" typeface="맑은 고딕"/>
-        <a:font script="Hans" typeface="等线 Light"/>
-        <a:font script="Hant" typeface="新細明體"/>
-        <a:font script="Arab" typeface="Times New Roman"/>
-        <a:font script="Hebr" typeface="Times New Roman"/>
-        <a:font script="Thai" typeface="Angsana New"/>
-        <a:font script="Ethi" typeface="Nyala"/>
-        <a:font script="Beng" typeface="Vrinda"/>
-        <a:font script="Gujr" typeface="Shruti"/>
-        <a:font script="Khmr" typeface="MoolBoran"/>
-        <a:font script="Knda" typeface="Tunga"/>
-        <a:font script="Guru" typeface="Raavi"/>
-        <a:font script="Cans" typeface="Euphemia"/>
-        <a:font script="Cher" typeface="Plantagenet Cherokee"/>
-        <a:font script="Yiii" typeface="Microsoft Yi Baiti"/>
-        <a:font script="Tibt" typeface="Microsoft Himalaya"/>
-        <a:font script="Thaa" typeface="MV Boli"/>
-        <a:font script="Deva" typeface="Mangal"/>
-        <a:font script="Telu" typeface="Gautami"/>
-        <a:font script="Taml" typeface="Latha"/>
-        <a:font script="Syrc" typeface="Estrangelo Edessa"/>
-        <a:font script="Orya" typeface="Kalinga"/>
-        <a:font script="Mlym" typeface="Kartika"/>
-        <a:font script="Laoo" typeface="DokChampa"/>
-        <a:font script="Sinh" typeface="Iskoola Pota"/>
-        <a:font script="Mong" typeface="Mongolian Baiti"/>
-        <a:font script="Viet" typeface="Times New Roman"/>
-        <a:font script="Uigh" typeface="Microsoft Uighur"/>
-        <a:font script="Geor" typeface="Sylfaen"/>
-      </a:majorFont>
-      <a:minorFont>
-        <a:latin typeface="Calibri" panose="020F0502020204030204"/>
-        <a:ea typeface=""/>
-        <a:cs typeface=""/>
-        <a:font script="Jpan" typeface="游ゴシック"/>
-        <a:font script="Hang" typeface="맑은 고딕"/>
-        <a:font script="Hans" typeface="等线"/>
-        <a:font script="Hant" typeface="新細明體"/>
-        <a:font script="Arab" typeface="Arial"/>
-        <a:font script="Hebr" typeface="Arial"/>
-        <a:font script="Thai" typeface="Cordia New"/>
+        <a:font script="Jpan" typeface="メイリオ"/>
+        <a:font script="Hang" typeface="HY중고딕"/>
+        <a:font script="Hans" typeface="幼圆"/>
+        <a:font script="Hant" typeface="微軟正黑體"/>
+        <a:font script="Arab" typeface="Tahoma"/>
+        <a:font script="Hebr" typeface="Gisha"/>
+        <a:font script="Thai" typeface="DilleniaUPC"/>
         <a:font script="Ethi" typeface="Nyala"/>
         <a:font script="Beng" typeface="Vrinda"/>
         <a:font script="Gujr" typeface="Shruti"/>
@@ -3123,13 +9196,121 @@
         <a:font script="Laoo" typeface="DokChampa"/>
         <a:font script="Sinh" typeface="Iskoola Pota"/>
         <a:font script="Mong" typeface="Mongolian Baiti"/>
-        <a:font script="Viet" typeface="Arial"/>
+        <a:font script="Viet" typeface="Tahoma"/>
+        <a:font script="Uigh" typeface="Microsoft Uighur"/>
+        <a:font script="Geor" typeface="Sylfaen"/>
+      </a:majorFont>
+      <a:minorFont>
+        <a:latin typeface="Century Gothic" panose="020B0502020202020204"/>
+        <a:ea typeface=""/>
+        <a:cs typeface=""/>
+        <a:font script="Jpan" typeface="メイリオ"/>
+        <a:font script="Hang" typeface="HY중고딕"/>
+        <a:font script="Hans" typeface="幼圆"/>
+        <a:font script="Hant" typeface="微軟正黑體"/>
+        <a:font script="Arab" typeface="Tahoma"/>
+        <a:font script="Hebr" typeface="Gisha"/>
+        <a:font script="Thai" typeface="DilleniaUPC"/>
+        <a:font script="Ethi" typeface="Nyala"/>
+        <a:font script="Beng" typeface="Vrinda"/>
+        <a:font script="Gujr" typeface="Shruti"/>
+        <a:font script="Khmr" typeface="DaunPenh"/>
+        <a:font script="Knda" typeface="Tunga"/>
+        <a:font script="Guru" typeface="Raavi"/>
+        <a:font script="Cans" typeface="Euphemia"/>
+        <a:font script="Cher" typeface="Plantagenet Cherokee"/>
+        <a:font script="Yiii" typeface="Microsoft Yi Baiti"/>
+        <a:font script="Tibt" typeface="Microsoft Himalaya"/>
+        <a:font script="Thaa" typeface="MV Boli"/>
+        <a:font script="Deva" typeface="Mangal"/>
+        <a:font script="Telu" typeface="Gautami"/>
+        <a:font script="Taml" typeface="Latha"/>
+        <a:font script="Syrc" typeface="Estrangelo Edessa"/>
+        <a:font script="Orya" typeface="Kalinga"/>
+        <a:font script="Mlym" typeface="Kartika"/>
+        <a:font script="Laoo" typeface="DokChampa"/>
+        <a:font script="Sinh" typeface="Iskoola Pota"/>
+        <a:font script="Mong" typeface="Mongolian Baiti"/>
+        <a:font script="Viet" typeface="Tahoma"/>
         <a:font script="Uigh" typeface="Microsoft Uighur"/>
         <a:font script="Geor" typeface="Sylfaen"/>
       </a:minorFont>
     </a:fontScheme>
-    <a:fmtScheme name="Office">
+    <a:fmtScheme name="Wisp">
       <a:fillStyleLst>
+        <a:solidFill>
+          <a:schemeClr val="phClr"/>
+        </a:solidFill>
+        <a:solidFill>
+          <a:schemeClr val="phClr">
+            <a:tint val="70000"/>
+            <a:lumMod val="104000"/>
+          </a:schemeClr>
+        </a:solidFill>
+        <a:gradFill rotWithShape="1">
+          <a:gsLst>
+            <a:gs pos="0">
+              <a:schemeClr val="phClr">
+                <a:tint val="96000"/>
+                <a:lumMod val="104000"/>
+              </a:schemeClr>
+            </a:gs>
+            <a:gs pos="100000">
+              <a:schemeClr val="phClr">
+                <a:shade val="98000"/>
+                <a:lumMod val="94000"/>
+              </a:schemeClr>
+            </a:gs>
+          </a:gsLst>
+          <a:lin ang="5400000" scaled="0"/>
+        </a:gradFill>
+      </a:fillStyleLst>
+      <a:lnStyleLst>
+        <a:ln w="9525" cap="rnd" cmpd="sng" algn="ctr">
+          <a:solidFill>
+            <a:schemeClr val="phClr">
+              <a:shade val="90000"/>
+            </a:schemeClr>
+          </a:solidFill>
+          <a:prstDash val="solid"/>
+        </a:ln>
+        <a:ln w="15875" cap="rnd" cmpd="sng" algn="ctr">
+          <a:solidFill>
+            <a:schemeClr val="phClr"/>
+          </a:solidFill>
+          <a:prstDash val="solid"/>
+        </a:ln>
+        <a:ln w="22225" cap="rnd" cmpd="sng" algn="ctr">
+          <a:solidFill>
+            <a:schemeClr val="phClr"/>
+          </a:solidFill>
+          <a:prstDash val="solid"/>
+        </a:ln>
+      </a:lnStyleLst>
+      <a:effectStyleLst>
+        <a:effectStyle>
+          <a:effectLst/>
+        </a:effectStyle>
+        <a:effectStyle>
+          <a:effectLst>
+            <a:outerShdw blurRad="38100" dist="25400" dir="5400000" rotWithShape="0">
+              <a:srgbClr val="000000">
+                <a:alpha val="25000"/>
+              </a:srgbClr>
+            </a:outerShdw>
+          </a:effectLst>
+        </a:effectStyle>
+        <a:effectStyle>
+          <a:effectLst>
+            <a:outerShdw blurRad="50800" dist="38100" dir="5400000" rotWithShape="0">
+              <a:srgbClr val="000000">
+                <a:alpha val="60000"/>
+              </a:srgbClr>
+            </a:outerShdw>
+          </a:effectLst>
+        </a:effectStyle>
+      </a:effectStyleLst>
+      <a:bgFillStyleLst>
         <a:solidFill>
           <a:schemeClr val="phClr"/>
         </a:solidFill>
@@ -3137,23 +9318,15 @@
           <a:gsLst>
             <a:gs pos="0">
               <a:schemeClr val="phClr">
-                <a:lumMod val="110000"/>
-                <a:satMod val="105000"/>
-                <a:tint val="67000"/>
-              </a:schemeClr>
-            </a:gs>
-            <a:gs pos="50000">
-              <a:schemeClr val="phClr">
-                <a:lumMod val="105000"/>
-                <a:satMod val="103000"/>
-                <a:tint val="73000"/>
+                <a:tint val="90000"/>
+                <a:lumMod val="120000"/>
               </a:schemeClr>
             </a:gs>
             <a:gs pos="100000">
               <a:schemeClr val="phClr">
-                <a:lumMod val="105000"/>
-                <a:satMod val="109000"/>
-                <a:tint val="81000"/>
+                <a:shade val="98000"/>
+                <a:satMod val="120000"/>
+                <a:lumMod val="98000"/>
               </a:schemeClr>
             </a:gs>
           </a:gsLst>
@@ -3163,105 +9336,22 @@
           <a:gsLst>
             <a:gs pos="0">
               <a:schemeClr val="phClr">
-                <a:satMod val="103000"/>
-                <a:lumMod val="102000"/>
-                <a:tint val="94000"/>
-              </a:schemeClr>
-            </a:gs>
-            <a:gs pos="50000">
-              <a:schemeClr val="phClr">
-                <a:satMod val="110000"/>
-                <a:lumMod val="100000"/>
-                <a:shade val="100000"/>
+                <a:tint val="90000"/>
+                <a:satMod val="92000"/>
+                <a:lumMod val="120000"/>
               </a:schemeClr>
             </a:gs>
             <a:gs pos="100000">
               <a:schemeClr val="phClr">
-                <a:lumMod val="99000"/>
+                <a:shade val="98000"/>
                 <a:satMod val="120000"/>
-                <a:shade val="78000"/>
+                <a:lumMod val="98000"/>
               </a:schemeClr>
             </a:gs>
           </a:gsLst>
-          <a:lin ang="5400000" scaled="0"/>
-        </a:gradFill>
-      </a:fillStyleLst>
-      <a:lnStyleLst>
-        <a:ln w="6350" cap="flat" cmpd="sng" algn="ctr">
-          <a:solidFill>
-            <a:schemeClr val="phClr"/>
-          </a:solidFill>
-          <a:prstDash val="solid"/>
-          <a:miter lim="800000"/>
-        </a:ln>
-        <a:ln w="12700" cap="flat" cmpd="sng" algn="ctr">
-          <a:solidFill>
-            <a:schemeClr val="phClr"/>
-          </a:solidFill>
-          <a:prstDash val="solid"/>
-          <a:miter lim="800000"/>
-        </a:ln>
-        <a:ln w="19050" cap="flat" cmpd="sng" algn="ctr">
-          <a:solidFill>
-            <a:schemeClr val="phClr"/>
-          </a:solidFill>
-          <a:prstDash val="solid"/>
-          <a:miter lim="800000"/>
-        </a:ln>
-      </a:lnStyleLst>
-      <a:effectStyleLst>
-        <a:effectStyle>
-          <a:effectLst/>
-        </a:effectStyle>
-        <a:effectStyle>
-          <a:effectLst/>
-        </a:effectStyle>
-        <a:effectStyle>
-          <a:effectLst>
-            <a:outerShdw blurRad="57150" dist="19050" dir="5400000" algn="ctr" rotWithShape="0">
-              <a:srgbClr val="000000">
-                <a:alpha val="63000"/>
-              </a:srgbClr>
-            </a:outerShdw>
-          </a:effectLst>
-        </a:effectStyle>
-      </a:effectStyleLst>
-      <a:bgFillStyleLst>
-        <a:solidFill>
-          <a:schemeClr val="phClr"/>
-        </a:solidFill>
-        <a:solidFill>
-          <a:schemeClr val="phClr">
-            <a:tint val="95000"/>
-            <a:satMod val="170000"/>
-          </a:schemeClr>
-        </a:solidFill>
-        <a:gradFill rotWithShape="1">
-          <a:gsLst>
-            <a:gs pos="0">
-              <a:schemeClr val="phClr">
-                <a:tint val="93000"/>
-                <a:satMod val="150000"/>
-                <a:shade val="98000"/>
-                <a:lumMod val="102000"/>
-              </a:schemeClr>
-            </a:gs>
-            <a:gs pos="50000">
-              <a:schemeClr val="phClr">
-                <a:tint val="98000"/>
-                <a:satMod val="130000"/>
-                <a:shade val="90000"/>
-                <a:lumMod val="103000"/>
-              </a:schemeClr>
-            </a:gs>
-            <a:gs pos="100000">
-              <a:schemeClr val="phClr">
-                <a:shade val="63000"/>
-                <a:satMod val="120000"/>
-              </a:schemeClr>
-            </a:gs>
-          </a:gsLst>
-          <a:lin ang="5400000" scaled="0"/>
+          <a:path path="circle">
+            <a:fillToRect l="50000" t="50000" r="100000" b="100000"/>
+          </a:path>
         </a:gradFill>
       </a:bgFillStyleLst>
     </a:fmtScheme>
@@ -3270,7 +9360,7 @@
   <a:extraClrSchemeLst/>
   <a:extLst>
     <a:ext uri="{05A4C25C-085E-4340-85A3-A5531E510DB2}">
-      <thm15:themeFamily xmlns:thm15="http://schemas.microsoft.com/office/thememl/2012/main" name="Office Theme" id="{62F939B6-93AF-4DB8-9C6B-D6C7DFDC589F}" vid="{4A3C46E8-61CC-4603-A589-7422A47A8E4A}"/>
+      <thm15:themeFamily xmlns:thm15="http://schemas.microsoft.com/office/thememl/2012/main" name="Wisp" id="{7CB32D59-10C0-40DD-B7BD-2E94284A981C}" vid="{4F34B87B-9C7A-41AE-A6CB-48536223DFFD}"/>
     </a:ext>
   </a:extLst>
 </a:theme>

--- a/Présentation/Présentation Soutenance.pptx
+++ b/Présentation/Présentation Soutenance.pptx
@@ -306,7 +306,7 @@
           <a:p>
             <a:fld id="{A8B6E2BB-5D6E-4C5A-AF8D-EB2315DDE3FA}" type="datetimeFigureOut">
               <a:rPr lang="en-US" smtClean="0"/>
-              <a:t>7/11/2019</a:t>
+              <a:t>7/12/2019</a:t>
             </a:fld>
             <a:endParaRPr lang="en-US"/>
           </a:p>
@@ -644,7 +644,7 @@
           <a:p>
             <a:fld id="{A8B6E2BB-5D6E-4C5A-AF8D-EB2315DDE3FA}" type="datetimeFigureOut">
               <a:rPr lang="en-US" smtClean="0"/>
-              <a:t>7/11/2019</a:t>
+              <a:t>7/12/2019</a:t>
             </a:fld>
             <a:endParaRPr lang="en-US"/>
           </a:p>
@@ -1045,7 +1045,7 @@
           <a:p>
             <a:fld id="{A8B6E2BB-5D6E-4C5A-AF8D-EB2315DDE3FA}" type="datetimeFigureOut">
               <a:rPr lang="en-US" smtClean="0"/>
-              <a:t>7/11/2019</a:t>
+              <a:t>7/12/2019</a:t>
             </a:fld>
             <a:endParaRPr lang="en-US"/>
           </a:p>
@@ -1381,7 +1381,7 @@
           <a:p>
             <a:fld id="{A8B6E2BB-5D6E-4C5A-AF8D-EB2315DDE3FA}" type="datetimeFigureOut">
               <a:rPr lang="en-US" smtClean="0"/>
-              <a:t>7/11/2019</a:t>
+              <a:t>7/12/2019</a:t>
             </a:fld>
             <a:endParaRPr lang="en-US"/>
           </a:p>
@@ -1701,7 +1701,7 @@
           <a:p>
             <a:fld id="{A8B6E2BB-5D6E-4C5A-AF8D-EB2315DDE3FA}" type="datetimeFigureOut">
               <a:rPr lang="en-US" smtClean="0"/>
-              <a:t>7/11/2019</a:t>
+              <a:t>7/12/2019</a:t>
             </a:fld>
             <a:endParaRPr lang="en-US"/>
           </a:p>
@@ -2097,7 +2097,7 @@
           <a:p>
             <a:fld id="{A8B6E2BB-5D6E-4C5A-AF8D-EB2315DDE3FA}" type="datetimeFigureOut">
               <a:rPr lang="en-US" smtClean="0"/>
-              <a:t>7/11/2019</a:t>
+              <a:t>7/12/2019</a:t>
             </a:fld>
             <a:endParaRPr lang="en-US"/>
           </a:p>
@@ -2354,7 +2354,7 @@
           <a:p>
             <a:fld id="{A8B6E2BB-5D6E-4C5A-AF8D-EB2315DDE3FA}" type="datetimeFigureOut">
               <a:rPr lang="en-US" smtClean="0"/>
-              <a:t>7/11/2019</a:t>
+              <a:t>7/12/2019</a:t>
             </a:fld>
             <a:endParaRPr lang="en-US"/>
           </a:p>
@@ -2616,7 +2616,7 @@
           <a:p>
             <a:fld id="{A8B6E2BB-5D6E-4C5A-AF8D-EB2315DDE3FA}" type="datetimeFigureOut">
               <a:rPr lang="en-US" smtClean="0"/>
-              <a:t>7/11/2019</a:t>
+              <a:t>7/12/2019</a:t>
             </a:fld>
             <a:endParaRPr lang="en-US"/>
           </a:p>
@@ -2878,7 +2878,7 @@
           <a:p>
             <a:fld id="{A8B6E2BB-5D6E-4C5A-AF8D-EB2315DDE3FA}" type="datetimeFigureOut">
               <a:rPr lang="en-US" smtClean="0"/>
-              <a:t>7/11/2019</a:t>
+              <a:t>7/12/2019</a:t>
             </a:fld>
             <a:endParaRPr lang="en-US"/>
           </a:p>
@@ -3207,7 +3207,7 @@
           <a:p>
             <a:fld id="{A8B6E2BB-5D6E-4C5A-AF8D-EB2315DDE3FA}" type="datetimeFigureOut">
               <a:rPr lang="en-US" smtClean="0"/>
-              <a:t>7/11/2019</a:t>
+              <a:t>7/12/2019</a:t>
             </a:fld>
             <a:endParaRPr lang="en-US"/>
           </a:p>
@@ -3530,7 +3530,7 @@
           <a:p>
             <a:fld id="{A8B6E2BB-5D6E-4C5A-AF8D-EB2315DDE3FA}" type="datetimeFigureOut">
               <a:rPr lang="en-US" smtClean="0"/>
-              <a:t>7/11/2019</a:t>
+              <a:t>7/12/2019</a:t>
             </a:fld>
             <a:endParaRPr lang="en-US"/>
           </a:p>
@@ -3987,7 +3987,7 @@
           <a:p>
             <a:fld id="{A8B6E2BB-5D6E-4C5A-AF8D-EB2315DDE3FA}" type="datetimeFigureOut">
               <a:rPr lang="en-US" smtClean="0"/>
-              <a:t>7/11/2019</a:t>
+              <a:t>7/12/2019</a:t>
             </a:fld>
             <a:endParaRPr lang="en-US"/>
           </a:p>
@@ -4192,7 +4192,7 @@
           <a:p>
             <a:fld id="{A8B6E2BB-5D6E-4C5A-AF8D-EB2315DDE3FA}" type="datetimeFigureOut">
               <a:rPr lang="en-US" smtClean="0"/>
-              <a:t>7/11/2019</a:t>
+              <a:t>7/12/2019</a:t>
             </a:fld>
             <a:endParaRPr lang="en-US"/>
           </a:p>
@@ -4369,7 +4369,7 @@
           <a:p>
             <a:fld id="{A8B6E2BB-5D6E-4C5A-AF8D-EB2315DDE3FA}" type="datetimeFigureOut">
               <a:rPr lang="en-US" smtClean="0"/>
-              <a:t>7/11/2019</a:t>
+              <a:t>7/12/2019</a:t>
             </a:fld>
             <a:endParaRPr lang="en-US"/>
           </a:p>
@@ -4702,7 +4702,7 @@
           <a:p>
             <a:fld id="{A8B6E2BB-5D6E-4C5A-AF8D-EB2315DDE3FA}" type="datetimeFigureOut">
               <a:rPr lang="en-US" smtClean="0"/>
-              <a:t>7/11/2019</a:t>
+              <a:t>7/12/2019</a:t>
             </a:fld>
             <a:endParaRPr lang="en-US"/>
           </a:p>
@@ -5047,7 +5047,7 @@
           <a:p>
             <a:fld id="{A8B6E2BB-5D6E-4C5A-AF8D-EB2315DDE3FA}" type="datetimeFigureOut">
               <a:rPr lang="en-US" smtClean="0"/>
-              <a:t>7/11/2019</a:t>
+              <a:t>7/12/2019</a:t>
             </a:fld>
             <a:endParaRPr lang="en-US"/>
           </a:p>
@@ -7164,7 +7164,7 @@
           <a:p>
             <a:fld id="{A8B6E2BB-5D6E-4C5A-AF8D-EB2315DDE3FA}" type="datetimeFigureOut">
               <a:rPr lang="en-US" smtClean="0"/>
-              <a:t>7/11/2019</a:t>
+              <a:t>7/12/2019</a:t>
             </a:fld>
             <a:endParaRPr lang="en-US"/>
           </a:p>
@@ -8436,7 +8436,7 @@
         <p:spPr>
           <a:xfrm>
             <a:off x="3217985" y="1397977"/>
-            <a:ext cx="8642838" cy="4770537"/>
+            <a:ext cx="8642838" cy="5262979"/>
           </a:xfrm>
           <a:prstGeom prst="rect">
             <a:avLst/>
@@ -8488,11 +8488,7 @@
             <a:pPr algn="just"/>
             <a:r>
               <a:rPr lang="fr-FR" sz="1600" dirty="0" smtClean="0"/>
-              <a:t>Pas de tests d’intégration (insertion du programme avec d’autres logiciels</a:t>
-            </a:r>
-            <a:r>
-              <a:rPr lang="fr-FR" sz="1600" smtClean="0"/>
-              <a:t>, technologie)</a:t>
+              <a:t>Pas de tests d’intégration (insertion du programme avec d’autres logiciels, technologie)</a:t>
             </a:r>
             <a:endParaRPr lang="fr-FR" sz="1600" dirty="0"/>
           </a:p>
@@ -8587,6 +8583,40 @@
               <a:rPr lang="en-GB" sz="1600" dirty="0" smtClean="0"/>
               <a:t>view</a:t>
             </a:r>
+          </a:p>
+          <a:p>
+            <a:pPr marL="285750" indent="-285750">
+              <a:buFont typeface="Courier New" panose="02070309020205020404" pitchFamily="49" charset="0"/>
+              <a:buChar char="o"/>
+            </a:pPr>
+            <a:endParaRPr lang="en-GB" sz="1600" dirty="0"/>
+          </a:p>
+          <a:p>
+            <a:pPr marL="285750" indent="-285750">
+              <a:buFont typeface="Courier New" panose="02070309020205020404" pitchFamily="49" charset="0"/>
+              <a:buChar char="o"/>
+            </a:pPr>
+            <a:r>
+              <a:rPr lang="en-GB" sz="1600" dirty="0" err="1" smtClean="0"/>
+              <a:t>Ligne</a:t>
+            </a:r>
+            <a:r>
+              <a:rPr lang="en-GB" sz="1600" dirty="0" smtClean="0"/>
+              <a:t> 282 </a:t>
+            </a:r>
+            <a:r>
+              <a:rPr lang="en-GB" sz="1600" dirty="0"/>
+              <a:t>: should toggle all </a:t>
+            </a:r>
+            <a:r>
+              <a:rPr lang="en-GB" sz="1600" dirty="0" err="1"/>
+              <a:t>todos</a:t>
+            </a:r>
+            <a:r>
+              <a:rPr lang="en-GB" sz="1600" dirty="0"/>
+              <a:t> to active</a:t>
+            </a:r>
+            <a:endParaRPr lang="en-GB" sz="1600" dirty="0" smtClean="0"/>
           </a:p>
           <a:p>
             <a:endParaRPr lang="fr-FR" sz="1600" dirty="0" smtClean="0"/>
